--- a/Slides/Developing with the Media API April 2013.pptx
+++ b/Slides/Developing with the Media API April 2013.pptx
@@ -1,6 +1,6 @@
 
 <file path=ppt/presentation.xml><?xml version="1.0" encoding="utf-8"?>
-<p:presentation xmlns:a="http://schemas.openxmlformats.org/drawingml/2006/main" xmlns:r="http://schemas.openxmlformats.org/officeDocument/2006/relationships" xmlns:p="http://schemas.openxmlformats.org/presentationml/2006/main" showSpecialPlsOnTitleSld="0" saveSubsetFonts="1" autoCompressPictures="0">
+<p:presentation xmlns:a="http://schemas.openxmlformats.org/drawingml/2006/main" xmlns:r="http://schemas.openxmlformats.org/officeDocument/2006/relationships" xmlns:mc="http://schemas.openxmlformats.org/markup-compatibility/2006" xmlns:mv="urn:schemas-microsoft-com:mac:vml" xmlns:p="http://schemas.openxmlformats.org/presentationml/2006/main" mc:Ignorable="mv" mc:PreserveAttributes="mv:*" showSpecialPlsOnTitleSld="0" saveSubsetFonts="1" autoCompressPictures="0">
   <p:sldMasterIdLst>
     <p:sldMasterId id="2147483648" r:id="rId1"/>
   </p:sldMasterIdLst>
@@ -1521,21 +1521,21 @@
     </dgm:pt>
   </dgm:ptLst>
   <dgm:cxnLst>
-    <dgm:cxn modelId="{BB0A4C98-71B1-7546-9853-0A12066FBA52}" type="presOf" srcId="{63847200-FF9F-9344-9CF2-E3242B9C0CB8}" destId="{9BAA7D7D-2FD2-2F4D-B9CA-1BCDCA8FC47A}" srcOrd="0" destOrd="0" presId="urn:microsoft.com/office/officeart/2005/8/layout/vList3#1"/>
-    <dgm:cxn modelId="{6A37C480-9502-0740-A085-FE2445BECA14}" srcId="{F0AD2E67-C79B-9E46-B970-2AE6568364EF}" destId="{2458BA4F-A50C-8F46-AB71-81125BDEC499}" srcOrd="6" destOrd="0" parTransId="{76339A1B-4687-CF48-80B8-CA9AD8AE1524}" sibTransId="{4FC1B4C1-1DA6-5C43-9917-962CE5F790FA}"/>
-    <dgm:cxn modelId="{4C5A3617-41E6-8740-8F4A-348629A9A4D4}" srcId="{F0AD2E67-C79B-9E46-B970-2AE6568364EF}" destId="{B696D377-47B1-7A42-88A7-E3414A4E1024}" srcOrd="5" destOrd="0" parTransId="{B91CF804-6330-D643-8272-DB3E10DC232F}" sibTransId="{8F65373B-A262-D947-B604-278EB7A0CCAB}"/>
-    <dgm:cxn modelId="{68E94A3E-2149-5242-9E28-25D12DBF73B4}" type="presOf" srcId="{A4C7B8D8-02F5-A54C-9BD8-7D65128378D6}" destId="{53807655-F3C6-D84C-851B-192257FFD14C}" srcOrd="0" destOrd="0" presId="urn:microsoft.com/office/officeart/2005/8/layout/vList3#1"/>
+    <dgm:cxn modelId="{412A11F8-F0D1-CD49-A1A2-0C92A77297AF}" type="presOf" srcId="{EC01C5D9-2B50-8047-8463-B211A754E550}" destId="{EC90178F-41FB-AE4F-9D43-DB4E2B62A769}" srcOrd="0" destOrd="0" presId="urn:microsoft.com/office/officeart/2005/8/layout/vList3#1"/>
     <dgm:cxn modelId="{8879767C-BA7F-A745-A17A-CD71DACEBF47}" srcId="{F0AD2E67-C79B-9E46-B970-2AE6568364EF}" destId="{EC01C5D9-2B50-8047-8463-B211A754E550}" srcOrd="2" destOrd="0" parTransId="{65EC65BB-1083-E848-AB3D-2A64DF685FB3}" sibTransId="{45F856F0-CA12-0048-9664-091A580FB411}"/>
+    <dgm:cxn modelId="{3C99E89E-0B94-9144-A2A7-78BCFBF967EF}" srcId="{F0AD2E67-C79B-9E46-B970-2AE6568364EF}" destId="{63847200-FF9F-9344-9CF2-E3242B9C0CB8}" srcOrd="1" destOrd="0" parTransId="{8ADBE0F2-21D4-DE41-AF2A-35138BA00375}" sibTransId="{9962FA45-1488-E34A-96DE-A3BE88638DFC}"/>
+    <dgm:cxn modelId="{911AA273-42EA-A144-8DEC-ACE9DD1721BC}" type="presOf" srcId="{2458BA4F-A50C-8F46-AB71-81125BDEC499}" destId="{C0CD02E4-8592-7B40-9166-499313980291}" srcOrd="0" destOrd="0" presId="urn:microsoft.com/office/officeart/2005/8/layout/vList3#1"/>
+    <dgm:cxn modelId="{FFE24DEF-5A00-064D-83E4-EF3BF8D0621C}" srcId="{F0AD2E67-C79B-9E46-B970-2AE6568364EF}" destId="{1502FB04-7520-8148-89A6-4C5756E3C884}" srcOrd="0" destOrd="0" parTransId="{22E6D9D8-8E86-3B41-B0D8-90DAE5CD4636}" sibTransId="{4655E7CF-B7DB-4849-845E-9F12CA47F707}"/>
     <dgm:cxn modelId="{616A6187-097A-7949-84A0-2D986EF0569A}" type="presOf" srcId="{9F2628AB-DF64-CD4F-83BD-53C3654635C3}" destId="{B0B8A16B-7EA8-3E4E-AC40-EC99CDE3F0B5}" srcOrd="0" destOrd="0" presId="urn:microsoft.com/office/officeart/2005/8/layout/vList3#1"/>
-    <dgm:cxn modelId="{FFE24DEF-5A00-064D-83E4-EF3BF8D0621C}" srcId="{F0AD2E67-C79B-9E46-B970-2AE6568364EF}" destId="{1502FB04-7520-8148-89A6-4C5756E3C884}" srcOrd="0" destOrd="0" parTransId="{22E6D9D8-8E86-3B41-B0D8-90DAE5CD4636}" sibTransId="{4655E7CF-B7DB-4849-845E-9F12CA47F707}"/>
-    <dgm:cxn modelId="{891DF118-1FD9-7341-91A3-DD6255F5A79E}" type="presOf" srcId="{1502FB04-7520-8148-89A6-4C5756E3C884}" destId="{A351A578-CC18-2645-8599-76BFD289FCF5}" srcOrd="0" destOrd="0" presId="urn:microsoft.com/office/officeart/2005/8/layout/vList3#1"/>
-    <dgm:cxn modelId="{911AA273-42EA-A144-8DEC-ACE9DD1721BC}" type="presOf" srcId="{2458BA4F-A50C-8F46-AB71-81125BDEC499}" destId="{C0CD02E4-8592-7B40-9166-499313980291}" srcOrd="0" destOrd="0" presId="urn:microsoft.com/office/officeart/2005/8/layout/vList3#1"/>
     <dgm:cxn modelId="{778C103F-FC19-6B4A-BC64-B877D806EC95}" srcId="{F0AD2E67-C79B-9E46-B970-2AE6568364EF}" destId="{9F2628AB-DF64-CD4F-83BD-53C3654635C3}" srcOrd="3" destOrd="0" parTransId="{294B9BC3-B37D-9448-91EF-F1872BC36FF8}" sibTransId="{E4D30768-0022-174A-B106-B691D3C645FC}"/>
     <dgm:cxn modelId="{855EF2D4-D82B-7D40-981A-98B473305A5A}" srcId="{F0AD2E67-C79B-9E46-B970-2AE6568364EF}" destId="{A4C7B8D8-02F5-A54C-9BD8-7D65128378D6}" srcOrd="4" destOrd="0" parTransId="{21AC2075-5B2B-4947-90BE-E18536641718}" sibTransId="{360BA2AB-6EA1-7B43-B59A-16220A2A5E24}"/>
+    <dgm:cxn modelId="{6A37C480-9502-0740-A085-FE2445BECA14}" srcId="{F0AD2E67-C79B-9E46-B970-2AE6568364EF}" destId="{2458BA4F-A50C-8F46-AB71-81125BDEC499}" srcOrd="6" destOrd="0" parTransId="{76339A1B-4687-CF48-80B8-CA9AD8AE1524}" sibTransId="{4FC1B4C1-1DA6-5C43-9917-962CE5F790FA}"/>
+    <dgm:cxn modelId="{68E94A3E-2149-5242-9E28-25D12DBF73B4}" type="presOf" srcId="{A4C7B8D8-02F5-A54C-9BD8-7D65128378D6}" destId="{53807655-F3C6-D84C-851B-192257FFD14C}" srcOrd="0" destOrd="0" presId="urn:microsoft.com/office/officeart/2005/8/layout/vList3#1"/>
+    <dgm:cxn modelId="{891DF118-1FD9-7341-91A3-DD6255F5A79E}" type="presOf" srcId="{1502FB04-7520-8148-89A6-4C5756E3C884}" destId="{A351A578-CC18-2645-8599-76BFD289FCF5}" srcOrd="0" destOrd="0" presId="urn:microsoft.com/office/officeart/2005/8/layout/vList3#1"/>
+    <dgm:cxn modelId="{BB0A4C98-71B1-7546-9853-0A12066FBA52}" type="presOf" srcId="{63847200-FF9F-9344-9CF2-E3242B9C0CB8}" destId="{9BAA7D7D-2FD2-2F4D-B9CA-1BCDCA8FC47A}" srcOrd="0" destOrd="0" presId="urn:microsoft.com/office/officeart/2005/8/layout/vList3#1"/>
+    <dgm:cxn modelId="{B8F4EF19-94AF-C147-A093-89995F5C751C}" type="presOf" srcId="{B696D377-47B1-7A42-88A7-E3414A4E1024}" destId="{6A0210A8-2D65-9B4F-A92C-AB7465982662}" srcOrd="0" destOrd="0" presId="urn:microsoft.com/office/officeart/2005/8/layout/vList3#1"/>
+    <dgm:cxn modelId="{4C5A3617-41E6-8740-8F4A-348629A9A4D4}" srcId="{F0AD2E67-C79B-9E46-B970-2AE6568364EF}" destId="{B696D377-47B1-7A42-88A7-E3414A4E1024}" srcOrd="5" destOrd="0" parTransId="{B91CF804-6330-D643-8272-DB3E10DC232F}" sibTransId="{8F65373B-A262-D947-B604-278EB7A0CCAB}"/>
     <dgm:cxn modelId="{F7137CCB-4716-9E46-A6FD-D5716002F6E9}" type="presOf" srcId="{F0AD2E67-C79B-9E46-B970-2AE6568364EF}" destId="{953E32E0-2C3D-2C42-939F-0B67EA6B2ACF}" srcOrd="0" destOrd="0" presId="urn:microsoft.com/office/officeart/2005/8/layout/vList3#1"/>
-    <dgm:cxn modelId="{412A11F8-F0D1-CD49-A1A2-0C92A77297AF}" type="presOf" srcId="{EC01C5D9-2B50-8047-8463-B211A754E550}" destId="{EC90178F-41FB-AE4F-9D43-DB4E2B62A769}" srcOrd="0" destOrd="0" presId="urn:microsoft.com/office/officeart/2005/8/layout/vList3#1"/>
-    <dgm:cxn modelId="{B8F4EF19-94AF-C147-A093-89995F5C751C}" type="presOf" srcId="{B696D377-47B1-7A42-88A7-E3414A4E1024}" destId="{6A0210A8-2D65-9B4F-A92C-AB7465982662}" srcOrd="0" destOrd="0" presId="urn:microsoft.com/office/officeart/2005/8/layout/vList3#1"/>
-    <dgm:cxn modelId="{3C99E89E-0B94-9144-A2A7-78BCFBF967EF}" srcId="{F0AD2E67-C79B-9E46-B970-2AE6568364EF}" destId="{63847200-FF9F-9344-9CF2-E3242B9C0CB8}" srcOrd="1" destOrd="0" parTransId="{8ADBE0F2-21D4-DE41-AF2A-35138BA00375}" sibTransId="{9962FA45-1488-E34A-96DE-A3BE88638DFC}"/>
     <dgm:cxn modelId="{0682810F-4F85-094F-9565-58E3E3A96F20}" type="presParOf" srcId="{953E32E0-2C3D-2C42-939F-0B67EA6B2ACF}" destId="{D0B808AB-4D7A-DB4B-B2B8-41451460FBE6}" srcOrd="0" destOrd="0" presId="urn:microsoft.com/office/officeart/2005/8/layout/vList3#1"/>
     <dgm:cxn modelId="{4EFEC871-A6D0-CA4E-8B55-7532E792DE50}" type="presParOf" srcId="{D0B808AB-4D7A-DB4B-B2B8-41451460FBE6}" destId="{7F375322-D60D-4442-B5B5-9F05EC90CFF6}" srcOrd="0" destOrd="0" presId="urn:microsoft.com/office/officeart/2005/8/layout/vList3#1"/>
     <dgm:cxn modelId="{F697536B-757F-144D-9B3A-5D8058682739}" type="presParOf" srcId="{D0B808AB-4D7A-DB4B-B2B8-41451460FBE6}" destId="{A351A578-CC18-2645-8599-76BFD289FCF5}" srcOrd="1" destOrd="0" presId="urn:microsoft.com/office/officeart/2005/8/layout/vList3#1"/>
@@ -1568,14 +1568,14 @@
   <dgm:whole/>
   <dgm:extLst>
     <a:ext uri="http://schemas.microsoft.com/office/drawing/2008/diagram">
-      <dsp:dataModelExt xmlns:dsp="http://schemas.microsoft.com/office/drawing/2008/diagram" relId="rId6" minVer="http://schemas.openxmlformats.org/drawingml/2006/diagram"/>
+      <dsp:dataModelExt xmlns:dsp="http://schemas.microsoft.com/office/drawing/2008/diagram" xmlns="" relId="rId6" minVer="http://schemas.openxmlformats.org/drawingml/2006/diagram"/>
     </a:ext>
   </dgm:extLst>
 </dgm:dataModel>
 </file>
 
 <file path=ppt/diagrams/drawing1.xml><?xml version="1.0" encoding="utf-8"?>
-<dsp:drawing xmlns:dgm="http://schemas.openxmlformats.org/drawingml/2006/diagram" xmlns:dsp="http://schemas.microsoft.com/office/drawing/2008/diagram" xmlns:a="http://schemas.openxmlformats.org/drawingml/2006/main">
+<dsp:drawing xmlns:dgm="http://schemas.openxmlformats.org/drawingml/2006/diagram" xmlns:a="http://schemas.openxmlformats.org/drawingml/2006/main" xmlns:dsp="http://schemas.microsoft.com/office/drawing/2008/diagram">
   <dsp:spTree>
     <dsp:nvGrpSpPr>
       <dsp:cNvPr id="0" name=""/>
@@ -1659,8 +1659,8 @@
         </a:p>
       </dsp:txBody>
       <dsp:txXfrm rot="10800000">
-        <a:off x="2892310" y="5034"/>
-        <a:ext cx="9735737" cy="781705"/>
+        <a:off x="2696884" y="5034"/>
+        <a:ext cx="9931163" cy="781705"/>
       </dsp:txXfrm>
     </dsp:sp>
     <dsp:sp modelId="{7F375322-D60D-4442-B5B5-9F05EC90CFF6}">
@@ -1786,8 +1786,8 @@
         </a:p>
       </dsp:txBody>
       <dsp:txXfrm rot="10800000">
-        <a:off x="2892310" y="1020085"/>
-        <a:ext cx="9735737" cy="781705"/>
+        <a:off x="2696884" y="1020085"/>
+        <a:ext cx="9931163" cy="781705"/>
       </dsp:txXfrm>
     </dsp:sp>
     <dsp:sp modelId="{E9BC62CD-D8E1-1B4F-84B5-EDB63D6AACDA}">
@@ -1913,8 +1913,8 @@
         </a:p>
       </dsp:txBody>
       <dsp:txXfrm rot="10800000">
-        <a:off x="2892310" y="2035136"/>
-        <a:ext cx="9735737" cy="781705"/>
+        <a:off x="2696884" y="2035136"/>
+        <a:ext cx="9931163" cy="781705"/>
       </dsp:txXfrm>
     </dsp:sp>
     <dsp:sp modelId="{543DF3B9-B08F-B045-9342-B09D6B9C59FB}">
@@ -2040,8 +2040,8 @@
         </a:p>
       </dsp:txBody>
       <dsp:txXfrm rot="10800000">
-        <a:off x="2892310" y="3050187"/>
-        <a:ext cx="9735737" cy="781705"/>
+        <a:off x="2696884" y="3050187"/>
+        <a:ext cx="9931163" cy="781705"/>
       </dsp:txXfrm>
     </dsp:sp>
     <dsp:sp modelId="{A2F37EB0-2D82-5941-A74F-8B62C7FCDF61}">
@@ -2167,8 +2167,8 @@
         </a:p>
       </dsp:txBody>
       <dsp:txXfrm rot="10800000">
-        <a:off x="2892310" y="4065237"/>
-        <a:ext cx="9735737" cy="781705"/>
+        <a:off x="2696884" y="4065237"/>
+        <a:ext cx="9931163" cy="781705"/>
       </dsp:txXfrm>
     </dsp:sp>
     <dsp:sp modelId="{DADEE6D1-76AF-A74E-9BBD-03DF39F525D6}">
@@ -2293,8 +2293,8 @@
         </a:p>
       </dsp:txBody>
       <dsp:txXfrm rot="10800000">
-        <a:off x="2892310" y="5080288"/>
-        <a:ext cx="9735737" cy="781705"/>
+        <a:off x="2696884" y="5080288"/>
+        <a:ext cx="9931163" cy="781705"/>
       </dsp:txXfrm>
     </dsp:sp>
     <dsp:sp modelId="{6F0E477B-1209-9E4F-BFA3-8B950DA3F84E}">
@@ -2419,8 +2419,8 @@
         </a:p>
       </dsp:txBody>
       <dsp:txXfrm rot="10800000">
-        <a:off x="2892310" y="6095339"/>
-        <a:ext cx="9735737" cy="781705"/>
+        <a:off x="2696884" y="6095339"/>
+        <a:ext cx="9931163" cy="781705"/>
       </dsp:txXfrm>
     </dsp:sp>
     <dsp:sp modelId="{116CE4C5-24C0-1649-AC07-91BB87FEE450}">
@@ -3671,7 +3671,7 @@
 </file>
 
 <file path=ppt/notesMasters/notesMaster1.xml><?xml version="1.0" encoding="utf-8"?>
-<p:notesMaster xmlns:a="http://schemas.openxmlformats.org/drawingml/2006/main" xmlns:r="http://schemas.openxmlformats.org/officeDocument/2006/relationships" xmlns:p="http://schemas.openxmlformats.org/presentationml/2006/main">
+<p:notesMaster xmlns:a="http://schemas.openxmlformats.org/drawingml/2006/main" xmlns:r="http://schemas.openxmlformats.org/officeDocument/2006/relationships" xmlns:mc="http://schemas.openxmlformats.org/markup-compatibility/2006" xmlns:mv="urn:schemas-microsoft-com:mac:vml" xmlns:p="http://schemas.openxmlformats.org/presentationml/2006/main" mc:Ignorable="mv" mc:PreserveAttributes="mv:*">
   <p:cSld>
     <p:bg>
       <p:bgRef idx="1001">
@@ -3753,7 +3753,7 @@
             <a:fld id="{DDC063FE-8627-9A42-970F-0BBEEB02B587}" type="datetimeFigureOut">
               <a:rPr lang="en-US" smtClean="0"/>
               <a:pPr/>
-              <a:t>4/17/13</a:t>
+              <a:t>7/17/13</a:t>
             </a:fld>
             <a:endParaRPr lang="en-US"/>
           </a:p>
@@ -3922,7 +3922,7 @@
     </p:spTree>
     <p:extLst>
       <p:ext uri="{BB962C8B-B14F-4D97-AF65-F5344CB8AC3E}">
-        <p14:creationId xmlns:p14="http://schemas.microsoft.com/office/powerpoint/2010/main" val="4045051341"/>
+        <p14:creationId xmlns:p14="http://schemas.microsoft.com/office/powerpoint/2010/main" xmlns:p="http://schemas.openxmlformats.org/presentationml/2006/main" xmlns:r="http://schemas.openxmlformats.org/officeDocument/2006/relationships" xmlns:a="http://schemas.openxmlformats.org/drawingml/2006/main" xmlns="" val="4045051341"/>
       </p:ext>
     </p:extLst>
   </p:cSld>
@@ -4023,7 +4023,7 @@
 </file>
 
 <file path=ppt/notesSlides/notesSlide1.xml><?xml version="1.0" encoding="utf-8"?>
-<p:notes xmlns:a="http://schemas.openxmlformats.org/drawingml/2006/main" xmlns:r="http://schemas.openxmlformats.org/officeDocument/2006/relationships" xmlns:p="http://schemas.openxmlformats.org/presentationml/2006/main">
+<p:notes xmlns:a="http://schemas.openxmlformats.org/drawingml/2006/main" xmlns:r="http://schemas.openxmlformats.org/officeDocument/2006/relationships" xmlns:mc="http://schemas.openxmlformats.org/markup-compatibility/2006" xmlns:mv="urn:schemas-microsoft-com:mac:vml" xmlns:p="http://schemas.openxmlformats.org/presentationml/2006/main" mc:Ignorable="mv" mc:PreserveAttributes="mv:*">
   <p:cSld>
     <p:spTree>
       <p:nvGrpSpPr>
@@ -4086,7 +4086,7 @@
 </file>
 
 <file path=ppt/notesSlides/notesSlide10.xml><?xml version="1.0" encoding="utf-8"?>
-<p:notes xmlns:a="http://schemas.openxmlformats.org/drawingml/2006/main" xmlns:r="http://schemas.openxmlformats.org/officeDocument/2006/relationships" xmlns:p="http://schemas.openxmlformats.org/presentationml/2006/main">
+<p:notes xmlns:a="http://schemas.openxmlformats.org/drawingml/2006/main" xmlns:r="http://schemas.openxmlformats.org/officeDocument/2006/relationships" xmlns:mc="http://schemas.openxmlformats.org/markup-compatibility/2006" xmlns:mv="urn:schemas-microsoft-com:mac:vml" xmlns:p="http://schemas.openxmlformats.org/presentationml/2006/main" mc:Ignorable="mv" mc:PreserveAttributes="mv:*">
   <p:cSld>
     <p:spTree>
       <p:nvGrpSpPr>
@@ -4197,7 +4197,7 @@
 </file>
 
 <file path=ppt/notesSlides/notesSlide11.xml><?xml version="1.0" encoding="utf-8"?>
-<p:notes xmlns:a="http://schemas.openxmlformats.org/drawingml/2006/main" xmlns:r="http://schemas.openxmlformats.org/officeDocument/2006/relationships" xmlns:p="http://schemas.openxmlformats.org/presentationml/2006/main">
+<p:notes xmlns:a="http://schemas.openxmlformats.org/drawingml/2006/main" xmlns:r="http://schemas.openxmlformats.org/officeDocument/2006/relationships" xmlns:mc="http://schemas.openxmlformats.org/markup-compatibility/2006" xmlns:mv="urn:schemas-microsoft-com:mac:vml" xmlns:p="http://schemas.openxmlformats.org/presentationml/2006/main" mc:Ignorable="mv" mc:PreserveAttributes="mv:*">
   <p:cSld>
     <p:spTree>
       <p:nvGrpSpPr>
@@ -4315,7 +4315,7 @@
 </file>
 
 <file path=ppt/notesSlides/notesSlide12.xml><?xml version="1.0" encoding="utf-8"?>
-<p:notes xmlns:a="http://schemas.openxmlformats.org/drawingml/2006/main" xmlns:r="http://schemas.openxmlformats.org/officeDocument/2006/relationships" xmlns:p="http://schemas.openxmlformats.org/presentationml/2006/main">
+<p:notes xmlns:a="http://schemas.openxmlformats.org/drawingml/2006/main" xmlns:r="http://schemas.openxmlformats.org/officeDocument/2006/relationships" xmlns:mc="http://schemas.openxmlformats.org/markup-compatibility/2006" xmlns:mv="urn:schemas-microsoft-com:mac:vml" xmlns:p="http://schemas.openxmlformats.org/presentationml/2006/main" mc:Ignorable="mv" mc:PreserveAttributes="mv:*">
   <p:cSld>
     <p:spTree>
       <p:nvGrpSpPr>
@@ -4378,7 +4378,7 @@
 </file>
 
 <file path=ppt/notesSlides/notesSlide13.xml><?xml version="1.0" encoding="utf-8"?>
-<p:notes xmlns:a="http://schemas.openxmlformats.org/drawingml/2006/main" xmlns:r="http://schemas.openxmlformats.org/officeDocument/2006/relationships" xmlns:p="http://schemas.openxmlformats.org/presentationml/2006/main">
+<p:notes xmlns:a="http://schemas.openxmlformats.org/drawingml/2006/main" xmlns:r="http://schemas.openxmlformats.org/officeDocument/2006/relationships" xmlns:mc="http://schemas.openxmlformats.org/markup-compatibility/2006" xmlns:mv="urn:schemas-microsoft-com:mac:vml" xmlns:p="http://schemas.openxmlformats.org/presentationml/2006/main" mc:Ignorable="mv" mc:PreserveAttributes="mv:*">
   <p:cSld>
     <p:spTree>
       <p:nvGrpSpPr>
@@ -4489,7 +4489,7 @@
 </file>
 
 <file path=ppt/notesSlides/notesSlide14.xml><?xml version="1.0" encoding="utf-8"?>
-<p:notes xmlns:a="http://schemas.openxmlformats.org/drawingml/2006/main" xmlns:r="http://schemas.openxmlformats.org/officeDocument/2006/relationships" xmlns:p="http://schemas.openxmlformats.org/presentationml/2006/main">
+<p:notes xmlns:a="http://schemas.openxmlformats.org/drawingml/2006/main" xmlns:r="http://schemas.openxmlformats.org/officeDocument/2006/relationships" xmlns:mc="http://schemas.openxmlformats.org/markup-compatibility/2006" xmlns:mv="urn:schemas-microsoft-com:mac:vml" xmlns:p="http://schemas.openxmlformats.org/presentationml/2006/main" mc:Ignorable="mv" mc:PreserveAttributes="mv:*">
   <p:cSld>
     <p:spTree>
       <p:nvGrpSpPr>
@@ -4552,7 +4552,7 @@
 </file>
 
 <file path=ppt/notesSlides/notesSlide15.xml><?xml version="1.0" encoding="utf-8"?>
-<p:notes xmlns:a="http://schemas.openxmlformats.org/drawingml/2006/main" xmlns:r="http://schemas.openxmlformats.org/officeDocument/2006/relationships" xmlns:p="http://schemas.openxmlformats.org/presentationml/2006/main">
+<p:notes xmlns:a="http://schemas.openxmlformats.org/drawingml/2006/main" xmlns:r="http://schemas.openxmlformats.org/officeDocument/2006/relationships" xmlns:mc="http://schemas.openxmlformats.org/markup-compatibility/2006" xmlns:mv="urn:schemas-microsoft-com:mac:vml" xmlns:p="http://schemas.openxmlformats.org/presentationml/2006/main" mc:Ignorable="mv" mc:PreserveAttributes="mv:*">
   <p:cSld>
     <p:spTree>
       <p:nvGrpSpPr>
@@ -4615,7 +4615,7 @@
 </file>
 
 <file path=ppt/notesSlides/notesSlide16.xml><?xml version="1.0" encoding="utf-8"?>
-<p:notes xmlns:a="http://schemas.openxmlformats.org/drawingml/2006/main" xmlns:r="http://schemas.openxmlformats.org/officeDocument/2006/relationships" xmlns:p="http://schemas.openxmlformats.org/presentationml/2006/main">
+<p:notes xmlns:a="http://schemas.openxmlformats.org/drawingml/2006/main" xmlns:r="http://schemas.openxmlformats.org/officeDocument/2006/relationships" xmlns:mc="http://schemas.openxmlformats.org/markup-compatibility/2006" xmlns:mv="urn:schemas-microsoft-com:mac:vml" xmlns:p="http://schemas.openxmlformats.org/presentationml/2006/main" mc:Ignorable="mv" mc:PreserveAttributes="mv:*">
   <p:cSld>
     <p:spTree>
       <p:nvGrpSpPr>
@@ -4678,7 +4678,7 @@
 </file>
 
 <file path=ppt/notesSlides/notesSlide17.xml><?xml version="1.0" encoding="utf-8"?>
-<p:notes xmlns:a="http://schemas.openxmlformats.org/drawingml/2006/main" xmlns:r="http://schemas.openxmlformats.org/officeDocument/2006/relationships" xmlns:p="http://schemas.openxmlformats.org/presentationml/2006/main">
+<p:notes xmlns:a="http://schemas.openxmlformats.org/drawingml/2006/main" xmlns:r="http://schemas.openxmlformats.org/officeDocument/2006/relationships" xmlns:mc="http://schemas.openxmlformats.org/markup-compatibility/2006" xmlns:mv="urn:schemas-microsoft-com:mac:vml" xmlns:p="http://schemas.openxmlformats.org/presentationml/2006/main" mc:Ignorable="mv" mc:PreserveAttributes="mv:*">
   <p:cSld>
     <p:spTree>
       <p:nvGrpSpPr>
@@ -4741,7 +4741,7 @@
 </file>
 
 <file path=ppt/notesSlides/notesSlide18.xml><?xml version="1.0" encoding="utf-8"?>
-<p:notes xmlns:a="http://schemas.openxmlformats.org/drawingml/2006/main" xmlns:r="http://schemas.openxmlformats.org/officeDocument/2006/relationships" xmlns:p="http://schemas.openxmlformats.org/presentationml/2006/main">
+<p:notes xmlns:a="http://schemas.openxmlformats.org/drawingml/2006/main" xmlns:r="http://schemas.openxmlformats.org/officeDocument/2006/relationships" xmlns:mc="http://schemas.openxmlformats.org/markup-compatibility/2006" xmlns:mv="urn:schemas-microsoft-com:mac:vml" xmlns:p="http://schemas.openxmlformats.org/presentationml/2006/main" mc:Ignorable="mv" mc:PreserveAttributes="mv:*">
   <p:cSld>
     <p:spTree>
       <p:nvGrpSpPr>
@@ -4852,7 +4852,7 @@
 </file>
 
 <file path=ppt/notesSlides/notesSlide19.xml><?xml version="1.0" encoding="utf-8"?>
-<p:notes xmlns:a="http://schemas.openxmlformats.org/drawingml/2006/main" xmlns:r="http://schemas.openxmlformats.org/officeDocument/2006/relationships" xmlns:p="http://schemas.openxmlformats.org/presentationml/2006/main">
+<p:notes xmlns:a="http://schemas.openxmlformats.org/drawingml/2006/main" xmlns:r="http://schemas.openxmlformats.org/officeDocument/2006/relationships" xmlns:mc="http://schemas.openxmlformats.org/markup-compatibility/2006" xmlns:mv="urn:schemas-microsoft-com:mac:vml" xmlns:p="http://schemas.openxmlformats.org/presentationml/2006/main" mc:Ignorable="mv" mc:PreserveAttributes="mv:*">
   <p:cSld>
     <p:spTree>
       <p:nvGrpSpPr>
@@ -4966,7 +4966,7 @@
 </file>
 
 <file path=ppt/notesSlides/notesSlide2.xml><?xml version="1.0" encoding="utf-8"?>
-<p:notes xmlns:a="http://schemas.openxmlformats.org/drawingml/2006/main" xmlns:r="http://schemas.openxmlformats.org/officeDocument/2006/relationships" xmlns:p="http://schemas.openxmlformats.org/presentationml/2006/main">
+<p:notes xmlns:a="http://schemas.openxmlformats.org/drawingml/2006/main" xmlns:r="http://schemas.openxmlformats.org/officeDocument/2006/relationships" xmlns:mc="http://schemas.openxmlformats.org/markup-compatibility/2006" xmlns:mv="urn:schemas-microsoft-com:mac:vml" xmlns:p="http://schemas.openxmlformats.org/presentationml/2006/main" mc:Ignorable="mv" mc:PreserveAttributes="mv:*">
   <p:cSld>
     <p:spTree>
       <p:nvGrpSpPr>
@@ -5081,7 +5081,7 @@
 </file>
 
 <file path=ppt/notesSlides/notesSlide20.xml><?xml version="1.0" encoding="utf-8"?>
-<p:notes xmlns:a="http://schemas.openxmlformats.org/drawingml/2006/main" xmlns:r="http://schemas.openxmlformats.org/officeDocument/2006/relationships" xmlns:p="http://schemas.openxmlformats.org/presentationml/2006/main">
+<p:notes xmlns:a="http://schemas.openxmlformats.org/drawingml/2006/main" xmlns:r="http://schemas.openxmlformats.org/officeDocument/2006/relationships" xmlns:mc="http://schemas.openxmlformats.org/markup-compatibility/2006" xmlns:mv="urn:schemas-microsoft-com:mac:vml" xmlns:p="http://schemas.openxmlformats.org/presentationml/2006/main" mc:Ignorable="mv" mc:PreserveAttributes="mv:*">
   <p:cSld>
     <p:spTree>
       <p:nvGrpSpPr>
@@ -5192,7 +5192,7 @@
 </file>
 
 <file path=ppt/notesSlides/notesSlide21.xml><?xml version="1.0" encoding="utf-8"?>
-<p:notes xmlns:a="http://schemas.openxmlformats.org/drawingml/2006/main" xmlns:r="http://schemas.openxmlformats.org/officeDocument/2006/relationships" xmlns:p="http://schemas.openxmlformats.org/presentationml/2006/main">
+<p:notes xmlns:a="http://schemas.openxmlformats.org/drawingml/2006/main" xmlns:r="http://schemas.openxmlformats.org/officeDocument/2006/relationships" xmlns:mc="http://schemas.openxmlformats.org/markup-compatibility/2006" xmlns:mv="urn:schemas-microsoft-com:mac:vml" xmlns:p="http://schemas.openxmlformats.org/presentationml/2006/main" mc:Ignorable="mv" mc:PreserveAttributes="mv:*">
   <p:cSld>
     <p:spTree>
       <p:nvGrpSpPr>
@@ -5303,7 +5303,7 @@
 </file>
 
 <file path=ppt/notesSlides/notesSlide22.xml><?xml version="1.0" encoding="utf-8"?>
-<p:notes xmlns:a="http://schemas.openxmlformats.org/drawingml/2006/main" xmlns:r="http://schemas.openxmlformats.org/officeDocument/2006/relationships" xmlns:p="http://schemas.openxmlformats.org/presentationml/2006/main">
+<p:notes xmlns:a="http://schemas.openxmlformats.org/drawingml/2006/main" xmlns:r="http://schemas.openxmlformats.org/officeDocument/2006/relationships" xmlns:mc="http://schemas.openxmlformats.org/markup-compatibility/2006" xmlns:mv="urn:schemas-microsoft-com:mac:vml" xmlns:p="http://schemas.openxmlformats.org/presentationml/2006/main" mc:Ignorable="mv" mc:PreserveAttributes="mv:*">
   <p:cSld>
     <p:spTree>
       <p:nvGrpSpPr>
@@ -5414,7 +5414,7 @@
 </file>
 
 <file path=ppt/notesSlides/notesSlide23.xml><?xml version="1.0" encoding="utf-8"?>
-<p:notes xmlns:a="http://schemas.openxmlformats.org/drawingml/2006/main" xmlns:r="http://schemas.openxmlformats.org/officeDocument/2006/relationships" xmlns:p="http://schemas.openxmlformats.org/presentationml/2006/main">
+<p:notes xmlns:a="http://schemas.openxmlformats.org/drawingml/2006/main" xmlns:r="http://schemas.openxmlformats.org/officeDocument/2006/relationships" xmlns:mc="http://schemas.openxmlformats.org/markup-compatibility/2006" xmlns:mv="urn:schemas-microsoft-com:mac:vml" xmlns:p="http://schemas.openxmlformats.org/presentationml/2006/main" mc:Ignorable="mv" mc:PreserveAttributes="mv:*">
   <p:cSld>
     <p:spTree>
       <p:nvGrpSpPr>
@@ -5525,7 +5525,7 @@
 </file>
 
 <file path=ppt/notesSlides/notesSlide24.xml><?xml version="1.0" encoding="utf-8"?>
-<p:notes xmlns:a="http://schemas.openxmlformats.org/drawingml/2006/main" xmlns:r="http://schemas.openxmlformats.org/officeDocument/2006/relationships" xmlns:p="http://schemas.openxmlformats.org/presentationml/2006/main">
+<p:notes xmlns:a="http://schemas.openxmlformats.org/drawingml/2006/main" xmlns:r="http://schemas.openxmlformats.org/officeDocument/2006/relationships" xmlns:mc="http://schemas.openxmlformats.org/markup-compatibility/2006" xmlns:mv="urn:schemas-microsoft-com:mac:vml" xmlns:p="http://schemas.openxmlformats.org/presentationml/2006/main" mc:Ignorable="mv" mc:PreserveAttributes="mv:*">
   <p:cSld>
     <p:spTree>
       <p:nvGrpSpPr>
@@ -5636,7 +5636,7 @@
 </file>
 
 <file path=ppt/notesSlides/notesSlide25.xml><?xml version="1.0" encoding="utf-8"?>
-<p:notes xmlns:a="http://schemas.openxmlformats.org/drawingml/2006/main" xmlns:r="http://schemas.openxmlformats.org/officeDocument/2006/relationships" xmlns:p="http://schemas.openxmlformats.org/presentationml/2006/main">
+<p:notes xmlns:a="http://schemas.openxmlformats.org/drawingml/2006/main" xmlns:r="http://schemas.openxmlformats.org/officeDocument/2006/relationships" xmlns:mc="http://schemas.openxmlformats.org/markup-compatibility/2006" xmlns:mv="urn:schemas-microsoft-com:mac:vml" xmlns:p="http://schemas.openxmlformats.org/presentationml/2006/main" mc:Ignorable="mv" mc:PreserveAttributes="mv:*">
   <p:cSld>
     <p:spTree>
       <p:nvGrpSpPr>
@@ -5747,7 +5747,7 @@
 </file>
 
 <file path=ppt/notesSlides/notesSlide26.xml><?xml version="1.0" encoding="utf-8"?>
-<p:notes xmlns:a="http://schemas.openxmlformats.org/drawingml/2006/main" xmlns:r="http://schemas.openxmlformats.org/officeDocument/2006/relationships" xmlns:p="http://schemas.openxmlformats.org/presentationml/2006/main">
+<p:notes xmlns:a="http://schemas.openxmlformats.org/drawingml/2006/main" xmlns:r="http://schemas.openxmlformats.org/officeDocument/2006/relationships" xmlns:mc="http://schemas.openxmlformats.org/markup-compatibility/2006" xmlns:mv="urn:schemas-microsoft-com:mac:vml" xmlns:p="http://schemas.openxmlformats.org/presentationml/2006/main" mc:Ignorable="mv" mc:PreserveAttributes="mv:*">
   <p:cSld>
     <p:spTree>
       <p:nvGrpSpPr>
@@ -5862,7 +5862,7 @@
 </file>
 
 <file path=ppt/notesSlides/notesSlide27.xml><?xml version="1.0" encoding="utf-8"?>
-<p:notes xmlns:a="http://schemas.openxmlformats.org/drawingml/2006/main" xmlns:r="http://schemas.openxmlformats.org/officeDocument/2006/relationships" xmlns:p="http://schemas.openxmlformats.org/presentationml/2006/main">
+<p:notes xmlns:a="http://schemas.openxmlformats.org/drawingml/2006/main" xmlns:r="http://schemas.openxmlformats.org/officeDocument/2006/relationships" xmlns:mc="http://schemas.openxmlformats.org/markup-compatibility/2006" xmlns:mv="urn:schemas-microsoft-com:mac:vml" xmlns:p="http://schemas.openxmlformats.org/presentationml/2006/main" mc:Ignorable="mv" mc:PreserveAttributes="mv:*">
   <p:cSld>
     <p:spTree>
       <p:nvGrpSpPr>
@@ -5973,7 +5973,7 @@
 </file>
 
 <file path=ppt/notesSlides/notesSlide28.xml><?xml version="1.0" encoding="utf-8"?>
-<p:notes xmlns:a="http://schemas.openxmlformats.org/drawingml/2006/main" xmlns:r="http://schemas.openxmlformats.org/officeDocument/2006/relationships" xmlns:p="http://schemas.openxmlformats.org/presentationml/2006/main">
+<p:notes xmlns:a="http://schemas.openxmlformats.org/drawingml/2006/main" xmlns:r="http://schemas.openxmlformats.org/officeDocument/2006/relationships" xmlns:mc="http://schemas.openxmlformats.org/markup-compatibility/2006" xmlns:mv="urn:schemas-microsoft-com:mac:vml" xmlns:p="http://schemas.openxmlformats.org/presentationml/2006/main" mc:Ignorable="mv" mc:PreserveAttributes="mv:*">
   <p:cSld>
     <p:spTree>
       <p:nvGrpSpPr>
@@ -6084,7 +6084,7 @@
 </file>
 
 <file path=ppt/notesSlides/notesSlide29.xml><?xml version="1.0" encoding="utf-8"?>
-<p:notes xmlns:a="http://schemas.openxmlformats.org/drawingml/2006/main" xmlns:r="http://schemas.openxmlformats.org/officeDocument/2006/relationships" xmlns:p="http://schemas.openxmlformats.org/presentationml/2006/main">
+<p:notes xmlns:a="http://schemas.openxmlformats.org/drawingml/2006/main" xmlns:r="http://schemas.openxmlformats.org/officeDocument/2006/relationships" xmlns:mc="http://schemas.openxmlformats.org/markup-compatibility/2006" xmlns:mv="urn:schemas-microsoft-com:mac:vml" xmlns:p="http://schemas.openxmlformats.org/presentationml/2006/main" mc:Ignorable="mv" mc:PreserveAttributes="mv:*">
   <p:cSld>
     <p:spTree>
       <p:nvGrpSpPr>
@@ -6195,7 +6195,7 @@
 </file>
 
 <file path=ppt/notesSlides/notesSlide3.xml><?xml version="1.0" encoding="utf-8"?>
-<p:notes xmlns:a="http://schemas.openxmlformats.org/drawingml/2006/main" xmlns:r="http://schemas.openxmlformats.org/officeDocument/2006/relationships" xmlns:p="http://schemas.openxmlformats.org/presentationml/2006/main">
+<p:notes xmlns:a="http://schemas.openxmlformats.org/drawingml/2006/main" xmlns:r="http://schemas.openxmlformats.org/officeDocument/2006/relationships" xmlns:mc="http://schemas.openxmlformats.org/markup-compatibility/2006" xmlns:mv="urn:schemas-microsoft-com:mac:vml" xmlns:p="http://schemas.openxmlformats.org/presentationml/2006/main" mc:Ignorable="mv" mc:PreserveAttributes="mv:*">
   <p:cSld>
     <p:spTree>
       <p:nvGrpSpPr>
@@ -6306,7 +6306,7 @@
 </file>
 
 <file path=ppt/notesSlides/notesSlide30.xml><?xml version="1.0" encoding="utf-8"?>
-<p:notes xmlns:a="http://schemas.openxmlformats.org/drawingml/2006/main" xmlns:r="http://schemas.openxmlformats.org/officeDocument/2006/relationships" xmlns:p="http://schemas.openxmlformats.org/presentationml/2006/main">
+<p:notes xmlns:a="http://schemas.openxmlformats.org/drawingml/2006/main" xmlns:r="http://schemas.openxmlformats.org/officeDocument/2006/relationships" xmlns:mc="http://schemas.openxmlformats.org/markup-compatibility/2006" xmlns:mv="urn:schemas-microsoft-com:mac:vml" xmlns:p="http://schemas.openxmlformats.org/presentationml/2006/main" mc:Ignorable="mv" mc:PreserveAttributes="mv:*">
   <p:cSld>
     <p:spTree>
       <p:nvGrpSpPr>
@@ -6424,7 +6424,7 @@
 </file>
 
 <file path=ppt/notesSlides/notesSlide31.xml><?xml version="1.0" encoding="utf-8"?>
-<p:notes xmlns:a="http://schemas.openxmlformats.org/drawingml/2006/main" xmlns:r="http://schemas.openxmlformats.org/officeDocument/2006/relationships" xmlns:p="http://schemas.openxmlformats.org/presentationml/2006/main">
+<p:notes xmlns:a="http://schemas.openxmlformats.org/drawingml/2006/main" xmlns:r="http://schemas.openxmlformats.org/officeDocument/2006/relationships" xmlns:mc="http://schemas.openxmlformats.org/markup-compatibility/2006" xmlns:mv="urn:schemas-microsoft-com:mac:vml" xmlns:p="http://schemas.openxmlformats.org/presentationml/2006/main" mc:Ignorable="mv" mc:PreserveAttributes="mv:*">
   <p:cSld>
     <p:spTree>
       <p:nvGrpSpPr>
@@ -6535,7 +6535,7 @@
 </file>
 
 <file path=ppt/notesSlides/notesSlide32.xml><?xml version="1.0" encoding="utf-8"?>
-<p:notes xmlns:a="http://schemas.openxmlformats.org/drawingml/2006/main" xmlns:r="http://schemas.openxmlformats.org/officeDocument/2006/relationships" xmlns:p="http://schemas.openxmlformats.org/presentationml/2006/main">
+<p:notes xmlns:a="http://schemas.openxmlformats.org/drawingml/2006/main" xmlns:r="http://schemas.openxmlformats.org/officeDocument/2006/relationships" xmlns:mc="http://schemas.openxmlformats.org/markup-compatibility/2006" xmlns:mv="urn:schemas-microsoft-com:mac:vml" xmlns:p="http://schemas.openxmlformats.org/presentationml/2006/main" mc:Ignorable="mv" mc:PreserveAttributes="mv:*">
   <p:cSld>
     <p:spTree>
       <p:nvGrpSpPr>
@@ -6598,7 +6598,7 @@
 </file>
 
 <file path=ppt/notesSlides/notesSlide33.xml><?xml version="1.0" encoding="utf-8"?>
-<p:notes xmlns:a="http://schemas.openxmlformats.org/drawingml/2006/main" xmlns:r="http://schemas.openxmlformats.org/officeDocument/2006/relationships" xmlns:p="http://schemas.openxmlformats.org/presentationml/2006/main">
+<p:notes xmlns:a="http://schemas.openxmlformats.org/drawingml/2006/main" xmlns:r="http://schemas.openxmlformats.org/officeDocument/2006/relationships" xmlns:mc="http://schemas.openxmlformats.org/markup-compatibility/2006" xmlns:mv="urn:schemas-microsoft-com:mac:vml" xmlns:p="http://schemas.openxmlformats.org/presentationml/2006/main" mc:Ignorable="mv" mc:PreserveAttributes="mv:*">
   <p:cSld>
     <p:spTree>
       <p:nvGrpSpPr>
@@ -6661,7 +6661,7 @@
 </file>
 
 <file path=ppt/notesSlides/notesSlide34.xml><?xml version="1.0" encoding="utf-8"?>
-<p:notes xmlns:a="http://schemas.openxmlformats.org/drawingml/2006/main" xmlns:r="http://schemas.openxmlformats.org/officeDocument/2006/relationships" xmlns:p="http://schemas.openxmlformats.org/presentationml/2006/main">
+<p:notes xmlns:a="http://schemas.openxmlformats.org/drawingml/2006/main" xmlns:r="http://schemas.openxmlformats.org/officeDocument/2006/relationships" xmlns:mc="http://schemas.openxmlformats.org/markup-compatibility/2006" xmlns:mv="urn:schemas-microsoft-com:mac:vml" xmlns:p="http://schemas.openxmlformats.org/presentationml/2006/main" mc:Ignorable="mv" mc:PreserveAttributes="mv:*">
   <p:cSld>
     <p:spTree>
       <p:nvGrpSpPr>
@@ -6724,7 +6724,7 @@
 </file>
 
 <file path=ppt/notesSlides/notesSlide35.xml><?xml version="1.0" encoding="utf-8"?>
-<p:notes xmlns:a="http://schemas.openxmlformats.org/drawingml/2006/main" xmlns:r="http://schemas.openxmlformats.org/officeDocument/2006/relationships" xmlns:p="http://schemas.openxmlformats.org/presentationml/2006/main">
+<p:notes xmlns:a="http://schemas.openxmlformats.org/drawingml/2006/main" xmlns:r="http://schemas.openxmlformats.org/officeDocument/2006/relationships" xmlns:mc="http://schemas.openxmlformats.org/markup-compatibility/2006" xmlns:mv="urn:schemas-microsoft-com:mac:vml" xmlns:p="http://schemas.openxmlformats.org/presentationml/2006/main" mc:Ignorable="mv" mc:PreserveAttributes="mv:*">
   <p:cSld>
     <p:spTree>
       <p:nvGrpSpPr>
@@ -6787,7 +6787,7 @@
 </file>
 
 <file path=ppt/notesSlides/notesSlide36.xml><?xml version="1.0" encoding="utf-8"?>
-<p:notes xmlns:a="http://schemas.openxmlformats.org/drawingml/2006/main" xmlns:r="http://schemas.openxmlformats.org/officeDocument/2006/relationships" xmlns:p="http://schemas.openxmlformats.org/presentationml/2006/main">
+<p:notes xmlns:a="http://schemas.openxmlformats.org/drawingml/2006/main" xmlns:r="http://schemas.openxmlformats.org/officeDocument/2006/relationships" xmlns:mc="http://schemas.openxmlformats.org/markup-compatibility/2006" xmlns:mv="urn:schemas-microsoft-com:mac:vml" xmlns:p="http://schemas.openxmlformats.org/presentationml/2006/main" mc:Ignorable="mv" mc:PreserveAttributes="mv:*">
   <p:cSld>
     <p:spTree>
       <p:nvGrpSpPr>
@@ -6850,7 +6850,7 @@
 </file>
 
 <file path=ppt/notesSlides/notesSlide37.xml><?xml version="1.0" encoding="utf-8"?>
-<p:notes xmlns:a="http://schemas.openxmlformats.org/drawingml/2006/main" xmlns:r="http://schemas.openxmlformats.org/officeDocument/2006/relationships" xmlns:p="http://schemas.openxmlformats.org/presentationml/2006/main">
+<p:notes xmlns:a="http://schemas.openxmlformats.org/drawingml/2006/main" xmlns:r="http://schemas.openxmlformats.org/officeDocument/2006/relationships" xmlns:mc="http://schemas.openxmlformats.org/markup-compatibility/2006" xmlns:mv="urn:schemas-microsoft-com:mac:vml" xmlns:p="http://schemas.openxmlformats.org/presentationml/2006/main" mc:Ignorable="mv" mc:PreserveAttributes="mv:*">
   <p:cSld>
     <p:spTree>
       <p:nvGrpSpPr>
@@ -6913,7 +6913,7 @@
 </file>
 
 <file path=ppt/notesSlides/notesSlide38.xml><?xml version="1.0" encoding="utf-8"?>
-<p:notes xmlns:a="http://schemas.openxmlformats.org/drawingml/2006/main" xmlns:r="http://schemas.openxmlformats.org/officeDocument/2006/relationships" xmlns:p="http://schemas.openxmlformats.org/presentationml/2006/main">
+<p:notes xmlns:a="http://schemas.openxmlformats.org/drawingml/2006/main" xmlns:r="http://schemas.openxmlformats.org/officeDocument/2006/relationships" xmlns:mc="http://schemas.openxmlformats.org/markup-compatibility/2006" xmlns:mv="urn:schemas-microsoft-com:mac:vml" xmlns:p="http://schemas.openxmlformats.org/presentationml/2006/main" mc:Ignorable="mv" mc:PreserveAttributes="mv:*">
   <p:cSld>
     <p:spTree>
       <p:nvGrpSpPr>
@@ -7024,7 +7024,7 @@
 </file>
 
 <file path=ppt/notesSlides/notesSlide39.xml><?xml version="1.0" encoding="utf-8"?>
-<p:notes xmlns:a="http://schemas.openxmlformats.org/drawingml/2006/main" xmlns:r="http://schemas.openxmlformats.org/officeDocument/2006/relationships" xmlns:p="http://schemas.openxmlformats.org/presentationml/2006/main">
+<p:notes xmlns:a="http://schemas.openxmlformats.org/drawingml/2006/main" xmlns:r="http://schemas.openxmlformats.org/officeDocument/2006/relationships" xmlns:mc="http://schemas.openxmlformats.org/markup-compatibility/2006" xmlns:mv="urn:schemas-microsoft-com:mac:vml" xmlns:p="http://schemas.openxmlformats.org/presentationml/2006/main" mc:Ignorable="mv" mc:PreserveAttributes="mv:*">
   <p:cSld>
     <p:spTree>
       <p:nvGrpSpPr>
@@ -7135,7 +7135,7 @@
 </file>
 
 <file path=ppt/notesSlides/notesSlide4.xml><?xml version="1.0" encoding="utf-8"?>
-<p:notes xmlns:a="http://schemas.openxmlformats.org/drawingml/2006/main" xmlns:r="http://schemas.openxmlformats.org/officeDocument/2006/relationships" xmlns:p="http://schemas.openxmlformats.org/presentationml/2006/main">
+<p:notes xmlns:a="http://schemas.openxmlformats.org/drawingml/2006/main" xmlns:r="http://schemas.openxmlformats.org/officeDocument/2006/relationships" xmlns:mc="http://schemas.openxmlformats.org/markup-compatibility/2006" xmlns:mv="urn:schemas-microsoft-com:mac:vml" xmlns:p="http://schemas.openxmlformats.org/presentationml/2006/main" mc:Ignorable="mv" mc:PreserveAttributes="mv:*">
   <p:cSld>
     <p:spTree>
       <p:nvGrpSpPr>
@@ -7246,7 +7246,7 @@
 </file>
 
 <file path=ppt/notesSlides/notesSlide40.xml><?xml version="1.0" encoding="utf-8"?>
-<p:notes xmlns:a="http://schemas.openxmlformats.org/drawingml/2006/main" xmlns:r="http://schemas.openxmlformats.org/officeDocument/2006/relationships" xmlns:p="http://schemas.openxmlformats.org/presentationml/2006/main">
+<p:notes xmlns:a="http://schemas.openxmlformats.org/drawingml/2006/main" xmlns:r="http://schemas.openxmlformats.org/officeDocument/2006/relationships" xmlns:mc="http://schemas.openxmlformats.org/markup-compatibility/2006" xmlns:mv="urn:schemas-microsoft-com:mac:vml" xmlns:p="http://schemas.openxmlformats.org/presentationml/2006/main" mc:Ignorable="mv" mc:PreserveAttributes="mv:*">
   <p:cSld>
     <p:spTree>
       <p:nvGrpSpPr>
@@ -7357,7 +7357,7 @@
 </file>
 
 <file path=ppt/notesSlides/notesSlide41.xml><?xml version="1.0" encoding="utf-8"?>
-<p:notes xmlns:a="http://schemas.openxmlformats.org/drawingml/2006/main" xmlns:r="http://schemas.openxmlformats.org/officeDocument/2006/relationships" xmlns:p="http://schemas.openxmlformats.org/presentationml/2006/main">
+<p:notes xmlns:a="http://schemas.openxmlformats.org/drawingml/2006/main" xmlns:r="http://schemas.openxmlformats.org/officeDocument/2006/relationships" xmlns:mc="http://schemas.openxmlformats.org/markup-compatibility/2006" xmlns:mv="urn:schemas-microsoft-com:mac:vml" xmlns:p="http://schemas.openxmlformats.org/presentationml/2006/main" mc:Ignorable="mv" mc:PreserveAttributes="mv:*">
   <p:cSld>
     <p:spTree>
       <p:nvGrpSpPr>
@@ -7471,7 +7471,7 @@
 </file>
 
 <file path=ppt/notesSlides/notesSlide42.xml><?xml version="1.0" encoding="utf-8"?>
-<p:notes xmlns:a="http://schemas.openxmlformats.org/drawingml/2006/main" xmlns:r="http://schemas.openxmlformats.org/officeDocument/2006/relationships" xmlns:p="http://schemas.openxmlformats.org/presentationml/2006/main">
+<p:notes xmlns:a="http://schemas.openxmlformats.org/drawingml/2006/main" xmlns:r="http://schemas.openxmlformats.org/officeDocument/2006/relationships" xmlns:mc="http://schemas.openxmlformats.org/markup-compatibility/2006" xmlns:mv="urn:schemas-microsoft-com:mac:vml" xmlns:p="http://schemas.openxmlformats.org/presentationml/2006/main" mc:Ignorable="mv" mc:PreserveAttributes="mv:*">
   <p:cSld>
     <p:spTree>
       <p:nvGrpSpPr>
@@ -7582,7 +7582,7 @@
 </file>
 
 <file path=ppt/notesSlides/notesSlide43.xml><?xml version="1.0" encoding="utf-8"?>
-<p:notes xmlns:a="http://schemas.openxmlformats.org/drawingml/2006/main" xmlns:r="http://schemas.openxmlformats.org/officeDocument/2006/relationships" xmlns:p="http://schemas.openxmlformats.org/presentationml/2006/main">
+<p:notes xmlns:a="http://schemas.openxmlformats.org/drawingml/2006/main" xmlns:r="http://schemas.openxmlformats.org/officeDocument/2006/relationships" xmlns:mc="http://schemas.openxmlformats.org/markup-compatibility/2006" xmlns:mv="urn:schemas-microsoft-com:mac:vml" xmlns:p="http://schemas.openxmlformats.org/presentationml/2006/main" mc:Ignorable="mv" mc:PreserveAttributes="mv:*">
   <p:cSld>
     <p:spTree>
       <p:nvGrpSpPr>
@@ -7697,7 +7697,7 @@
 </file>
 
 <file path=ppt/notesSlides/notesSlide44.xml><?xml version="1.0" encoding="utf-8"?>
-<p:notes xmlns:a="http://schemas.openxmlformats.org/drawingml/2006/main" xmlns:r="http://schemas.openxmlformats.org/officeDocument/2006/relationships" xmlns:p="http://schemas.openxmlformats.org/presentationml/2006/main">
+<p:notes xmlns:a="http://schemas.openxmlformats.org/drawingml/2006/main" xmlns:r="http://schemas.openxmlformats.org/officeDocument/2006/relationships" xmlns:mc="http://schemas.openxmlformats.org/markup-compatibility/2006" xmlns:mv="urn:schemas-microsoft-com:mac:vml" xmlns:p="http://schemas.openxmlformats.org/presentationml/2006/main" mc:Ignorable="mv" mc:PreserveAttributes="mv:*">
   <p:cSld>
     <p:spTree>
       <p:nvGrpSpPr>
@@ -7808,7 +7808,7 @@
 </file>
 
 <file path=ppt/notesSlides/notesSlide45.xml><?xml version="1.0" encoding="utf-8"?>
-<p:notes xmlns:a="http://schemas.openxmlformats.org/drawingml/2006/main" xmlns:r="http://schemas.openxmlformats.org/officeDocument/2006/relationships" xmlns:p="http://schemas.openxmlformats.org/presentationml/2006/main">
+<p:notes xmlns:a="http://schemas.openxmlformats.org/drawingml/2006/main" xmlns:r="http://schemas.openxmlformats.org/officeDocument/2006/relationships" xmlns:mc="http://schemas.openxmlformats.org/markup-compatibility/2006" xmlns:mv="urn:schemas-microsoft-com:mac:vml" xmlns:p="http://schemas.openxmlformats.org/presentationml/2006/main" mc:Ignorable="mv" mc:PreserveAttributes="mv:*">
   <p:cSld>
     <p:spTree>
       <p:nvGrpSpPr>
@@ -7919,7 +7919,7 @@
 </file>
 
 <file path=ppt/notesSlides/notesSlide46.xml><?xml version="1.0" encoding="utf-8"?>
-<p:notes xmlns:a="http://schemas.openxmlformats.org/drawingml/2006/main" xmlns:r="http://schemas.openxmlformats.org/officeDocument/2006/relationships" xmlns:p="http://schemas.openxmlformats.org/presentationml/2006/main">
+<p:notes xmlns:a="http://schemas.openxmlformats.org/drawingml/2006/main" xmlns:r="http://schemas.openxmlformats.org/officeDocument/2006/relationships" xmlns:mc="http://schemas.openxmlformats.org/markup-compatibility/2006" xmlns:mv="urn:schemas-microsoft-com:mac:vml" xmlns:p="http://schemas.openxmlformats.org/presentationml/2006/main" mc:Ignorable="mv" mc:PreserveAttributes="mv:*">
   <p:cSld>
     <p:spTree>
       <p:nvGrpSpPr>
@@ -8030,7 +8030,7 @@
 </file>
 
 <file path=ppt/notesSlides/notesSlide47.xml><?xml version="1.0" encoding="utf-8"?>
-<p:notes xmlns:a="http://schemas.openxmlformats.org/drawingml/2006/main" xmlns:r="http://schemas.openxmlformats.org/officeDocument/2006/relationships" xmlns:p="http://schemas.openxmlformats.org/presentationml/2006/main">
+<p:notes xmlns:a="http://schemas.openxmlformats.org/drawingml/2006/main" xmlns:r="http://schemas.openxmlformats.org/officeDocument/2006/relationships" xmlns:mc="http://schemas.openxmlformats.org/markup-compatibility/2006" xmlns:mv="urn:schemas-microsoft-com:mac:vml" xmlns:p="http://schemas.openxmlformats.org/presentationml/2006/main" mc:Ignorable="mv" mc:PreserveAttributes="mv:*">
   <p:cSld>
     <p:spTree>
       <p:nvGrpSpPr>
@@ -8093,7 +8093,7 @@
 </file>
 
 <file path=ppt/notesSlides/notesSlide48.xml><?xml version="1.0" encoding="utf-8"?>
-<p:notes xmlns:a="http://schemas.openxmlformats.org/drawingml/2006/main" xmlns:r="http://schemas.openxmlformats.org/officeDocument/2006/relationships" xmlns:p="http://schemas.openxmlformats.org/presentationml/2006/main">
+<p:notes xmlns:a="http://schemas.openxmlformats.org/drawingml/2006/main" xmlns:r="http://schemas.openxmlformats.org/officeDocument/2006/relationships" xmlns:mc="http://schemas.openxmlformats.org/markup-compatibility/2006" xmlns:mv="urn:schemas-microsoft-com:mac:vml" xmlns:p="http://schemas.openxmlformats.org/presentationml/2006/main" mc:Ignorable="mv" mc:PreserveAttributes="mv:*">
   <p:cSld>
     <p:spTree>
       <p:nvGrpSpPr>
@@ -8156,7 +8156,7 @@
 </file>
 
 <file path=ppt/notesSlides/notesSlide49.xml><?xml version="1.0" encoding="utf-8"?>
-<p:notes xmlns:a="http://schemas.openxmlformats.org/drawingml/2006/main" xmlns:r="http://schemas.openxmlformats.org/officeDocument/2006/relationships" xmlns:p="http://schemas.openxmlformats.org/presentationml/2006/main">
+<p:notes xmlns:a="http://schemas.openxmlformats.org/drawingml/2006/main" xmlns:r="http://schemas.openxmlformats.org/officeDocument/2006/relationships" xmlns:mc="http://schemas.openxmlformats.org/markup-compatibility/2006" xmlns:mv="urn:schemas-microsoft-com:mac:vml" xmlns:p="http://schemas.openxmlformats.org/presentationml/2006/main" mc:Ignorable="mv" mc:PreserveAttributes="mv:*">
   <p:cSld>
     <p:spTree>
       <p:nvGrpSpPr>
@@ -8219,7 +8219,7 @@
 </file>
 
 <file path=ppt/notesSlides/notesSlide5.xml><?xml version="1.0" encoding="utf-8"?>
-<p:notes xmlns:a="http://schemas.openxmlformats.org/drawingml/2006/main" xmlns:r="http://schemas.openxmlformats.org/officeDocument/2006/relationships" xmlns:p="http://schemas.openxmlformats.org/presentationml/2006/main">
+<p:notes xmlns:a="http://schemas.openxmlformats.org/drawingml/2006/main" xmlns:r="http://schemas.openxmlformats.org/officeDocument/2006/relationships" xmlns:mc="http://schemas.openxmlformats.org/markup-compatibility/2006" xmlns:mv="urn:schemas-microsoft-com:mac:vml" xmlns:p="http://schemas.openxmlformats.org/presentationml/2006/main" mc:Ignorable="mv" mc:PreserveAttributes="mv:*">
   <p:cSld>
     <p:spTree>
       <p:nvGrpSpPr>
@@ -8330,7 +8330,7 @@
 </file>
 
 <file path=ppt/notesSlides/notesSlide50.xml><?xml version="1.0" encoding="utf-8"?>
-<p:notes xmlns:a="http://schemas.openxmlformats.org/drawingml/2006/main" xmlns:r="http://schemas.openxmlformats.org/officeDocument/2006/relationships" xmlns:p="http://schemas.openxmlformats.org/presentationml/2006/main">
+<p:notes xmlns:a="http://schemas.openxmlformats.org/drawingml/2006/main" xmlns:r="http://schemas.openxmlformats.org/officeDocument/2006/relationships" xmlns:mc="http://schemas.openxmlformats.org/markup-compatibility/2006" xmlns:mv="urn:schemas-microsoft-com:mac:vml" xmlns:p="http://schemas.openxmlformats.org/presentationml/2006/main" mc:Ignorable="mv" mc:PreserveAttributes="mv:*">
   <p:cSld>
     <p:spTree>
       <p:nvGrpSpPr>
@@ -8393,7 +8393,7 @@
 </file>
 
 <file path=ppt/notesSlides/notesSlide51.xml><?xml version="1.0" encoding="utf-8"?>
-<p:notes xmlns:a="http://schemas.openxmlformats.org/drawingml/2006/main" xmlns:r="http://schemas.openxmlformats.org/officeDocument/2006/relationships" xmlns:p="http://schemas.openxmlformats.org/presentationml/2006/main">
+<p:notes xmlns:a="http://schemas.openxmlformats.org/drawingml/2006/main" xmlns:r="http://schemas.openxmlformats.org/officeDocument/2006/relationships" xmlns:mc="http://schemas.openxmlformats.org/markup-compatibility/2006" xmlns:mv="urn:schemas-microsoft-com:mac:vml" xmlns:p="http://schemas.openxmlformats.org/presentationml/2006/main" mc:Ignorable="mv" mc:PreserveAttributes="mv:*">
   <p:cSld>
     <p:spTree>
       <p:nvGrpSpPr>
@@ -8456,7 +8456,7 @@
 </file>
 
 <file path=ppt/notesSlides/notesSlide52.xml><?xml version="1.0" encoding="utf-8"?>
-<p:notes xmlns:a="http://schemas.openxmlformats.org/drawingml/2006/main" xmlns:r="http://schemas.openxmlformats.org/officeDocument/2006/relationships" xmlns:p="http://schemas.openxmlformats.org/presentationml/2006/main">
+<p:notes xmlns:a="http://schemas.openxmlformats.org/drawingml/2006/main" xmlns:r="http://schemas.openxmlformats.org/officeDocument/2006/relationships" xmlns:mc="http://schemas.openxmlformats.org/markup-compatibility/2006" xmlns:mv="urn:schemas-microsoft-com:mac:vml" xmlns:p="http://schemas.openxmlformats.org/presentationml/2006/main" mc:Ignorable="mv" mc:PreserveAttributes="mv:*">
   <p:cSld>
     <p:spTree>
       <p:nvGrpSpPr>
@@ -8519,7 +8519,7 @@
 </file>
 
 <file path=ppt/notesSlides/notesSlide53.xml><?xml version="1.0" encoding="utf-8"?>
-<p:notes xmlns:a="http://schemas.openxmlformats.org/drawingml/2006/main" xmlns:r="http://schemas.openxmlformats.org/officeDocument/2006/relationships" xmlns:p="http://schemas.openxmlformats.org/presentationml/2006/main">
+<p:notes xmlns:a="http://schemas.openxmlformats.org/drawingml/2006/main" xmlns:r="http://schemas.openxmlformats.org/officeDocument/2006/relationships" xmlns:mc="http://schemas.openxmlformats.org/markup-compatibility/2006" xmlns:mv="urn:schemas-microsoft-com:mac:vml" xmlns:p="http://schemas.openxmlformats.org/presentationml/2006/main" mc:Ignorable="mv" mc:PreserveAttributes="mv:*">
   <p:cSld>
     <p:spTree>
       <p:nvGrpSpPr>
@@ -8630,7 +8630,7 @@
 </file>
 
 <file path=ppt/notesSlides/notesSlide6.xml><?xml version="1.0" encoding="utf-8"?>
-<p:notes xmlns:a="http://schemas.openxmlformats.org/drawingml/2006/main" xmlns:r="http://schemas.openxmlformats.org/officeDocument/2006/relationships" xmlns:p="http://schemas.openxmlformats.org/presentationml/2006/main">
+<p:notes xmlns:a="http://schemas.openxmlformats.org/drawingml/2006/main" xmlns:r="http://schemas.openxmlformats.org/officeDocument/2006/relationships" xmlns:mc="http://schemas.openxmlformats.org/markup-compatibility/2006" xmlns:mv="urn:schemas-microsoft-com:mac:vml" xmlns:p="http://schemas.openxmlformats.org/presentationml/2006/main" mc:Ignorable="mv" mc:PreserveAttributes="mv:*">
   <p:cSld>
     <p:spTree>
       <p:nvGrpSpPr>
@@ -8741,7 +8741,7 @@
 </file>
 
 <file path=ppt/notesSlides/notesSlide7.xml><?xml version="1.0" encoding="utf-8"?>
-<p:notes xmlns:a="http://schemas.openxmlformats.org/drawingml/2006/main" xmlns:r="http://schemas.openxmlformats.org/officeDocument/2006/relationships" xmlns:p="http://schemas.openxmlformats.org/presentationml/2006/main">
+<p:notes xmlns:a="http://schemas.openxmlformats.org/drawingml/2006/main" xmlns:r="http://schemas.openxmlformats.org/officeDocument/2006/relationships" xmlns:mc="http://schemas.openxmlformats.org/markup-compatibility/2006" xmlns:mv="urn:schemas-microsoft-com:mac:vml" xmlns:p="http://schemas.openxmlformats.org/presentationml/2006/main" mc:Ignorable="mv" mc:PreserveAttributes="mv:*">
   <p:cSld>
     <p:spTree>
       <p:nvGrpSpPr>
@@ -8852,7 +8852,7 @@
 </file>
 
 <file path=ppt/notesSlides/notesSlide8.xml><?xml version="1.0" encoding="utf-8"?>
-<p:notes xmlns:a="http://schemas.openxmlformats.org/drawingml/2006/main" xmlns:r="http://schemas.openxmlformats.org/officeDocument/2006/relationships" xmlns:p="http://schemas.openxmlformats.org/presentationml/2006/main">
+<p:notes xmlns:a="http://schemas.openxmlformats.org/drawingml/2006/main" xmlns:r="http://schemas.openxmlformats.org/officeDocument/2006/relationships" xmlns:mc="http://schemas.openxmlformats.org/markup-compatibility/2006" xmlns:mv="urn:schemas-microsoft-com:mac:vml" xmlns:p="http://schemas.openxmlformats.org/presentationml/2006/main" mc:Ignorable="mv" mc:PreserveAttributes="mv:*">
   <p:cSld>
     <p:spTree>
       <p:nvGrpSpPr>
@@ -8966,7 +8966,7 @@
 </file>
 
 <file path=ppt/notesSlides/notesSlide9.xml><?xml version="1.0" encoding="utf-8"?>
-<p:notes xmlns:a="http://schemas.openxmlformats.org/drawingml/2006/main" xmlns:r="http://schemas.openxmlformats.org/officeDocument/2006/relationships" xmlns:p="http://schemas.openxmlformats.org/presentationml/2006/main">
+<p:notes xmlns:a="http://schemas.openxmlformats.org/drawingml/2006/main" xmlns:r="http://schemas.openxmlformats.org/officeDocument/2006/relationships" xmlns:mc="http://schemas.openxmlformats.org/markup-compatibility/2006" xmlns:mv="urn:schemas-microsoft-com:mac:vml" xmlns:p="http://schemas.openxmlformats.org/presentationml/2006/main" mc:Ignorable="mv" mc:PreserveAttributes="mv:*">
   <p:cSld>
     <p:spTree>
       <p:nvGrpSpPr>
@@ -9077,7 +9077,7 @@
 </file>
 
 <file path=ppt/slideLayouts/slideLayout1.xml><?xml version="1.0" encoding="utf-8"?>
-<p:sldLayout xmlns:a="http://schemas.openxmlformats.org/drawingml/2006/main" xmlns:r="http://schemas.openxmlformats.org/officeDocument/2006/relationships" xmlns:p="http://schemas.openxmlformats.org/presentationml/2006/main" type="title" preserve="1">
+<p:sldLayout xmlns:a="http://schemas.openxmlformats.org/drawingml/2006/main" xmlns:r="http://schemas.openxmlformats.org/officeDocument/2006/relationships" xmlns:mc="http://schemas.openxmlformats.org/markup-compatibility/2006" xmlns:mv="urn:schemas-microsoft-com:mac:vml" xmlns:p="http://schemas.openxmlformats.org/presentationml/2006/main" mc:Ignorable="mv" mc:PreserveAttributes="mv:*" type="title" preserve="1">
   <p:cSld name="Title Slide">
     <p:bg>
       <p:bgPr>
@@ -9301,7 +9301,7 @@
 </file>
 
 <file path=ppt/slideLayouts/slideLayout10.xml><?xml version="1.0" encoding="utf-8"?>
-<p:sldLayout xmlns:a="http://schemas.openxmlformats.org/drawingml/2006/main" xmlns:r="http://schemas.openxmlformats.org/officeDocument/2006/relationships" xmlns:p="http://schemas.openxmlformats.org/presentationml/2006/main" preserve="1" userDrawn="1">
+<p:sldLayout xmlns:a="http://schemas.openxmlformats.org/drawingml/2006/main" xmlns:r="http://schemas.openxmlformats.org/officeDocument/2006/relationships" xmlns:mc="http://schemas.openxmlformats.org/markup-compatibility/2006" xmlns:mv="urn:schemas-microsoft-com:mac:vml" xmlns:p="http://schemas.openxmlformats.org/presentationml/2006/main" mc:Ignorable="mv" mc:PreserveAttributes="mv:*" preserve="1" userDrawn="1">
   <p:cSld name="Impact Slide - Pink">
     <p:bg>
       <p:bgPr>
@@ -9374,7 +9374,7 @@
 </file>
 
 <file path=ppt/slideLayouts/slideLayout11.xml><?xml version="1.0" encoding="utf-8"?>
-<p:sldLayout xmlns:a="http://schemas.openxmlformats.org/drawingml/2006/main" xmlns:r="http://schemas.openxmlformats.org/officeDocument/2006/relationships" xmlns:p="http://schemas.openxmlformats.org/presentationml/2006/main" preserve="1" userDrawn="1">
+<p:sldLayout xmlns:a="http://schemas.openxmlformats.org/drawingml/2006/main" xmlns:r="http://schemas.openxmlformats.org/officeDocument/2006/relationships" xmlns:mc="http://schemas.openxmlformats.org/markup-compatibility/2006" xmlns:mv="urn:schemas-microsoft-com:mac:vml" xmlns:p="http://schemas.openxmlformats.org/presentationml/2006/main" mc:Ignorable="mv" mc:PreserveAttributes="mv:*" preserve="1" userDrawn="1">
   <p:cSld name="Quote Slide - Neutral">
     <p:bg>
       <p:bgPr>
@@ -9533,7 +9533,7 @@
 </file>
 
 <file path=ppt/slideLayouts/slideLayout12.xml><?xml version="1.0" encoding="utf-8"?>
-<p:sldLayout xmlns:a="http://schemas.openxmlformats.org/drawingml/2006/main" xmlns:r="http://schemas.openxmlformats.org/officeDocument/2006/relationships" xmlns:p="http://schemas.openxmlformats.org/presentationml/2006/main" preserve="1" userDrawn="1">
+<p:sldLayout xmlns:a="http://schemas.openxmlformats.org/drawingml/2006/main" xmlns:r="http://schemas.openxmlformats.org/officeDocument/2006/relationships" xmlns:mc="http://schemas.openxmlformats.org/markup-compatibility/2006" xmlns:mv="urn:schemas-microsoft-com:mac:vml" xmlns:p="http://schemas.openxmlformats.org/presentationml/2006/main" mc:Ignorable="mv" mc:PreserveAttributes="mv:*" preserve="1" userDrawn="1">
   <p:cSld name="Quote Slide - Teal">
     <p:bg>
       <p:bgPr>
@@ -9686,7 +9686,7 @@
 </file>
 
 <file path=ppt/slideLayouts/slideLayout13.xml><?xml version="1.0" encoding="utf-8"?>
-<p:sldLayout xmlns:a="http://schemas.openxmlformats.org/drawingml/2006/main" xmlns:r="http://schemas.openxmlformats.org/officeDocument/2006/relationships" xmlns:p="http://schemas.openxmlformats.org/presentationml/2006/main" preserve="1" userDrawn="1">
+<p:sldLayout xmlns:a="http://schemas.openxmlformats.org/drawingml/2006/main" xmlns:r="http://schemas.openxmlformats.org/officeDocument/2006/relationships" xmlns:mc="http://schemas.openxmlformats.org/markup-compatibility/2006" xmlns:mv="urn:schemas-microsoft-com:mac:vml" xmlns:p="http://schemas.openxmlformats.org/presentationml/2006/main" mc:Ignorable="mv" mc:PreserveAttributes="mv:*" preserve="1" userDrawn="1">
   <p:cSld name="Quote Slide - Green">
     <p:bg>
       <p:bgPr>
@@ -9839,7 +9839,7 @@
 </file>
 
 <file path=ppt/slideLayouts/slideLayout14.xml><?xml version="1.0" encoding="utf-8"?>
-<p:sldLayout xmlns:a="http://schemas.openxmlformats.org/drawingml/2006/main" xmlns:r="http://schemas.openxmlformats.org/officeDocument/2006/relationships" xmlns:p="http://schemas.openxmlformats.org/presentationml/2006/main" preserve="1" userDrawn="1">
+<p:sldLayout xmlns:a="http://schemas.openxmlformats.org/drawingml/2006/main" xmlns:r="http://schemas.openxmlformats.org/officeDocument/2006/relationships" xmlns:mc="http://schemas.openxmlformats.org/markup-compatibility/2006" xmlns:mv="urn:schemas-microsoft-com:mac:vml" xmlns:p="http://schemas.openxmlformats.org/presentationml/2006/main" mc:Ignorable="mv" mc:PreserveAttributes="mv:*" preserve="1" userDrawn="1">
   <p:cSld name="Orange Quote Slide">
     <p:bg>
       <p:bgPr>
@@ -9992,7 +9992,7 @@
 </file>
 
 <file path=ppt/slideLayouts/slideLayout15.xml><?xml version="1.0" encoding="utf-8"?>
-<p:sldLayout xmlns:a="http://schemas.openxmlformats.org/drawingml/2006/main" xmlns:r="http://schemas.openxmlformats.org/officeDocument/2006/relationships" xmlns:p="http://schemas.openxmlformats.org/presentationml/2006/main" preserve="1" userDrawn="1">
+<p:sldLayout xmlns:a="http://schemas.openxmlformats.org/drawingml/2006/main" xmlns:r="http://schemas.openxmlformats.org/officeDocument/2006/relationships" xmlns:mc="http://schemas.openxmlformats.org/markup-compatibility/2006" xmlns:mv="urn:schemas-microsoft-com:mac:vml" xmlns:p="http://schemas.openxmlformats.org/presentationml/2006/main" mc:Ignorable="mv" mc:PreserveAttributes="mv:*" preserve="1" userDrawn="1">
   <p:cSld name="Quote Slide - Pink">
     <p:bg>
       <p:bgPr>
@@ -10145,7 +10145,7 @@
 </file>
 
 <file path=ppt/slideLayouts/slideLayout16.xml><?xml version="1.0" encoding="utf-8"?>
-<p:sldLayout xmlns:a="http://schemas.openxmlformats.org/drawingml/2006/main" xmlns:r="http://schemas.openxmlformats.org/officeDocument/2006/relationships" xmlns:p="http://schemas.openxmlformats.org/presentationml/2006/main" preserve="1" userDrawn="1">
+<p:sldLayout xmlns:a="http://schemas.openxmlformats.org/drawingml/2006/main" xmlns:r="http://schemas.openxmlformats.org/officeDocument/2006/relationships" xmlns:mc="http://schemas.openxmlformats.org/markup-compatibility/2006" xmlns:mv="urn:schemas-microsoft-com:mac:vml" xmlns:p="http://schemas.openxmlformats.org/presentationml/2006/main" mc:Ignorable="mv" mc:PreserveAttributes="mv:*" preserve="1" userDrawn="1">
   <p:cSld name="Thank You - Teal">
     <p:bg>
       <p:bgPr>
@@ -10276,7 +10276,7 @@
 </file>
 
 <file path=ppt/slideLayouts/slideLayout17.xml><?xml version="1.0" encoding="utf-8"?>
-<p:sldLayout xmlns:a="http://schemas.openxmlformats.org/drawingml/2006/main" xmlns:r="http://schemas.openxmlformats.org/officeDocument/2006/relationships" xmlns:p="http://schemas.openxmlformats.org/presentationml/2006/main" preserve="1" userDrawn="1">
+<p:sldLayout xmlns:a="http://schemas.openxmlformats.org/drawingml/2006/main" xmlns:r="http://schemas.openxmlformats.org/officeDocument/2006/relationships" xmlns:mc="http://schemas.openxmlformats.org/markup-compatibility/2006" xmlns:mv="urn:schemas-microsoft-com:mac:vml" xmlns:p="http://schemas.openxmlformats.org/presentationml/2006/main" mc:Ignorable="mv" mc:PreserveAttributes="mv:*" preserve="1" userDrawn="1">
   <p:cSld name="Thank You - Green">
     <p:bg>
       <p:bgPr>
@@ -10407,7 +10407,7 @@
 </file>
 
 <file path=ppt/slideLayouts/slideLayout18.xml><?xml version="1.0" encoding="utf-8"?>
-<p:sldLayout xmlns:a="http://schemas.openxmlformats.org/drawingml/2006/main" xmlns:r="http://schemas.openxmlformats.org/officeDocument/2006/relationships" xmlns:p="http://schemas.openxmlformats.org/presentationml/2006/main" userDrawn="1">
+<p:sldLayout xmlns:a="http://schemas.openxmlformats.org/drawingml/2006/main" xmlns:r="http://schemas.openxmlformats.org/officeDocument/2006/relationships" xmlns:mc="http://schemas.openxmlformats.org/markup-compatibility/2006" xmlns:mv="urn:schemas-microsoft-com:mac:vml" xmlns:p="http://schemas.openxmlformats.org/presentationml/2006/main" mc:Ignorable="mv" mc:PreserveAttributes="mv:*" userDrawn="1">
   <p:cSld name="Thank You - Orange">
     <p:bg>
       <p:bgPr>
@@ -10538,7 +10538,7 @@
 </file>
 
 <file path=ppt/slideLayouts/slideLayout19.xml><?xml version="1.0" encoding="utf-8"?>
-<p:sldLayout xmlns:a="http://schemas.openxmlformats.org/drawingml/2006/main" xmlns:r="http://schemas.openxmlformats.org/officeDocument/2006/relationships" xmlns:p="http://schemas.openxmlformats.org/presentationml/2006/main" userDrawn="1">
+<p:sldLayout xmlns:a="http://schemas.openxmlformats.org/drawingml/2006/main" xmlns:r="http://schemas.openxmlformats.org/officeDocument/2006/relationships" xmlns:mc="http://schemas.openxmlformats.org/markup-compatibility/2006" xmlns:mv="urn:schemas-microsoft-com:mac:vml" xmlns:p="http://schemas.openxmlformats.org/presentationml/2006/main" mc:Ignorable="mv" mc:PreserveAttributes="mv:*" userDrawn="1">
   <p:cSld name="Thank You - Pink">
     <p:bg>
       <p:bgPr>
@@ -10669,7 +10669,7 @@
 </file>
 
 <file path=ppt/slideLayouts/slideLayout2.xml><?xml version="1.0" encoding="utf-8"?>
-<p:sldLayout xmlns:a="http://schemas.openxmlformats.org/drawingml/2006/main" xmlns:r="http://schemas.openxmlformats.org/officeDocument/2006/relationships" xmlns:p="http://schemas.openxmlformats.org/presentationml/2006/main" preserve="1" userDrawn="1">
+<p:sldLayout xmlns:a="http://schemas.openxmlformats.org/drawingml/2006/main" xmlns:r="http://schemas.openxmlformats.org/officeDocument/2006/relationships" xmlns:mc="http://schemas.openxmlformats.org/markup-compatibility/2006" xmlns:mv="urn:schemas-microsoft-com:mac:vml" xmlns:p="http://schemas.openxmlformats.org/presentationml/2006/main" mc:Ignorable="mv" mc:PreserveAttributes="mv:*" preserve="1" userDrawn="1">
   <p:cSld name="Title and Single Element">
     <p:spTree>
       <p:nvGrpSpPr>
@@ -11000,7 +11000,7 @@
 </file>
 
 <file path=ppt/slideLayouts/slideLayout3.xml><?xml version="1.0" encoding="utf-8"?>
-<p:sldLayout xmlns:a="http://schemas.openxmlformats.org/drawingml/2006/main" xmlns:r="http://schemas.openxmlformats.org/officeDocument/2006/relationships" xmlns:p="http://schemas.openxmlformats.org/presentationml/2006/main" preserve="1" userDrawn="1">
+<p:sldLayout xmlns:a="http://schemas.openxmlformats.org/drawingml/2006/main" xmlns:r="http://schemas.openxmlformats.org/officeDocument/2006/relationships" xmlns:mc="http://schemas.openxmlformats.org/markup-compatibility/2006" xmlns:mv="urn:schemas-microsoft-com:mac:vml" xmlns:p="http://schemas.openxmlformats.org/presentationml/2006/main" mc:Ignorable="mv" mc:PreserveAttributes="mv:*" preserve="1" userDrawn="1">
   <p:cSld name="Title and Two Element">
     <p:spTree>
       <p:nvGrpSpPr>
@@ -11392,7 +11392,7 @@
 </file>
 
 <file path=ppt/slideLayouts/slideLayout4.xml><?xml version="1.0" encoding="utf-8"?>
-<p:sldLayout xmlns:a="http://schemas.openxmlformats.org/drawingml/2006/main" xmlns:r="http://schemas.openxmlformats.org/officeDocument/2006/relationships" xmlns:p="http://schemas.openxmlformats.org/presentationml/2006/main" preserve="1" userDrawn="1">
+<p:sldLayout xmlns:a="http://schemas.openxmlformats.org/drawingml/2006/main" xmlns:r="http://schemas.openxmlformats.org/officeDocument/2006/relationships" xmlns:mc="http://schemas.openxmlformats.org/markup-compatibility/2006" xmlns:mv="urn:schemas-microsoft-com:mac:vml" xmlns:p="http://schemas.openxmlformats.org/presentationml/2006/main" mc:Ignorable="mv" mc:PreserveAttributes="mv:*" preserve="1" userDrawn="1">
   <p:cSld name="Title Only and Blank">
     <p:spTree>
       <p:nvGrpSpPr>
@@ -11666,7 +11666,7 @@
 </file>
 
 <file path=ppt/slideLayouts/slideLayout5.xml><?xml version="1.0" encoding="utf-8"?>
-<p:sldLayout xmlns:a="http://schemas.openxmlformats.org/drawingml/2006/main" xmlns:r="http://schemas.openxmlformats.org/officeDocument/2006/relationships" xmlns:p="http://schemas.openxmlformats.org/presentationml/2006/main" userDrawn="1">
+<p:sldLayout xmlns:a="http://schemas.openxmlformats.org/drawingml/2006/main" xmlns:r="http://schemas.openxmlformats.org/officeDocument/2006/relationships" xmlns:mc="http://schemas.openxmlformats.org/markup-compatibility/2006" xmlns:mv="urn:schemas-microsoft-com:mac:vml" xmlns:p="http://schemas.openxmlformats.org/presentationml/2006/main" mc:Ignorable="mv" mc:PreserveAttributes="mv:*" userDrawn="1">
   <p:cSld name="Left Text and Right Image">
     <p:spTree>
       <p:nvGrpSpPr>
@@ -12027,7 +12027,7 @@
 </file>
 
 <file path=ppt/slideLayouts/slideLayout6.xml><?xml version="1.0" encoding="utf-8"?>
-<p:sldLayout xmlns:a="http://schemas.openxmlformats.org/drawingml/2006/main" xmlns:r="http://schemas.openxmlformats.org/officeDocument/2006/relationships" xmlns:p="http://schemas.openxmlformats.org/presentationml/2006/main" preserve="1" userDrawn="1">
+<p:sldLayout xmlns:a="http://schemas.openxmlformats.org/drawingml/2006/main" xmlns:r="http://schemas.openxmlformats.org/officeDocument/2006/relationships" xmlns:mc="http://schemas.openxmlformats.org/markup-compatibility/2006" xmlns:mv="urn:schemas-microsoft-com:mac:vml" xmlns:p="http://schemas.openxmlformats.org/presentationml/2006/main" mc:Ignorable="mv" mc:PreserveAttributes="mv:*" preserve="1" userDrawn="1">
   <p:cSld name="Left Image and Right Text">
     <p:spTree>
       <p:nvGrpSpPr>
@@ -12388,7 +12388,7 @@
 </file>
 
 <file path=ppt/slideLayouts/slideLayout7.xml><?xml version="1.0" encoding="utf-8"?>
-<p:sldLayout xmlns:a="http://schemas.openxmlformats.org/drawingml/2006/main" xmlns:r="http://schemas.openxmlformats.org/officeDocument/2006/relationships" xmlns:p="http://schemas.openxmlformats.org/presentationml/2006/main" preserve="1" userDrawn="1">
+<p:sldLayout xmlns:a="http://schemas.openxmlformats.org/drawingml/2006/main" xmlns:r="http://schemas.openxmlformats.org/officeDocument/2006/relationships" xmlns:mc="http://schemas.openxmlformats.org/markup-compatibility/2006" xmlns:mv="urn:schemas-microsoft-com:mac:vml" xmlns:p="http://schemas.openxmlformats.org/presentationml/2006/main" mc:Ignorable="mv" mc:PreserveAttributes="mv:*" preserve="1" userDrawn="1">
   <p:cSld name="Impact Slide - Teal">
     <p:bg>
       <p:bgPr>
@@ -12483,7 +12483,7 @@
 </file>
 
 <file path=ppt/slideLayouts/slideLayout8.xml><?xml version="1.0" encoding="utf-8"?>
-<p:sldLayout xmlns:a="http://schemas.openxmlformats.org/drawingml/2006/main" xmlns:r="http://schemas.openxmlformats.org/officeDocument/2006/relationships" xmlns:p="http://schemas.openxmlformats.org/presentationml/2006/main" preserve="1" userDrawn="1">
+<p:sldLayout xmlns:a="http://schemas.openxmlformats.org/drawingml/2006/main" xmlns:r="http://schemas.openxmlformats.org/officeDocument/2006/relationships" xmlns:mc="http://schemas.openxmlformats.org/markup-compatibility/2006" xmlns:mv="urn:schemas-microsoft-com:mac:vml" xmlns:p="http://schemas.openxmlformats.org/presentationml/2006/main" mc:Ignorable="mv" mc:PreserveAttributes="mv:*" preserve="1" userDrawn="1">
   <p:cSld name="Impact Slide - Green">
     <p:bg>
       <p:bgPr>
@@ -12578,7 +12578,7 @@
 </file>
 
 <file path=ppt/slideLayouts/slideLayout9.xml><?xml version="1.0" encoding="utf-8"?>
-<p:sldLayout xmlns:a="http://schemas.openxmlformats.org/drawingml/2006/main" xmlns:r="http://schemas.openxmlformats.org/officeDocument/2006/relationships" xmlns:p="http://schemas.openxmlformats.org/presentationml/2006/main" preserve="1" userDrawn="1">
+<p:sldLayout xmlns:a="http://schemas.openxmlformats.org/drawingml/2006/main" xmlns:r="http://schemas.openxmlformats.org/officeDocument/2006/relationships" xmlns:mc="http://schemas.openxmlformats.org/markup-compatibility/2006" xmlns:mv="urn:schemas-microsoft-com:mac:vml" xmlns:p="http://schemas.openxmlformats.org/presentationml/2006/main" mc:Ignorable="mv" mc:PreserveAttributes="mv:*" preserve="1" userDrawn="1">
   <p:cSld name="Impact Slide - Orange">
     <p:bg>
       <p:bgPr>
@@ -12673,7 +12673,7 @@
 </file>
 
 <file path=ppt/slideMasters/slideMaster1.xml><?xml version="1.0" encoding="utf-8"?>
-<p:sldMaster xmlns:a="http://schemas.openxmlformats.org/drawingml/2006/main" xmlns:r="http://schemas.openxmlformats.org/officeDocument/2006/relationships" xmlns:p="http://schemas.openxmlformats.org/presentationml/2006/main">
+<p:sldMaster xmlns:a="http://schemas.openxmlformats.org/drawingml/2006/main" xmlns:r="http://schemas.openxmlformats.org/officeDocument/2006/relationships" xmlns:mc="http://schemas.openxmlformats.org/markup-compatibility/2006" xmlns:mv="urn:schemas-microsoft-com:mac:vml" xmlns:p="http://schemas.openxmlformats.org/presentationml/2006/main" mc:Ignorable="mv" mc:PreserveAttributes="mv:*">
   <p:cSld>
     <p:bg>
       <p:bgPr>
@@ -13295,7 +13295,7 @@
 </file>
 
 <file path=ppt/slides/slide1.xml><?xml version="1.0" encoding="utf-8"?>
-<p:sld xmlns:a="http://schemas.openxmlformats.org/drawingml/2006/main" xmlns:r="http://schemas.openxmlformats.org/officeDocument/2006/relationships" xmlns:p="http://schemas.openxmlformats.org/presentationml/2006/main">
+<p:sld xmlns:a="http://schemas.openxmlformats.org/drawingml/2006/main" xmlns:r="http://schemas.openxmlformats.org/officeDocument/2006/relationships" xmlns:mc="http://schemas.openxmlformats.org/markup-compatibility/2006" xmlns:mv="urn:schemas-microsoft-com:mac:vml" xmlns:p="http://schemas.openxmlformats.org/presentationml/2006/main" mc:Ignorable="mv" mc:PreserveAttributes="mv:*">
   <p:cSld>
     <p:spTree>
       <p:nvGrpSpPr>
@@ -13404,18 +13404,18 @@
     </p:spTree>
     <p:extLst>
       <p:ext uri="{BB962C8B-B14F-4D97-AF65-F5344CB8AC3E}">
-        <p14:creationId xmlns:p14="http://schemas.microsoft.com/office/powerpoint/2010/main" val="3995012882"/>
+        <p14:creationId xmlns:p14="http://schemas.microsoft.com/office/powerpoint/2010/main" xmlns:p="http://schemas.openxmlformats.org/presentationml/2006/main" xmlns:r="http://schemas.openxmlformats.org/officeDocument/2006/relationships" xmlns:a="http://schemas.openxmlformats.org/drawingml/2006/main" xmlns="" val="3995012882"/>
       </p:ext>
     </p:extLst>
   </p:cSld>
   <p:clrMapOvr>
     <a:masterClrMapping/>
   </p:clrMapOvr>
-  <p:transition xmlns:p14="http://schemas.microsoft.com/office/powerpoint/2010/main"/>
+  <p:transition/>
   <p:timing>
     <p:tnLst>
       <p:par>
-        <p:cTn xmlns:p14="http://schemas.microsoft.com/office/powerpoint/2010/main" id="1" dur="indefinite" restart="never" nodeType="tmRoot"/>
+        <p:cTn id="1" dur="indefinite" restart="never" nodeType="tmRoot"/>
       </p:par>
     </p:tnLst>
   </p:timing>
@@ -13423,7 +13423,7 @@
 </file>
 
 <file path=ppt/slides/slide10.xml><?xml version="1.0" encoding="utf-8"?>
-<p:sld xmlns:a="http://schemas.openxmlformats.org/drawingml/2006/main" xmlns:r="http://schemas.openxmlformats.org/officeDocument/2006/relationships" xmlns:p="http://schemas.openxmlformats.org/presentationml/2006/main">
+<p:sld xmlns:a="http://schemas.openxmlformats.org/drawingml/2006/main" xmlns:r="http://schemas.openxmlformats.org/officeDocument/2006/relationships" xmlns:mc="http://schemas.openxmlformats.org/markup-compatibility/2006" xmlns:mv="urn:schemas-microsoft-com:mac:vml" xmlns:p="http://schemas.openxmlformats.org/presentationml/2006/main" mc:Ignorable="mv" mc:PreserveAttributes="mv:*">
   <p:cSld>
     <p:spTree>
       <p:nvGrpSpPr>
@@ -14224,7 +14224,7 @@
     </p:spTree>
     <p:extLst>
       <p:ext uri="{BB962C8B-B14F-4D97-AF65-F5344CB8AC3E}">
-        <p14:creationId xmlns:p14="http://schemas.microsoft.com/office/powerpoint/2010/main" val="2507504450"/>
+        <p14:creationId xmlns:p14="http://schemas.microsoft.com/office/powerpoint/2010/main" xmlns:p="http://schemas.openxmlformats.org/presentationml/2006/main" xmlns:r="http://schemas.openxmlformats.org/officeDocument/2006/relationships" xmlns:a="http://schemas.openxmlformats.org/drawingml/2006/main" xmlns="" val="2507504450"/>
       </p:ext>
     </p:extLst>
   </p:cSld>
@@ -14234,7 +14234,7 @@
   <p:timing>
     <p:tnLst>
       <p:par>
-        <p:cTn xmlns:p14="http://schemas.microsoft.com/office/powerpoint/2010/main" id="1" dur="indefinite" restart="never" nodeType="tmRoot"/>
+        <p:cTn id="1" dur="indefinite" restart="never" nodeType="tmRoot"/>
       </p:par>
     </p:tnLst>
   </p:timing>
@@ -14242,7 +14242,7 @@
 </file>
 
 <file path=ppt/slides/slide11.xml><?xml version="1.0" encoding="utf-8"?>
-<p:sld xmlns:a="http://schemas.openxmlformats.org/drawingml/2006/main" xmlns:r="http://schemas.openxmlformats.org/officeDocument/2006/relationships" xmlns:p="http://schemas.openxmlformats.org/presentationml/2006/main">
+<p:sld xmlns:a="http://schemas.openxmlformats.org/drawingml/2006/main" xmlns:r="http://schemas.openxmlformats.org/officeDocument/2006/relationships" xmlns:mc="http://schemas.openxmlformats.org/markup-compatibility/2006" xmlns:mv="urn:schemas-microsoft-com:mac:vml" xmlns:p="http://schemas.openxmlformats.org/presentationml/2006/main" mc:Ignorable="mv" mc:PreserveAttributes="mv:*">
   <p:cSld>
     <p:spTree>
       <p:nvGrpSpPr>
@@ -14718,20 +14718,20 @@
     </p:spTree>
     <p:extLst>
       <p:ext uri="{BB962C8B-B14F-4D97-AF65-F5344CB8AC3E}">
-        <p14:creationId xmlns:p14="http://schemas.microsoft.com/office/powerpoint/2010/main" val="3169780345"/>
+        <p14:creationId xmlns:p14="http://schemas.microsoft.com/office/powerpoint/2010/main" xmlns:p="http://schemas.openxmlformats.org/presentationml/2006/main" xmlns:r="http://schemas.openxmlformats.org/officeDocument/2006/relationships" xmlns:a="http://schemas.openxmlformats.org/drawingml/2006/main" xmlns="" val="3169780345"/>
       </p:ext>
     </p:extLst>
   </p:cSld>
   <p:clrMapOvr>
     <a:masterClrMapping/>
   </p:clrMapOvr>
-  <p:transition xmlns:p14="http://schemas.microsoft.com/office/powerpoint/2010/main">
+  <p:transition>
     <p:fade/>
   </p:transition>
   <p:timing>
     <p:tnLst>
       <p:par>
-        <p:cTn xmlns:p14="http://schemas.microsoft.com/office/powerpoint/2010/main" id="1" dur="indefinite" restart="never" nodeType="tmRoot"/>
+        <p:cTn id="1" dur="indefinite" restart="never" nodeType="tmRoot"/>
       </p:par>
     </p:tnLst>
   </p:timing>
@@ -14739,7 +14739,7 @@
 </file>
 
 <file path=ppt/slides/slide12.xml><?xml version="1.0" encoding="utf-8"?>
-<p:sld xmlns:a="http://schemas.openxmlformats.org/drawingml/2006/main" xmlns:r="http://schemas.openxmlformats.org/officeDocument/2006/relationships" xmlns:p="http://schemas.openxmlformats.org/presentationml/2006/main">
+<p:sld xmlns:a="http://schemas.openxmlformats.org/drawingml/2006/main" xmlns:r="http://schemas.openxmlformats.org/officeDocument/2006/relationships" xmlns:mc="http://schemas.openxmlformats.org/markup-compatibility/2006" xmlns:mv="urn:schemas-microsoft-com:mac:vml" xmlns:p="http://schemas.openxmlformats.org/presentationml/2006/main" mc:Ignorable="mv" mc:PreserveAttributes="mv:*">
   <p:cSld>
     <p:spTree>
       <p:nvGrpSpPr>
@@ -14838,18 +14838,18 @@
     </p:spTree>
     <p:extLst>
       <p:ext uri="{BB962C8B-B14F-4D97-AF65-F5344CB8AC3E}">
-        <p14:creationId xmlns:p14="http://schemas.microsoft.com/office/powerpoint/2010/main" val="2531301213"/>
+        <p14:creationId xmlns:p14="http://schemas.microsoft.com/office/powerpoint/2010/main" xmlns:p="http://schemas.openxmlformats.org/presentationml/2006/main" xmlns:r="http://schemas.openxmlformats.org/officeDocument/2006/relationships" xmlns:a="http://schemas.openxmlformats.org/drawingml/2006/main" xmlns="" val="2531301213"/>
       </p:ext>
     </p:extLst>
   </p:cSld>
   <p:clrMapOvr>
     <a:masterClrMapping/>
   </p:clrMapOvr>
-  <p:transition xmlns:p14="http://schemas.microsoft.com/office/powerpoint/2010/main"/>
+  <p:transition/>
   <p:timing>
     <p:tnLst>
       <p:par>
-        <p:cTn xmlns:p14="http://schemas.microsoft.com/office/powerpoint/2010/main" id="1" dur="indefinite" restart="never" nodeType="tmRoot"/>
+        <p:cTn id="1" dur="indefinite" restart="never" nodeType="tmRoot"/>
       </p:par>
     </p:tnLst>
   </p:timing>
@@ -14857,7 +14857,7 @@
 </file>
 
 <file path=ppt/slides/slide13.xml><?xml version="1.0" encoding="utf-8"?>
-<p:sld xmlns:a="http://schemas.openxmlformats.org/drawingml/2006/main" xmlns:r="http://schemas.openxmlformats.org/officeDocument/2006/relationships" xmlns:p="http://schemas.openxmlformats.org/presentationml/2006/main">
+<p:sld xmlns:a="http://schemas.openxmlformats.org/drawingml/2006/main" xmlns:r="http://schemas.openxmlformats.org/officeDocument/2006/relationships" xmlns:mc="http://schemas.openxmlformats.org/markup-compatibility/2006" xmlns:mv="urn:schemas-microsoft-com:mac:vml" xmlns:p="http://schemas.openxmlformats.org/presentationml/2006/main" mc:Ignorable="mv" mc:PreserveAttributes="mv:*">
   <p:cSld>
     <p:spTree>
       <p:nvGrpSpPr>
@@ -15646,20 +15646,20 @@
     </p:spTree>
     <p:extLst>
       <p:ext uri="{BB962C8B-B14F-4D97-AF65-F5344CB8AC3E}">
-        <p14:creationId xmlns:p14="http://schemas.microsoft.com/office/powerpoint/2010/main" val="1720089582"/>
+        <p14:creationId xmlns:p14="http://schemas.microsoft.com/office/powerpoint/2010/main" xmlns:p="http://schemas.openxmlformats.org/presentationml/2006/main" xmlns:r="http://schemas.openxmlformats.org/officeDocument/2006/relationships" xmlns:a="http://schemas.openxmlformats.org/drawingml/2006/main" xmlns="" val="1720089582"/>
       </p:ext>
     </p:extLst>
   </p:cSld>
   <p:clrMapOvr>
     <a:masterClrMapping/>
   </p:clrMapOvr>
-  <p:transition xmlns:p14="http://schemas.microsoft.com/office/powerpoint/2010/main">
+  <p:transition>
     <p:fade/>
   </p:transition>
   <p:timing>
     <p:tnLst>
       <p:par>
-        <p:cTn xmlns:p14="http://schemas.microsoft.com/office/powerpoint/2010/main" id="1" dur="indefinite" restart="never" nodeType="tmRoot"/>
+        <p:cTn id="1" dur="indefinite" restart="never" nodeType="tmRoot"/>
       </p:par>
     </p:tnLst>
   </p:timing>
@@ -15667,7 +15667,7 @@
 </file>
 
 <file path=ppt/slides/slide14.xml><?xml version="1.0" encoding="utf-8"?>
-<p:sld xmlns:a="http://schemas.openxmlformats.org/drawingml/2006/main" xmlns:r="http://schemas.openxmlformats.org/officeDocument/2006/relationships" xmlns:p="http://schemas.openxmlformats.org/presentationml/2006/main">
+<p:sld xmlns:a="http://schemas.openxmlformats.org/drawingml/2006/main" xmlns:r="http://schemas.openxmlformats.org/officeDocument/2006/relationships" xmlns:mc="http://schemas.openxmlformats.org/markup-compatibility/2006" xmlns:mv="urn:schemas-microsoft-com:mac:vml" xmlns:p="http://schemas.openxmlformats.org/presentationml/2006/main" mc:Ignorable="mv" mc:PreserveAttributes="mv:*">
   <p:cSld>
     <p:spTree>
       <p:nvGrpSpPr>
@@ -15840,7 +15840,7 @@
     </p:spTree>
     <p:extLst>
       <p:ext uri="{BB962C8B-B14F-4D97-AF65-F5344CB8AC3E}">
-        <p14:creationId xmlns:p14="http://schemas.microsoft.com/office/powerpoint/2010/main" val="4111537718"/>
+        <p14:creationId xmlns:p14="http://schemas.microsoft.com/office/powerpoint/2010/main" xmlns:p="http://schemas.openxmlformats.org/presentationml/2006/main" xmlns:r="http://schemas.openxmlformats.org/officeDocument/2006/relationships" xmlns:a="http://schemas.openxmlformats.org/drawingml/2006/main" xmlns="" val="4111537718"/>
       </p:ext>
     </p:extLst>
   </p:cSld>
@@ -15851,7 +15851,7 @@
 </file>
 
 <file path=ppt/slides/slide15.xml><?xml version="1.0" encoding="utf-8"?>
-<p:sld xmlns:a="http://schemas.openxmlformats.org/drawingml/2006/main" xmlns:r="http://schemas.openxmlformats.org/officeDocument/2006/relationships" xmlns:p="http://schemas.openxmlformats.org/presentationml/2006/main">
+<p:sld xmlns:a="http://schemas.openxmlformats.org/drawingml/2006/main" xmlns:r="http://schemas.openxmlformats.org/officeDocument/2006/relationships" xmlns:mc="http://schemas.openxmlformats.org/markup-compatibility/2006" xmlns:mv="urn:schemas-microsoft-com:mac:vml" xmlns:p="http://schemas.openxmlformats.org/presentationml/2006/main" mc:Ignorable="mv" mc:PreserveAttributes="mv:*">
   <p:cSld>
     <p:spTree>
       <p:nvGrpSpPr>
@@ -15889,11 +15889,7 @@
           <a:p>
             <a:r>
               <a:rPr lang="en-US" dirty="0" smtClean="0"/>
-              <a:t>Introduction to the </a:t>
-            </a:r>
-            <a:r>
-              <a:rPr lang="en-US" dirty="0" smtClean="0"/>
-              <a:t>Media API</a:t>
+              <a:t>Introduction to the Media API</a:t>
             </a:r>
             <a:endParaRPr lang="en-US" dirty="0"/>
           </a:p>
@@ -15978,7 +15974,7 @@
     </p:spTree>
     <p:extLst>
       <p:ext uri="{BB962C8B-B14F-4D97-AF65-F5344CB8AC3E}">
-        <p14:creationId xmlns:p14="http://schemas.microsoft.com/office/powerpoint/2010/main" val="4278708905"/>
+        <p14:creationId xmlns:p14="http://schemas.microsoft.com/office/powerpoint/2010/main" xmlns:p="http://schemas.openxmlformats.org/presentationml/2006/main" xmlns:r="http://schemas.openxmlformats.org/officeDocument/2006/relationships" xmlns:a="http://schemas.openxmlformats.org/drawingml/2006/main" xmlns="" val="4278708905"/>
       </p:ext>
     </p:extLst>
   </p:cSld>
@@ -15988,7 +15984,7 @@
   <p:timing>
     <p:tnLst>
       <p:par>
-        <p:cTn xmlns:p14="http://schemas.microsoft.com/office/powerpoint/2010/main" id="1" dur="indefinite" restart="never" nodeType="tmRoot"/>
+        <p:cTn id="1" dur="indefinite" restart="never" nodeType="tmRoot"/>
       </p:par>
     </p:tnLst>
   </p:timing>
@@ -15996,7 +15992,7 @@
 </file>
 
 <file path=ppt/slides/slide16.xml><?xml version="1.0" encoding="utf-8"?>
-<p:sld xmlns:a="http://schemas.openxmlformats.org/drawingml/2006/main" xmlns:r="http://schemas.openxmlformats.org/officeDocument/2006/relationships" xmlns:p="http://schemas.openxmlformats.org/presentationml/2006/main">
+<p:sld xmlns:a="http://schemas.openxmlformats.org/drawingml/2006/main" xmlns:r="http://schemas.openxmlformats.org/officeDocument/2006/relationships" xmlns:mc="http://schemas.openxmlformats.org/markup-compatibility/2006" xmlns:mv="urn:schemas-microsoft-com:mac:vml" xmlns:p="http://schemas.openxmlformats.org/presentationml/2006/main" mc:Ignorable="mv" mc:PreserveAttributes="mv:*">
   <p:cSld>
     <p:spTree>
       <p:nvGrpSpPr>
@@ -16237,13 +16233,7 @@
               <a:rPr lang="en-US" dirty="0">
                 <a:cs typeface="ＭＳ Ｐゴシック"/>
               </a:rPr>
-              <a:t> </a:t>
-            </a:r>
-            <a:r>
-              <a:rPr lang="en-US" dirty="0">
-                <a:cs typeface="ＭＳ Ｐゴシック"/>
-              </a:rPr>
-              <a:t>(Representational State Transfer):</a:t>
+              <a:t> (Representational State Transfer):</a:t>
             </a:r>
           </a:p>
           <a:p>
@@ -16370,37 +16360,7 @@
                 <a:cs typeface="ＭＳ Ｐゴシック"/>
                 <a:hlinkClick r:id="rId5"/>
               </a:rPr>
-              <a:t>http://api.brightcove.com/services/library?command</a:t>
-            </a:r>
-            <a:r>
-              <a:rPr lang="en-US" dirty="0">
-                <a:solidFill>
-                  <a:schemeClr val="accent2"/>
-                </a:solidFill>
-                <a:cs typeface="ＭＳ Ｐゴシック"/>
-                <a:hlinkClick r:id="rId5"/>
-              </a:rPr>
-              <a:t>=search_videos&amp;</a:t>
-            </a:r>
-            <a:r>
-              <a:rPr lang="en-US" dirty="0">
-                <a:solidFill>
-                  <a:schemeClr val="accent2"/>
-                </a:solidFill>
-                <a:cs typeface="ＭＳ Ｐゴシック"/>
-                <a:hlinkClick r:id="rId5"/>
-              </a:rPr>
-              <a:t>token</a:t>
-            </a:r>
-            <a:r>
-              <a:rPr lang="en-US" dirty="0">
-                <a:solidFill>
-                  <a:schemeClr val="accent2"/>
-                </a:solidFill>
-                <a:cs typeface="ＭＳ Ｐゴシック"/>
-                <a:hlinkClick r:id="rId5"/>
-              </a:rPr>
-              <a:t>=</a:t>
+              <a:t>http://api.brightcove.com/services/library?command=search_videos&amp;token=</a:t>
             </a:r>
             <a:r>
               <a:rPr lang="en-US" dirty="0">
@@ -16420,20 +16380,20 @@
     </p:spTree>
     <p:extLst>
       <p:ext uri="{BB962C8B-B14F-4D97-AF65-F5344CB8AC3E}">
-        <p14:creationId xmlns:p14="http://schemas.microsoft.com/office/powerpoint/2010/main" val="2081898407"/>
+        <p14:creationId xmlns:p14="http://schemas.microsoft.com/office/powerpoint/2010/main" xmlns:p="http://schemas.openxmlformats.org/presentationml/2006/main" xmlns:r="http://schemas.openxmlformats.org/officeDocument/2006/relationships" xmlns:a="http://schemas.openxmlformats.org/drawingml/2006/main" xmlns="" val="2081898407"/>
       </p:ext>
     </p:extLst>
   </p:cSld>
   <p:clrMapOvr>
     <a:masterClrMapping/>
   </p:clrMapOvr>
-  <p:transition xmlns:p14="http://schemas.microsoft.com/office/powerpoint/2010/main">
+  <p:transition>
     <p:fade/>
   </p:transition>
   <p:timing>
     <p:tnLst>
       <p:par>
-        <p:cTn xmlns:p14="http://schemas.microsoft.com/office/powerpoint/2010/main" id="1" dur="indefinite" restart="never" nodeType="tmRoot">
+        <p:cTn id="1" dur="indefinite" restart="never" nodeType="tmRoot">
           <p:childTnLst>
             <p:seq concurrent="1" nextAc="seek">
               <p:cTn id="2" dur="indefinite" nodeType="mainSeq">
@@ -16887,7 +16847,7 @@
 </file>
 
 <file path=ppt/slides/slide17.xml><?xml version="1.0" encoding="utf-8"?>
-<p:sld xmlns:a="http://schemas.openxmlformats.org/drawingml/2006/main" xmlns:r="http://schemas.openxmlformats.org/officeDocument/2006/relationships" xmlns:p="http://schemas.openxmlformats.org/presentationml/2006/main">
+<p:sld xmlns:a="http://schemas.openxmlformats.org/drawingml/2006/main" xmlns:r="http://schemas.openxmlformats.org/officeDocument/2006/relationships" xmlns:mc="http://schemas.openxmlformats.org/markup-compatibility/2006" xmlns:mv="urn:schemas-microsoft-com:mac:vml" xmlns:p="http://schemas.openxmlformats.org/presentationml/2006/main" mc:Ignorable="mv" mc:PreserveAttributes="mv:*">
   <p:cSld>
     <p:spTree>
       <p:nvGrpSpPr>
@@ -17217,20 +17177,20 @@
     </p:spTree>
     <p:extLst>
       <p:ext uri="{BB962C8B-B14F-4D97-AF65-F5344CB8AC3E}">
-        <p14:creationId xmlns:p14="http://schemas.microsoft.com/office/powerpoint/2010/main" val="144980651"/>
+        <p14:creationId xmlns:p14="http://schemas.microsoft.com/office/powerpoint/2010/main" xmlns:p="http://schemas.openxmlformats.org/presentationml/2006/main" xmlns:r="http://schemas.openxmlformats.org/officeDocument/2006/relationships" xmlns:a="http://schemas.openxmlformats.org/drawingml/2006/main" xmlns="" val="144980651"/>
       </p:ext>
     </p:extLst>
   </p:cSld>
   <p:clrMapOvr>
     <a:masterClrMapping/>
   </p:clrMapOvr>
-  <p:transition xmlns:p14="http://schemas.microsoft.com/office/powerpoint/2010/main">
+  <p:transition>
     <p:fade/>
   </p:transition>
   <p:timing>
     <p:tnLst>
       <p:par>
-        <p:cTn xmlns:p14="http://schemas.microsoft.com/office/powerpoint/2010/main" id="1" dur="indefinite" restart="never" nodeType="tmRoot"/>
+        <p:cTn id="1" dur="indefinite" restart="never" nodeType="tmRoot"/>
       </p:par>
     </p:tnLst>
   </p:timing>
@@ -17238,7 +17198,7 @@
 </file>
 
 <file path=ppt/slides/slide18.xml><?xml version="1.0" encoding="utf-8"?>
-<p:sld xmlns:a="http://schemas.openxmlformats.org/drawingml/2006/main" xmlns:r="http://schemas.openxmlformats.org/officeDocument/2006/relationships" xmlns:p="http://schemas.openxmlformats.org/presentationml/2006/main">
+<p:sld xmlns:a="http://schemas.openxmlformats.org/drawingml/2006/main" xmlns:r="http://schemas.openxmlformats.org/officeDocument/2006/relationships" xmlns:mc="http://schemas.openxmlformats.org/markup-compatibility/2006" xmlns:mv="urn:schemas-microsoft-com:mac:vml" xmlns:p="http://schemas.openxmlformats.org/presentationml/2006/main" mc:Ignorable="mv" mc:PreserveAttributes="mv:*">
   <p:cSld>
     <p:spTree>
       <p:nvGrpSpPr>
@@ -17280,7 +17240,7 @@
     </p:spTree>
     <p:extLst>
       <p:ext uri="{BB962C8B-B14F-4D97-AF65-F5344CB8AC3E}">
-        <p14:creationId xmlns:p14="http://schemas.microsoft.com/office/powerpoint/2010/main" val="1705542122"/>
+        <p14:creationId xmlns:p14="http://schemas.microsoft.com/office/powerpoint/2010/main" xmlns:p="http://schemas.openxmlformats.org/presentationml/2006/main" xmlns:r="http://schemas.openxmlformats.org/officeDocument/2006/relationships" xmlns:a="http://schemas.openxmlformats.org/drawingml/2006/main" xmlns="" val="1705542122"/>
       </p:ext>
     </p:extLst>
   </p:cSld>
@@ -17291,7 +17251,7 @@
 </file>
 
 <file path=ppt/slides/slide19.xml><?xml version="1.0" encoding="utf-8"?>
-<p:sld xmlns:a="http://schemas.openxmlformats.org/drawingml/2006/main" xmlns:r="http://schemas.openxmlformats.org/officeDocument/2006/relationships" xmlns:p="http://schemas.openxmlformats.org/presentationml/2006/main">
+<p:sld xmlns:a="http://schemas.openxmlformats.org/drawingml/2006/main" xmlns:r="http://schemas.openxmlformats.org/officeDocument/2006/relationships" xmlns:mc="http://schemas.openxmlformats.org/markup-compatibility/2006" xmlns:mv="urn:schemas-microsoft-com:mac:vml" xmlns:p="http://schemas.openxmlformats.org/presentationml/2006/main" mc:Ignorable="mv" mc:PreserveAttributes="mv:*">
   <p:cSld>
     <p:spTree>
       <p:nvGrpSpPr>
@@ -17438,16 +17398,7 @@
                 </a:solidFill>
                 <a:cs typeface="ＭＳ Ｐゴシック"/>
               </a:rPr>
-              <a:t>D</a:t>
-            </a:r>
-            <a:r>
-              <a:rPr lang="en-US" sz="3000" dirty="0">
-                <a:solidFill>
-                  <a:srgbClr val="23383A"/>
-                </a:solidFill>
-                <a:cs typeface="ＭＳ Ｐゴシック"/>
-              </a:rPr>
-              <a:t>ata is cached for performance (up to 20 minutes)</a:t>
+              <a:t>Data is cached for performance (up to 20 minutes)</a:t>
             </a:r>
           </a:p>
           <a:p>
@@ -17601,20 +17552,20 @@
     </p:spTree>
     <p:extLst>
       <p:ext uri="{BB962C8B-B14F-4D97-AF65-F5344CB8AC3E}">
-        <p14:creationId xmlns:p14="http://schemas.microsoft.com/office/powerpoint/2010/main" val="1451904305"/>
+        <p14:creationId xmlns:p14="http://schemas.microsoft.com/office/powerpoint/2010/main" xmlns:p="http://schemas.openxmlformats.org/presentationml/2006/main" xmlns:r="http://schemas.openxmlformats.org/officeDocument/2006/relationships" xmlns:a="http://schemas.openxmlformats.org/drawingml/2006/main" xmlns="" val="1451904305"/>
       </p:ext>
     </p:extLst>
   </p:cSld>
   <p:clrMapOvr>
     <a:masterClrMapping/>
   </p:clrMapOvr>
-  <p:transition xmlns:p14="http://schemas.microsoft.com/office/powerpoint/2010/main">
+  <p:transition>
     <p:fade/>
   </p:transition>
   <p:timing>
     <p:tnLst>
       <p:par>
-        <p:cTn xmlns:p14="http://schemas.microsoft.com/office/powerpoint/2010/main" id="1" dur="indefinite" restart="never" nodeType="tmRoot"/>
+        <p:cTn id="1" dur="indefinite" restart="never" nodeType="tmRoot"/>
       </p:par>
     </p:tnLst>
   </p:timing>
@@ -17622,7 +17573,7 @@
 </file>
 
 <file path=ppt/slides/slide2.xml><?xml version="1.0" encoding="utf-8"?>
-<p:sld xmlns:a="http://schemas.openxmlformats.org/drawingml/2006/main" xmlns:r="http://schemas.openxmlformats.org/officeDocument/2006/relationships" xmlns:p="http://schemas.openxmlformats.org/presentationml/2006/main">
+<p:sld xmlns:a="http://schemas.openxmlformats.org/drawingml/2006/main" xmlns:r="http://schemas.openxmlformats.org/officeDocument/2006/relationships" xmlns:mc="http://schemas.openxmlformats.org/markup-compatibility/2006" xmlns:mv="urn:schemas-microsoft-com:mac:vml" xmlns:p="http://schemas.openxmlformats.org/presentationml/2006/main" mc:Ignorable="mv" mc:PreserveAttributes="mv:*">
   <p:cSld>
     <p:spTree>
       <p:nvGrpSpPr>
@@ -17671,7 +17622,7 @@
             <p:ph idx="4294967295"/>
             <p:extLst>
               <p:ext uri="{D42A27DB-BD31-4B8C-83A1-F6EECF244321}">
-                <p14:modId xmlns:p14="http://schemas.microsoft.com/office/powerpoint/2010/main" val="334909038"/>
+                <p14:modId xmlns:p14="http://schemas.microsoft.com/office/powerpoint/2010/main" xmlns:p="http://schemas.openxmlformats.org/presentationml/2006/main" xmlns:r="http://schemas.openxmlformats.org/officeDocument/2006/relationships" xmlns:a="http://schemas.openxmlformats.org/drawingml/2006/main" xmlns="" val="334909038"/>
               </p:ext>
             </p:extLst>
           </p:nvPr>
@@ -17682,14 +17633,14 @@
         </p:xfrm>
         <a:graphic>
           <a:graphicData uri="http://schemas.openxmlformats.org/drawingml/2006/diagram">
-            <dgm:relIds xmlns:dgm="http://schemas.openxmlformats.org/drawingml/2006/diagram" xmlns:r="http://schemas.openxmlformats.org/officeDocument/2006/relationships" r:dm="rId2" r:lo="rId3" r:qs="rId4" r:cs="rId5"/>
+            <a:relIds xmlns:dgm="http://schemas.openxmlformats.org/drawingml/2006/diagram" xmlns:r="http://schemas.openxmlformats.org/officeDocument/2006/relationships" r:dm="rId2" r:lo="rId3" r:qs="rId4" r:cs="rId5"/>
           </a:graphicData>
         </a:graphic>
       </p:graphicFrame>
     </p:spTree>
     <p:extLst>
       <p:ext uri="{BB962C8B-B14F-4D97-AF65-F5344CB8AC3E}">
-        <p14:creationId xmlns:p14="http://schemas.microsoft.com/office/powerpoint/2010/main" val="2851394786"/>
+        <p14:creationId xmlns:p14="http://schemas.microsoft.com/office/powerpoint/2010/main" xmlns:p="http://schemas.openxmlformats.org/presentationml/2006/main" xmlns:r="http://schemas.openxmlformats.org/officeDocument/2006/relationships" xmlns:a="http://schemas.openxmlformats.org/drawingml/2006/main" xmlns="" val="2851394786"/>
       </p:ext>
     </p:extLst>
   </p:cSld>
@@ -17699,7 +17650,7 @@
   <p:timing>
     <p:tnLst>
       <p:par>
-        <p:cTn xmlns:p14="http://schemas.microsoft.com/office/powerpoint/2010/main" id="1" dur="indefinite" restart="never" nodeType="tmRoot"/>
+        <p:cTn id="1" dur="indefinite" restart="never" nodeType="tmRoot"/>
       </p:par>
     </p:tnLst>
   </p:timing>
@@ -17707,7 +17658,7 @@
 </file>
 
 <file path=ppt/slides/slide20.xml><?xml version="1.0" encoding="utf-8"?>
-<p:sld xmlns:a="http://schemas.openxmlformats.org/drawingml/2006/main" xmlns:r="http://schemas.openxmlformats.org/officeDocument/2006/relationships" xmlns:p="http://schemas.openxmlformats.org/presentationml/2006/main">
+<p:sld xmlns:a="http://schemas.openxmlformats.org/drawingml/2006/main" xmlns:r="http://schemas.openxmlformats.org/officeDocument/2006/relationships" xmlns:mc="http://schemas.openxmlformats.org/markup-compatibility/2006" xmlns:mv="urn:schemas-microsoft-com:mac:vml" xmlns:p="http://schemas.openxmlformats.org/presentationml/2006/main" mc:Ignorable="mv" mc:PreserveAttributes="mv:*">
   <p:cSld>
     <p:spTree>
       <p:nvGrpSpPr>
@@ -17763,11 +17714,7 @@
           <a:p>
             <a:r>
               <a:rPr lang="en-US" sz="3000" dirty="0"/>
-              <a:t>T</a:t>
-            </a:r>
-            <a:r>
-              <a:rPr lang="en-US" sz="3000" dirty="0"/>
-              <a:t>he recommended method for most video searches (Brightcove is actively working to enhance and optimize this method – use this instead of find methods)</a:t>
+              <a:t>The recommended method for most video searches (Brightcove is actively working to enhance and optimize this method – use this instead of find methods)</a:t>
             </a:r>
           </a:p>
           <a:p>
@@ -17834,7 +17781,6 @@
               <a:rPr lang="en-US" sz="3000" dirty="0"/>
               <a:t> allows for the most complex searches and is the only method that can search custom field values</a:t>
             </a:r>
-            <a:endParaRPr lang="en-US" sz="3000" dirty="0"/>
           </a:p>
         </p:txBody>
       </p:sp>
@@ -17870,7 +17816,7 @@
     </p:spTree>
     <p:extLst>
       <p:ext uri="{BB962C8B-B14F-4D97-AF65-F5344CB8AC3E}">
-        <p14:creationId xmlns:p14="http://schemas.microsoft.com/office/powerpoint/2010/main" val="4269711454"/>
+        <p14:creationId xmlns:p14="http://schemas.microsoft.com/office/powerpoint/2010/main" xmlns:p="http://schemas.openxmlformats.org/presentationml/2006/main" xmlns:r="http://schemas.openxmlformats.org/officeDocument/2006/relationships" xmlns:a="http://schemas.openxmlformats.org/drawingml/2006/main" xmlns="" val="4269711454"/>
       </p:ext>
     </p:extLst>
   </p:cSld>
@@ -17880,7 +17826,7 @@
   <p:timing>
     <p:tnLst>
       <p:par>
-        <p:cTn xmlns:p14="http://schemas.microsoft.com/office/powerpoint/2010/main" id="1" dur="indefinite" restart="never" nodeType="tmRoot"/>
+        <p:cTn id="1" dur="indefinite" restart="never" nodeType="tmRoot"/>
       </p:par>
     </p:tnLst>
   </p:timing>
@@ -17888,7 +17834,7 @@
 </file>
 
 <file path=ppt/slides/slide21.xml><?xml version="1.0" encoding="utf-8"?>
-<p:sld xmlns:a="http://schemas.openxmlformats.org/drawingml/2006/main" xmlns:r="http://schemas.openxmlformats.org/officeDocument/2006/relationships" xmlns:p="http://schemas.openxmlformats.org/presentationml/2006/main">
+<p:sld xmlns:a="http://schemas.openxmlformats.org/drawingml/2006/main" xmlns:r="http://schemas.openxmlformats.org/officeDocument/2006/relationships" xmlns:mc="http://schemas.openxmlformats.org/markup-compatibility/2006" xmlns:mv="urn:schemas-microsoft-com:mac:vml" xmlns:p="http://schemas.openxmlformats.org/presentationml/2006/main" mc:Ignorable="mv" mc:PreserveAttributes="mv:*">
   <p:cSld>
     <p:spTree>
       <p:nvGrpSpPr>
@@ -18078,25 +18024,7 @@
               <a:rPr lang="en-US" sz="3000" dirty="0">
                 <a:hlinkClick r:id="rId3"/>
               </a:rPr>
-              <a:t>http://api.brightcove.com/services/library?command=search_videos&amp;token</a:t>
-            </a:r>
-            <a:r>
-              <a:rPr lang="en-US" sz="3000" dirty="0">
-                <a:hlinkClick r:id="rId3"/>
-              </a:rPr>
-              <a:t>=DNoR</a:t>
-            </a:r>
-            <a:r>
-              <a:rPr lang="en-US" sz="3000" dirty="0">
-                <a:hlinkClick r:id="rId3"/>
-              </a:rPr>
-              <a:t>-SvA5yUqX2eE6KjgefOxRzQilw..&amp;callback=BCL.onSearchResponse&amp;any=</a:t>
-            </a:r>
-            <a:r>
-              <a:rPr lang="en-US" sz="3000" dirty="0">
-                <a:hlinkClick r:id="rId3"/>
-              </a:rPr>
-              <a:t>wildlife</a:t>
+              <a:t>http://api.brightcove.com/services/library?command=search_videos&amp;token=DNoR-SvA5yUqX2eE6KjgefOxRzQilw..&amp;callback=BCL.onSearchResponse&amp;any=wildlife</a:t>
             </a:r>
             <a:endParaRPr lang="en-US" sz="3000" dirty="0"/>
           </a:p>
@@ -18111,7 +18039,7 @@
     </p:spTree>
     <p:extLst>
       <p:ext uri="{BB962C8B-B14F-4D97-AF65-F5344CB8AC3E}">
-        <p14:creationId xmlns:p14="http://schemas.microsoft.com/office/powerpoint/2010/main" val="263423829"/>
+        <p14:creationId xmlns:p14="http://schemas.microsoft.com/office/powerpoint/2010/main" xmlns:p="http://schemas.openxmlformats.org/presentationml/2006/main" xmlns:r="http://schemas.openxmlformats.org/officeDocument/2006/relationships" xmlns:a="http://schemas.openxmlformats.org/drawingml/2006/main" xmlns="" val="263423829"/>
       </p:ext>
     </p:extLst>
   </p:cSld>
@@ -18121,7 +18049,7 @@
   <p:timing>
     <p:tnLst>
       <p:par>
-        <p:cTn xmlns:p14="http://schemas.microsoft.com/office/powerpoint/2010/main" id="1" dur="indefinite" restart="never" nodeType="tmRoot"/>
+        <p:cTn id="1" dur="indefinite" restart="never" nodeType="tmRoot"/>
       </p:par>
     </p:tnLst>
   </p:timing>
@@ -18129,7 +18057,7 @@
 </file>
 
 <file path=ppt/slides/slide22.xml><?xml version="1.0" encoding="utf-8"?>
-<p:sld xmlns:a="http://schemas.openxmlformats.org/drawingml/2006/main" xmlns:r="http://schemas.openxmlformats.org/officeDocument/2006/relationships" xmlns:p="http://schemas.openxmlformats.org/presentationml/2006/main">
+<p:sld xmlns:a="http://schemas.openxmlformats.org/drawingml/2006/main" xmlns:r="http://schemas.openxmlformats.org/officeDocument/2006/relationships" xmlns:mc="http://schemas.openxmlformats.org/markup-compatibility/2006" xmlns:mv="urn:schemas-microsoft-com:mac:vml" xmlns:p="http://schemas.openxmlformats.org/presentationml/2006/main" mc:Ignorable="mv" mc:PreserveAttributes="mv:*">
   <p:cSld>
     <p:spTree>
       <p:nvGrpSpPr>
@@ -18259,7 +18187,7 @@
     </p:spTree>
     <p:extLst>
       <p:ext uri="{BB962C8B-B14F-4D97-AF65-F5344CB8AC3E}">
-        <p14:creationId xmlns:p14="http://schemas.microsoft.com/office/powerpoint/2010/main" val="2086123114"/>
+        <p14:creationId xmlns:p14="http://schemas.microsoft.com/office/powerpoint/2010/main" xmlns:p="http://schemas.openxmlformats.org/presentationml/2006/main" xmlns:r="http://schemas.openxmlformats.org/officeDocument/2006/relationships" xmlns:a="http://schemas.openxmlformats.org/drawingml/2006/main" xmlns="" val="2086123114"/>
       </p:ext>
     </p:extLst>
   </p:cSld>
@@ -18269,7 +18197,7 @@
   <p:timing>
     <p:tnLst>
       <p:par>
-        <p:cTn xmlns:p14="http://schemas.microsoft.com/office/powerpoint/2010/main" id="1" dur="indefinite" restart="never" nodeType="tmRoot"/>
+        <p:cTn id="1" dur="indefinite" restart="never" nodeType="tmRoot"/>
       </p:par>
     </p:tnLst>
   </p:timing>
@@ -18277,7 +18205,7 @@
 </file>
 
 <file path=ppt/slides/slide23.xml><?xml version="1.0" encoding="utf-8"?>
-<p:sld xmlns:a="http://schemas.openxmlformats.org/drawingml/2006/main" xmlns:r="http://schemas.openxmlformats.org/officeDocument/2006/relationships" xmlns:p="http://schemas.openxmlformats.org/presentationml/2006/main">
+<p:sld xmlns:a="http://schemas.openxmlformats.org/drawingml/2006/main" xmlns:r="http://schemas.openxmlformats.org/officeDocument/2006/relationships" xmlns:mc="http://schemas.openxmlformats.org/markup-compatibility/2006" xmlns:mv="urn:schemas-microsoft-com:mac:vml" xmlns:p="http://schemas.openxmlformats.org/presentationml/2006/main" mc:Ignorable="mv" mc:PreserveAttributes="mv:*">
   <p:cSld>
     <p:spTree>
       <p:nvGrpSpPr>
@@ -18319,7 +18247,7 @@
     </p:spTree>
     <p:extLst>
       <p:ext uri="{BB962C8B-B14F-4D97-AF65-F5344CB8AC3E}">
-        <p14:creationId xmlns:p14="http://schemas.microsoft.com/office/powerpoint/2010/main" val="1353552329"/>
+        <p14:creationId xmlns:p14="http://schemas.microsoft.com/office/powerpoint/2010/main" xmlns:p="http://schemas.openxmlformats.org/presentationml/2006/main" xmlns:r="http://schemas.openxmlformats.org/officeDocument/2006/relationships" xmlns:a="http://schemas.openxmlformats.org/drawingml/2006/main" xmlns="" val="1353552329"/>
       </p:ext>
     </p:extLst>
   </p:cSld>
@@ -18330,7 +18258,7 @@
 </file>
 
 <file path=ppt/slides/slide24.xml><?xml version="1.0" encoding="utf-8"?>
-<p:sld xmlns:a="http://schemas.openxmlformats.org/drawingml/2006/main" xmlns:r="http://schemas.openxmlformats.org/officeDocument/2006/relationships" xmlns:p="http://schemas.openxmlformats.org/presentationml/2006/main">
+<p:sld xmlns:a="http://schemas.openxmlformats.org/drawingml/2006/main" xmlns:r="http://schemas.openxmlformats.org/officeDocument/2006/relationships" xmlns:mc="http://schemas.openxmlformats.org/markup-compatibility/2006" xmlns:mv="urn:schemas-microsoft-com:mac:vml" xmlns:p="http://schemas.openxmlformats.org/presentationml/2006/main" mc:Ignorable="mv" mc:PreserveAttributes="mv:*">
   <p:cSld>
     <p:spTree>
       <p:nvGrpSpPr>
@@ -18637,20 +18565,20 @@
     </p:spTree>
     <p:extLst>
       <p:ext uri="{BB962C8B-B14F-4D97-AF65-F5344CB8AC3E}">
-        <p14:creationId xmlns:p14="http://schemas.microsoft.com/office/powerpoint/2010/main" val="3971335995"/>
+        <p14:creationId xmlns:p14="http://schemas.microsoft.com/office/powerpoint/2010/main" xmlns:p="http://schemas.openxmlformats.org/presentationml/2006/main" xmlns:r="http://schemas.openxmlformats.org/officeDocument/2006/relationships" xmlns:a="http://schemas.openxmlformats.org/drawingml/2006/main" xmlns="" val="3971335995"/>
       </p:ext>
     </p:extLst>
   </p:cSld>
   <p:clrMapOvr>
     <a:masterClrMapping/>
   </p:clrMapOvr>
-  <p:transition xmlns:p14="http://schemas.microsoft.com/office/powerpoint/2010/main">
+  <p:transition>
     <p:fade/>
   </p:transition>
   <p:timing>
     <p:tnLst>
       <p:par>
-        <p:cTn xmlns:p14="http://schemas.microsoft.com/office/powerpoint/2010/main" id="1" dur="indefinite" restart="never" nodeType="tmRoot"/>
+        <p:cTn id="1" dur="indefinite" restart="never" nodeType="tmRoot"/>
       </p:par>
     </p:tnLst>
   </p:timing>
@@ -18658,7 +18586,7 @@
 </file>
 
 <file path=ppt/slides/slide25.xml><?xml version="1.0" encoding="utf-8"?>
-<p:sld xmlns:a="http://schemas.openxmlformats.org/drawingml/2006/main" xmlns:r="http://schemas.openxmlformats.org/officeDocument/2006/relationships" xmlns:p="http://schemas.openxmlformats.org/presentationml/2006/main">
+<p:sld xmlns:a="http://schemas.openxmlformats.org/drawingml/2006/main" xmlns:r="http://schemas.openxmlformats.org/officeDocument/2006/relationships" xmlns:mc="http://schemas.openxmlformats.org/markup-compatibility/2006" xmlns:mv="urn:schemas-microsoft-com:mac:vml" xmlns:p="http://schemas.openxmlformats.org/presentationml/2006/main" mc:Ignorable="mv" mc:PreserveAttributes="mv:*">
   <p:cSld>
     <p:spTree>
       <p:nvGrpSpPr>
@@ -18911,7 +18839,7 @@
     </p:spTree>
     <p:extLst>
       <p:ext uri="{BB962C8B-B14F-4D97-AF65-F5344CB8AC3E}">
-        <p14:creationId xmlns:p14="http://schemas.microsoft.com/office/powerpoint/2010/main" val="1963669033"/>
+        <p14:creationId xmlns:p14="http://schemas.microsoft.com/office/powerpoint/2010/main" xmlns:p="http://schemas.openxmlformats.org/presentationml/2006/main" xmlns:r="http://schemas.openxmlformats.org/officeDocument/2006/relationships" xmlns:a="http://schemas.openxmlformats.org/drawingml/2006/main" xmlns="" val="1963669033"/>
       </p:ext>
     </p:extLst>
   </p:cSld>
@@ -18921,7 +18849,7 @@
   <p:timing>
     <p:tnLst>
       <p:par>
-        <p:cTn xmlns:p14="http://schemas.microsoft.com/office/powerpoint/2010/main" id="1" dur="indefinite" restart="never" nodeType="tmRoot"/>
+        <p:cTn id="1" dur="indefinite" restart="never" nodeType="tmRoot"/>
       </p:par>
     </p:tnLst>
   </p:timing>
@@ -18929,7 +18857,7 @@
 </file>
 
 <file path=ppt/slides/slide26.xml><?xml version="1.0" encoding="utf-8"?>
-<p:sld xmlns:a="http://schemas.openxmlformats.org/drawingml/2006/main" xmlns:r="http://schemas.openxmlformats.org/officeDocument/2006/relationships" xmlns:p="http://schemas.openxmlformats.org/presentationml/2006/main">
+<p:sld xmlns:a="http://schemas.openxmlformats.org/drawingml/2006/main" xmlns:r="http://schemas.openxmlformats.org/officeDocument/2006/relationships" xmlns:mc="http://schemas.openxmlformats.org/markup-compatibility/2006" xmlns:mv="urn:schemas-microsoft-com:mac:vml" xmlns:p="http://schemas.openxmlformats.org/presentationml/2006/main" mc:Ignorable="mv" mc:PreserveAttributes="mv:*">
   <p:cSld>
     <p:spTree>
       <p:nvGrpSpPr>
@@ -19159,7 +19087,7 @@
     </p:spTree>
     <p:extLst>
       <p:ext uri="{BB962C8B-B14F-4D97-AF65-F5344CB8AC3E}">
-        <p14:creationId xmlns:p14="http://schemas.microsoft.com/office/powerpoint/2010/main" val="536354738"/>
+        <p14:creationId xmlns:p14="http://schemas.microsoft.com/office/powerpoint/2010/main" xmlns:p="http://schemas.openxmlformats.org/presentationml/2006/main" xmlns:r="http://schemas.openxmlformats.org/officeDocument/2006/relationships" xmlns:a="http://schemas.openxmlformats.org/drawingml/2006/main" xmlns="" val="536354738"/>
       </p:ext>
     </p:extLst>
   </p:cSld>
@@ -19169,7 +19097,7 @@
   <p:timing>
     <p:tnLst>
       <p:par>
-        <p:cTn xmlns:p14="http://schemas.microsoft.com/office/powerpoint/2010/main" id="1" dur="indefinite" restart="never" nodeType="tmRoot"/>
+        <p:cTn id="1" dur="indefinite" restart="never" nodeType="tmRoot"/>
       </p:par>
     </p:tnLst>
   </p:timing>
@@ -19177,7 +19105,7 @@
 </file>
 
 <file path=ppt/slides/slide27.xml><?xml version="1.0" encoding="utf-8"?>
-<p:sld xmlns:a="http://schemas.openxmlformats.org/drawingml/2006/main" xmlns:r="http://schemas.openxmlformats.org/officeDocument/2006/relationships" xmlns:p="http://schemas.openxmlformats.org/presentationml/2006/main">
+<p:sld xmlns:a="http://schemas.openxmlformats.org/drawingml/2006/main" xmlns:r="http://schemas.openxmlformats.org/officeDocument/2006/relationships" xmlns:mc="http://schemas.openxmlformats.org/markup-compatibility/2006" xmlns:mv="urn:schemas-microsoft-com:mac:vml" xmlns:p="http://schemas.openxmlformats.org/presentationml/2006/main" mc:Ignorable="mv" mc:PreserveAttributes="mv:*">
   <p:cSld>
     <p:spTree>
       <p:nvGrpSpPr>
@@ -19312,7 +19240,7 @@
     </p:spTree>
     <p:extLst>
       <p:ext uri="{BB962C8B-B14F-4D97-AF65-F5344CB8AC3E}">
-        <p14:creationId xmlns:p14="http://schemas.microsoft.com/office/powerpoint/2010/main" val="148152912"/>
+        <p14:creationId xmlns:p14="http://schemas.microsoft.com/office/powerpoint/2010/main" xmlns:p="http://schemas.openxmlformats.org/presentationml/2006/main" xmlns:r="http://schemas.openxmlformats.org/officeDocument/2006/relationships" xmlns:a="http://schemas.openxmlformats.org/drawingml/2006/main" xmlns="" val="148152912"/>
       </p:ext>
     </p:extLst>
   </p:cSld>
@@ -19322,7 +19250,7 @@
   <p:timing>
     <p:tnLst>
       <p:par>
-        <p:cTn xmlns:p14="http://schemas.microsoft.com/office/powerpoint/2010/main" id="1" dur="indefinite" restart="never" nodeType="tmRoot"/>
+        <p:cTn id="1" dur="indefinite" restart="never" nodeType="tmRoot"/>
       </p:par>
     </p:tnLst>
   </p:timing>
@@ -19330,7 +19258,7 @@
 </file>
 
 <file path=ppt/slides/slide28.xml><?xml version="1.0" encoding="utf-8"?>
-<p:sld xmlns:a="http://schemas.openxmlformats.org/drawingml/2006/main" xmlns:r="http://schemas.openxmlformats.org/officeDocument/2006/relationships" xmlns:p="http://schemas.openxmlformats.org/presentationml/2006/main">
+<p:sld xmlns:a="http://schemas.openxmlformats.org/drawingml/2006/main" xmlns:r="http://schemas.openxmlformats.org/officeDocument/2006/relationships" xmlns:mc="http://schemas.openxmlformats.org/markup-compatibility/2006" xmlns:mv="urn:schemas-microsoft-com:mac:vml" xmlns:p="http://schemas.openxmlformats.org/presentationml/2006/main" mc:Ignorable="mv" mc:PreserveAttributes="mv:*">
   <p:cSld>
     <p:spTree>
       <p:nvGrpSpPr>
@@ -19429,7 +19357,7 @@
     </p:spTree>
     <p:extLst>
       <p:ext uri="{BB962C8B-B14F-4D97-AF65-F5344CB8AC3E}">
-        <p14:creationId xmlns:p14="http://schemas.microsoft.com/office/powerpoint/2010/main" val="606383574"/>
+        <p14:creationId xmlns:p14="http://schemas.microsoft.com/office/powerpoint/2010/main" xmlns:p="http://schemas.openxmlformats.org/presentationml/2006/main" xmlns:r="http://schemas.openxmlformats.org/officeDocument/2006/relationships" xmlns:a="http://schemas.openxmlformats.org/drawingml/2006/main" xmlns="" val="606383574"/>
       </p:ext>
     </p:extLst>
   </p:cSld>
@@ -19439,7 +19367,7 @@
   <p:timing>
     <p:tnLst>
       <p:par>
-        <p:cTn xmlns:p14="http://schemas.microsoft.com/office/powerpoint/2010/main" id="1" dur="indefinite" restart="never" nodeType="tmRoot"/>
+        <p:cTn id="1" dur="indefinite" restart="never" nodeType="tmRoot"/>
       </p:par>
     </p:tnLst>
   </p:timing>
@@ -19447,7 +19375,7 @@
 </file>
 
 <file path=ppt/slides/slide29.xml><?xml version="1.0" encoding="utf-8"?>
-<p:sld xmlns:a="http://schemas.openxmlformats.org/drawingml/2006/main" xmlns:r="http://schemas.openxmlformats.org/officeDocument/2006/relationships" xmlns:p="http://schemas.openxmlformats.org/presentationml/2006/main">
+<p:sld xmlns:a="http://schemas.openxmlformats.org/drawingml/2006/main" xmlns:r="http://schemas.openxmlformats.org/officeDocument/2006/relationships" xmlns:mc="http://schemas.openxmlformats.org/markup-compatibility/2006" xmlns:mv="urn:schemas-microsoft-com:mac:vml" xmlns:p="http://schemas.openxmlformats.org/presentationml/2006/main" mc:Ignorable="mv" mc:PreserveAttributes="mv:*">
   <p:cSld>
     <p:spTree>
       <p:nvGrpSpPr>
@@ -19528,18 +19456,18 @@
     </p:spTree>
     <p:extLst>
       <p:ext uri="{BB962C8B-B14F-4D97-AF65-F5344CB8AC3E}">
-        <p14:creationId xmlns:p14="http://schemas.microsoft.com/office/powerpoint/2010/main" val="1135435613"/>
+        <p14:creationId xmlns:p14="http://schemas.microsoft.com/office/powerpoint/2010/main" xmlns:p="http://schemas.openxmlformats.org/presentationml/2006/main" xmlns:r="http://schemas.openxmlformats.org/officeDocument/2006/relationships" xmlns:a="http://schemas.openxmlformats.org/drawingml/2006/main" xmlns="" val="1135435613"/>
       </p:ext>
     </p:extLst>
   </p:cSld>
   <p:clrMapOvr>
     <a:masterClrMapping/>
   </p:clrMapOvr>
-  <p:transition xmlns:p14="http://schemas.microsoft.com/office/powerpoint/2010/main"/>
+  <p:transition/>
   <p:timing>
     <p:tnLst>
       <p:par>
-        <p:cTn xmlns:p14="http://schemas.microsoft.com/office/powerpoint/2010/main" id="1" dur="indefinite" restart="never" nodeType="tmRoot"/>
+        <p:cTn id="1" dur="indefinite" restart="never" nodeType="tmRoot"/>
       </p:par>
     </p:tnLst>
   </p:timing>
@@ -19547,7 +19475,7 @@
 </file>
 
 <file path=ppt/slides/slide3.xml><?xml version="1.0" encoding="utf-8"?>
-<p:sld xmlns:a="http://schemas.openxmlformats.org/drawingml/2006/main" xmlns:r="http://schemas.openxmlformats.org/officeDocument/2006/relationships" xmlns:p="http://schemas.openxmlformats.org/presentationml/2006/main">
+<p:sld xmlns:a="http://schemas.openxmlformats.org/drawingml/2006/main" xmlns:r="http://schemas.openxmlformats.org/officeDocument/2006/relationships" xmlns:mc="http://schemas.openxmlformats.org/markup-compatibility/2006" xmlns:mv="urn:schemas-microsoft-com:mac:vml" xmlns:p="http://schemas.openxmlformats.org/presentationml/2006/main" mc:Ignorable="mv" mc:PreserveAttributes="mv:*">
   <p:cSld>
     <p:spTree>
       <p:nvGrpSpPr>
@@ -19670,7 +19598,7 @@
     </p:spTree>
     <p:extLst>
       <p:ext uri="{BB962C8B-B14F-4D97-AF65-F5344CB8AC3E}">
-        <p14:creationId xmlns:p14="http://schemas.microsoft.com/office/powerpoint/2010/main" val="1735515620"/>
+        <p14:creationId xmlns:p14="http://schemas.microsoft.com/office/powerpoint/2010/main" xmlns:p="http://schemas.openxmlformats.org/presentationml/2006/main" xmlns:r="http://schemas.openxmlformats.org/officeDocument/2006/relationships" xmlns:a="http://schemas.openxmlformats.org/drawingml/2006/main" xmlns="" val="1735515620"/>
       </p:ext>
     </p:extLst>
   </p:cSld>
@@ -19680,7 +19608,7 @@
   <p:timing>
     <p:tnLst>
       <p:par>
-        <p:cTn xmlns:p14="http://schemas.microsoft.com/office/powerpoint/2010/main" id="1" dur="indefinite" restart="never" nodeType="tmRoot"/>
+        <p:cTn id="1" dur="indefinite" restart="never" nodeType="tmRoot"/>
       </p:par>
     </p:tnLst>
   </p:timing>
@@ -19688,7 +19616,7 @@
 </file>
 
 <file path=ppt/slides/slide30.xml><?xml version="1.0" encoding="utf-8"?>
-<p:sld xmlns:a="http://schemas.openxmlformats.org/drawingml/2006/main" xmlns:r="http://schemas.openxmlformats.org/officeDocument/2006/relationships" xmlns:p="http://schemas.openxmlformats.org/presentationml/2006/main">
+<p:sld xmlns:a="http://schemas.openxmlformats.org/drawingml/2006/main" xmlns:r="http://schemas.openxmlformats.org/officeDocument/2006/relationships" xmlns:mc="http://schemas.openxmlformats.org/markup-compatibility/2006" xmlns:mv="urn:schemas-microsoft-com:mac:vml" xmlns:p="http://schemas.openxmlformats.org/presentationml/2006/main" mc:Ignorable="mv" mc:PreserveAttributes="mv:*">
   <p:cSld>
     <p:spTree>
       <p:nvGrpSpPr>
@@ -19784,7 +19712,7 @@
     </p:spTree>
     <p:extLst>
       <p:ext uri="{BB962C8B-B14F-4D97-AF65-F5344CB8AC3E}">
-        <p14:creationId xmlns:p14="http://schemas.microsoft.com/office/powerpoint/2010/main" val="2052069214"/>
+        <p14:creationId xmlns:p14="http://schemas.microsoft.com/office/powerpoint/2010/main" xmlns:p="http://schemas.openxmlformats.org/presentationml/2006/main" xmlns:r="http://schemas.openxmlformats.org/officeDocument/2006/relationships" xmlns:a="http://schemas.openxmlformats.org/drawingml/2006/main" xmlns="" val="2052069214"/>
       </p:ext>
     </p:extLst>
   </p:cSld>
@@ -19794,7 +19722,7 @@
   <p:timing>
     <p:tnLst>
       <p:par>
-        <p:cTn xmlns:p14="http://schemas.microsoft.com/office/powerpoint/2010/main" id="1" dur="indefinite" restart="never" nodeType="tmRoot"/>
+        <p:cTn id="1" dur="indefinite" restart="never" nodeType="tmRoot"/>
       </p:par>
     </p:tnLst>
   </p:timing>
@@ -19802,7 +19730,7 @@
 </file>
 
 <file path=ppt/slides/slide31.xml><?xml version="1.0" encoding="utf-8"?>
-<p:sld xmlns:a="http://schemas.openxmlformats.org/drawingml/2006/main" xmlns:r="http://schemas.openxmlformats.org/officeDocument/2006/relationships" xmlns:p="http://schemas.openxmlformats.org/presentationml/2006/main">
+<p:sld xmlns:a="http://schemas.openxmlformats.org/drawingml/2006/main" xmlns:r="http://schemas.openxmlformats.org/officeDocument/2006/relationships" xmlns:mc="http://schemas.openxmlformats.org/markup-compatibility/2006" xmlns:mv="urn:schemas-microsoft-com:mac:vml" xmlns:p="http://schemas.openxmlformats.org/presentationml/2006/main" mc:Ignorable="mv" mc:PreserveAttributes="mv:*">
   <p:cSld>
     <p:spTree>
       <p:nvGrpSpPr>
@@ -19897,20 +19825,20 @@
     </p:spTree>
     <p:extLst>
       <p:ext uri="{BB962C8B-B14F-4D97-AF65-F5344CB8AC3E}">
-        <p14:creationId xmlns:p14="http://schemas.microsoft.com/office/powerpoint/2010/main" val="3491970325"/>
+        <p14:creationId xmlns:p14="http://schemas.microsoft.com/office/powerpoint/2010/main" xmlns:p="http://schemas.openxmlformats.org/presentationml/2006/main" xmlns:r="http://schemas.openxmlformats.org/officeDocument/2006/relationships" xmlns:a="http://schemas.openxmlformats.org/drawingml/2006/main" xmlns="" val="3491970325"/>
       </p:ext>
     </p:extLst>
   </p:cSld>
   <p:clrMapOvr>
     <a:masterClrMapping/>
   </p:clrMapOvr>
-  <p:transition xmlns:p14="http://schemas.microsoft.com/office/powerpoint/2010/main">
+  <p:transition>
     <p:fade/>
   </p:transition>
   <p:timing>
     <p:tnLst>
       <p:par>
-        <p:cTn xmlns:p14="http://schemas.microsoft.com/office/powerpoint/2010/main" id="1" dur="indefinite" restart="never" nodeType="tmRoot"/>
+        <p:cTn id="1" dur="indefinite" restart="never" nodeType="tmRoot"/>
       </p:par>
     </p:tnLst>
   </p:timing>
@@ -19918,7 +19846,7 @@
 </file>
 
 <file path=ppt/slides/slide32.xml><?xml version="1.0" encoding="utf-8"?>
-<p:sld xmlns:a="http://schemas.openxmlformats.org/drawingml/2006/main" xmlns:r="http://schemas.openxmlformats.org/officeDocument/2006/relationships" xmlns:p="http://schemas.openxmlformats.org/presentationml/2006/main">
+<p:sld xmlns:a="http://schemas.openxmlformats.org/drawingml/2006/main" xmlns:r="http://schemas.openxmlformats.org/officeDocument/2006/relationships" xmlns:mc="http://schemas.openxmlformats.org/markup-compatibility/2006" xmlns:mv="urn:schemas-microsoft-com:mac:vml" xmlns:p="http://schemas.openxmlformats.org/presentationml/2006/main" mc:Ignorable="mv" mc:PreserveAttributes="mv:*">
   <p:cSld>
     <p:spTree>
       <p:nvGrpSpPr>
@@ -20044,7 +19972,7 @@
     </p:spTree>
     <p:extLst>
       <p:ext uri="{BB962C8B-B14F-4D97-AF65-F5344CB8AC3E}">
-        <p14:creationId xmlns:p14="http://schemas.microsoft.com/office/powerpoint/2010/main" val="1493401113"/>
+        <p14:creationId xmlns:p14="http://schemas.microsoft.com/office/powerpoint/2010/main" xmlns:p="http://schemas.openxmlformats.org/presentationml/2006/main" xmlns:r="http://schemas.openxmlformats.org/officeDocument/2006/relationships" xmlns:a="http://schemas.openxmlformats.org/drawingml/2006/main" xmlns="" val="1493401113"/>
       </p:ext>
     </p:extLst>
   </p:cSld>
@@ -20054,7 +19982,7 @@
   <p:timing>
     <p:tnLst>
       <p:par>
-        <p:cTn xmlns:p14="http://schemas.microsoft.com/office/powerpoint/2010/main" id="1" dur="indefinite" restart="never" nodeType="tmRoot"/>
+        <p:cTn id="1" dur="indefinite" restart="never" nodeType="tmRoot"/>
       </p:par>
     </p:tnLst>
   </p:timing>
@@ -20062,7 +19990,7 @@
 </file>
 
 <file path=ppt/slides/slide33.xml><?xml version="1.0" encoding="utf-8"?>
-<p:sld xmlns:a="http://schemas.openxmlformats.org/drawingml/2006/main" xmlns:r="http://schemas.openxmlformats.org/officeDocument/2006/relationships" xmlns:p="http://schemas.openxmlformats.org/presentationml/2006/main">
+<p:sld xmlns:a="http://schemas.openxmlformats.org/drawingml/2006/main" xmlns:r="http://schemas.openxmlformats.org/officeDocument/2006/relationships" xmlns:mc="http://schemas.openxmlformats.org/markup-compatibility/2006" xmlns:mv="urn:schemas-microsoft-com:mac:vml" xmlns:p="http://schemas.openxmlformats.org/presentationml/2006/main" mc:Ignorable="mv" mc:PreserveAttributes="mv:*">
   <p:cSld>
     <p:spTree>
       <p:nvGrpSpPr>
@@ -20263,13 +20191,7 @@
               <a:rPr lang="en-US" dirty="0">
                 <a:cs typeface="ＭＳ Ｐゴシック"/>
               </a:rPr>
-              <a:t> </a:t>
-            </a:r>
-            <a:r>
-              <a:rPr lang="en-US" dirty="0">
-                <a:cs typeface="ＭＳ Ｐゴシック"/>
-              </a:rPr>
-              <a:t>(Representational State Transfer):</a:t>
+              <a:t> (Representational State Transfer):</a:t>
             </a:r>
           </a:p>
           <a:p>
@@ -20397,37 +20319,7 @@
                 <a:cs typeface="ＭＳ Ｐゴシック"/>
                 <a:hlinkClick r:id="rId5"/>
               </a:rPr>
-              <a:t>http://api.brightcove.com/services/library?command</a:t>
-            </a:r>
-            <a:r>
-              <a:rPr lang="en-US" dirty="0">
-                <a:solidFill>
-                  <a:schemeClr val="accent2"/>
-                </a:solidFill>
-                <a:cs typeface="ＭＳ Ｐゴシック"/>
-                <a:hlinkClick r:id="rId5"/>
-              </a:rPr>
-              <a:t>=search_videos&amp;</a:t>
-            </a:r>
-            <a:r>
-              <a:rPr lang="en-US" dirty="0">
-                <a:solidFill>
-                  <a:schemeClr val="accent2"/>
-                </a:solidFill>
-                <a:cs typeface="ＭＳ Ｐゴシック"/>
-                <a:hlinkClick r:id="rId5"/>
-              </a:rPr>
-              <a:t>token</a:t>
-            </a:r>
-            <a:r>
-              <a:rPr lang="en-US" dirty="0">
-                <a:solidFill>
-                  <a:schemeClr val="accent2"/>
-                </a:solidFill>
-                <a:cs typeface="ＭＳ Ｐゴシック"/>
-                <a:hlinkClick r:id="rId5"/>
-              </a:rPr>
-              <a:t>=</a:t>
+              <a:t>http://api.brightcove.com/services/library?command=search_videos&amp;token=</a:t>
             </a:r>
             <a:r>
               <a:rPr lang="en-US" dirty="0">
@@ -20447,20 +20339,20 @@
     </p:spTree>
     <p:extLst>
       <p:ext uri="{BB962C8B-B14F-4D97-AF65-F5344CB8AC3E}">
-        <p14:creationId xmlns:p14="http://schemas.microsoft.com/office/powerpoint/2010/main" val="735361265"/>
+        <p14:creationId xmlns:p14="http://schemas.microsoft.com/office/powerpoint/2010/main" xmlns:p="http://schemas.openxmlformats.org/presentationml/2006/main" xmlns:r="http://schemas.openxmlformats.org/officeDocument/2006/relationships" xmlns:a="http://schemas.openxmlformats.org/drawingml/2006/main" xmlns="" val="735361265"/>
       </p:ext>
     </p:extLst>
   </p:cSld>
   <p:clrMapOvr>
     <a:masterClrMapping/>
   </p:clrMapOvr>
-  <p:transition xmlns:p14="http://schemas.microsoft.com/office/powerpoint/2010/main">
+  <p:transition>
     <p:fade/>
   </p:transition>
   <p:timing>
     <p:tnLst>
       <p:par>
-        <p:cTn xmlns:p14="http://schemas.microsoft.com/office/powerpoint/2010/main" id="1" dur="indefinite" restart="never" nodeType="tmRoot">
+        <p:cTn id="1" dur="indefinite" restart="never" nodeType="tmRoot">
           <p:childTnLst>
             <p:seq concurrent="1" nextAc="seek">
               <p:cTn id="2" dur="indefinite" nodeType="mainSeq">
@@ -20865,7 +20757,7 @@
 </file>
 
 <file path=ppt/slides/slide34.xml><?xml version="1.0" encoding="utf-8"?>
-<p:sld xmlns:a="http://schemas.openxmlformats.org/drawingml/2006/main" xmlns:r="http://schemas.openxmlformats.org/officeDocument/2006/relationships" xmlns:p="http://schemas.openxmlformats.org/presentationml/2006/main">
+<p:sld xmlns:a="http://schemas.openxmlformats.org/drawingml/2006/main" xmlns:r="http://schemas.openxmlformats.org/officeDocument/2006/relationships" xmlns:mc="http://schemas.openxmlformats.org/markup-compatibility/2006" xmlns:mv="urn:schemas-microsoft-com:mac:vml" xmlns:p="http://schemas.openxmlformats.org/presentationml/2006/main" mc:Ignorable="mv" mc:PreserveAttributes="mv:*">
   <p:cSld>
     <p:spTree>
       <p:nvGrpSpPr>
@@ -20973,15 +20865,7 @@
             <a:pPr lvl="1"/>
             <a:r>
               <a:rPr lang="en-US" sz="3000" dirty="0"/>
-              <a:t>Some tasks, such as automating SEO, will be ineffective </a:t>
-            </a:r>
-            <a:r>
-              <a:rPr lang="en-US" sz="3000" dirty="0"/>
-              <a:t>if performed on </a:t>
-            </a:r>
-            <a:r>
-              <a:rPr lang="en-US" sz="3000" dirty="0"/>
-              <a:t>the client side, because indexers do not pick up data generated on the client side</a:t>
+              <a:t>Some tasks, such as automating SEO, will be ineffective if performed on the client side, because indexers do not pick up data generated on the client side</a:t>
             </a:r>
           </a:p>
           <a:p>
@@ -20998,7 +20882,6 @@
               <a:rPr lang="en-US" sz="3000" dirty="0"/>
               <a:t> systems to inject data into HTML/XML – Handlebars for JavaScript, Smarty for PHP</a:t>
             </a:r>
-            <a:endParaRPr lang="en-US" sz="3000" dirty="0"/>
           </a:p>
         </p:txBody>
       </p:sp>
@@ -21034,7 +20917,7 @@
     </p:spTree>
     <p:extLst>
       <p:ext uri="{BB962C8B-B14F-4D97-AF65-F5344CB8AC3E}">
-        <p14:creationId xmlns:p14="http://schemas.microsoft.com/office/powerpoint/2010/main" val="870214186"/>
+        <p14:creationId xmlns:p14="http://schemas.microsoft.com/office/powerpoint/2010/main" xmlns:p="http://schemas.openxmlformats.org/presentationml/2006/main" xmlns:r="http://schemas.openxmlformats.org/officeDocument/2006/relationships" xmlns:a="http://schemas.openxmlformats.org/drawingml/2006/main" xmlns="" val="870214186"/>
       </p:ext>
     </p:extLst>
   </p:cSld>
@@ -21044,7 +20927,7 @@
   <p:timing>
     <p:tnLst>
       <p:par>
-        <p:cTn xmlns:p14="http://schemas.microsoft.com/office/powerpoint/2010/main" id="1" dur="indefinite" restart="never" nodeType="tmRoot"/>
+        <p:cTn id="1" dur="indefinite" restart="never" nodeType="tmRoot"/>
       </p:par>
     </p:tnLst>
   </p:timing>
@@ -21052,7 +20935,7 @@
 </file>
 
 <file path=ppt/slides/slide35.xml><?xml version="1.0" encoding="utf-8"?>
-<p:sld xmlns:a="http://schemas.openxmlformats.org/drawingml/2006/main" xmlns:r="http://schemas.openxmlformats.org/officeDocument/2006/relationships" xmlns:p="http://schemas.openxmlformats.org/presentationml/2006/main">
+<p:sld xmlns:a="http://schemas.openxmlformats.org/drawingml/2006/main" xmlns:r="http://schemas.openxmlformats.org/officeDocument/2006/relationships" xmlns:mc="http://schemas.openxmlformats.org/markup-compatibility/2006" xmlns:mv="urn:schemas-microsoft-com:mac:vml" xmlns:p="http://schemas.openxmlformats.org/presentationml/2006/main" mc:Ignorable="mv" mc:PreserveAttributes="mv:*">
   <p:cSld>
     <p:spTree>
       <p:nvGrpSpPr>
@@ -21382,20 +21265,20 @@
     </p:spTree>
     <p:extLst>
       <p:ext uri="{BB962C8B-B14F-4D97-AF65-F5344CB8AC3E}">
-        <p14:creationId xmlns:p14="http://schemas.microsoft.com/office/powerpoint/2010/main" val="1387073119"/>
+        <p14:creationId xmlns:p14="http://schemas.microsoft.com/office/powerpoint/2010/main" xmlns:p="http://schemas.openxmlformats.org/presentationml/2006/main" xmlns:r="http://schemas.openxmlformats.org/officeDocument/2006/relationships" xmlns:a="http://schemas.openxmlformats.org/drawingml/2006/main" xmlns="" val="1387073119"/>
       </p:ext>
     </p:extLst>
   </p:cSld>
   <p:clrMapOvr>
     <a:masterClrMapping/>
   </p:clrMapOvr>
-  <p:transition xmlns:p14="http://schemas.microsoft.com/office/powerpoint/2010/main">
+  <p:transition>
     <p:fade/>
   </p:transition>
   <p:timing>
     <p:tnLst>
       <p:par>
-        <p:cTn xmlns:p14="http://schemas.microsoft.com/office/powerpoint/2010/main" id="1" dur="indefinite" restart="never" nodeType="tmRoot"/>
+        <p:cTn id="1" dur="indefinite" restart="never" nodeType="tmRoot"/>
       </p:par>
     </p:tnLst>
   </p:timing>
@@ -21403,7 +21286,7 @@
 </file>
 
 <file path=ppt/slides/slide36.xml><?xml version="1.0" encoding="utf-8"?>
-<p:sld xmlns:a="http://schemas.openxmlformats.org/drawingml/2006/main" xmlns:r="http://schemas.openxmlformats.org/officeDocument/2006/relationships" xmlns:p="http://schemas.openxmlformats.org/presentationml/2006/main">
+<p:sld xmlns:a="http://schemas.openxmlformats.org/drawingml/2006/main" xmlns:r="http://schemas.openxmlformats.org/officeDocument/2006/relationships" xmlns:mc="http://schemas.openxmlformats.org/markup-compatibility/2006" xmlns:mv="urn:schemas-microsoft-com:mac:vml" xmlns:p="http://schemas.openxmlformats.org/presentationml/2006/main" mc:Ignorable="mv" mc:PreserveAttributes="mv:*">
   <p:cSld>
     <p:spTree>
       <p:nvGrpSpPr>
@@ -21553,20 +21436,20 @@
     </p:spTree>
     <p:extLst>
       <p:ext uri="{BB962C8B-B14F-4D97-AF65-F5344CB8AC3E}">
-        <p14:creationId xmlns:p14="http://schemas.microsoft.com/office/powerpoint/2010/main" val="2517343395"/>
+        <p14:creationId xmlns:p14="http://schemas.microsoft.com/office/powerpoint/2010/main" xmlns:p="http://schemas.openxmlformats.org/presentationml/2006/main" xmlns:r="http://schemas.openxmlformats.org/officeDocument/2006/relationships" xmlns:a="http://schemas.openxmlformats.org/drawingml/2006/main" xmlns="" val="2517343395"/>
       </p:ext>
     </p:extLst>
   </p:cSld>
   <p:clrMapOvr>
     <a:masterClrMapping/>
   </p:clrMapOvr>
-  <p:transition xmlns:p14="http://schemas.microsoft.com/office/powerpoint/2010/main">
+  <p:transition>
     <p:fade/>
   </p:transition>
   <p:timing>
     <p:tnLst>
       <p:par>
-        <p:cTn xmlns:p14="http://schemas.microsoft.com/office/powerpoint/2010/main" id="1" dur="indefinite" restart="never" nodeType="tmRoot"/>
+        <p:cTn id="1" dur="indefinite" restart="never" nodeType="tmRoot"/>
       </p:par>
     </p:tnLst>
   </p:timing>
@@ -21574,7 +21457,7 @@
 </file>
 
 <file path=ppt/slides/slide37.xml><?xml version="1.0" encoding="utf-8"?>
-<p:sld xmlns:a="http://schemas.openxmlformats.org/drawingml/2006/main" xmlns:r="http://schemas.openxmlformats.org/officeDocument/2006/relationships" xmlns:p="http://schemas.openxmlformats.org/presentationml/2006/main">
+<p:sld xmlns:a="http://schemas.openxmlformats.org/drawingml/2006/main" xmlns:r="http://schemas.openxmlformats.org/officeDocument/2006/relationships" xmlns:mc="http://schemas.openxmlformats.org/markup-compatibility/2006" xmlns:mv="urn:schemas-microsoft-com:mac:vml" xmlns:p="http://schemas.openxmlformats.org/presentationml/2006/main" mc:Ignorable="mv" mc:PreserveAttributes="mv:*">
   <p:cSld>
     <p:spTree>
       <p:nvGrpSpPr>
@@ -21885,20 +21768,20 @@
     </p:spTree>
     <p:extLst>
       <p:ext uri="{BB962C8B-B14F-4D97-AF65-F5344CB8AC3E}">
-        <p14:creationId xmlns:p14="http://schemas.microsoft.com/office/powerpoint/2010/main" val="2821235957"/>
+        <p14:creationId xmlns:p14="http://schemas.microsoft.com/office/powerpoint/2010/main" xmlns:p="http://schemas.openxmlformats.org/presentationml/2006/main" xmlns:r="http://schemas.openxmlformats.org/officeDocument/2006/relationships" xmlns:a="http://schemas.openxmlformats.org/drawingml/2006/main" xmlns="" val="2821235957"/>
       </p:ext>
     </p:extLst>
   </p:cSld>
   <p:clrMapOvr>
     <a:masterClrMapping/>
   </p:clrMapOvr>
-  <p:transition xmlns:p14="http://schemas.microsoft.com/office/powerpoint/2010/main">
+  <p:transition>
     <p:fade/>
   </p:transition>
   <p:timing>
     <p:tnLst>
       <p:par>
-        <p:cTn xmlns:p14="http://schemas.microsoft.com/office/powerpoint/2010/main" id="1" dur="indefinite" restart="never" nodeType="tmRoot"/>
+        <p:cTn id="1" dur="indefinite" restart="never" nodeType="tmRoot"/>
       </p:par>
     </p:tnLst>
   </p:timing>
@@ -21906,7 +21789,7 @@
 </file>
 
 <file path=ppt/slides/slide38.xml><?xml version="1.0" encoding="utf-8"?>
-<p:sld xmlns:a="http://schemas.openxmlformats.org/drawingml/2006/main" xmlns:r="http://schemas.openxmlformats.org/officeDocument/2006/relationships" xmlns:p="http://schemas.openxmlformats.org/presentationml/2006/main">
+<p:sld xmlns:a="http://schemas.openxmlformats.org/drawingml/2006/main" xmlns:r="http://schemas.openxmlformats.org/officeDocument/2006/relationships" xmlns:mc="http://schemas.openxmlformats.org/markup-compatibility/2006" xmlns:mv="urn:schemas-microsoft-com:mac:vml" xmlns:p="http://schemas.openxmlformats.org/presentationml/2006/main" mc:Ignorable="mv" mc:PreserveAttributes="mv:*">
   <p:cSld>
     <p:spTree>
       <p:nvGrpSpPr>
@@ -22361,20 +22244,20 @@
     </p:spTree>
     <p:extLst>
       <p:ext uri="{BB962C8B-B14F-4D97-AF65-F5344CB8AC3E}">
-        <p14:creationId xmlns:p14="http://schemas.microsoft.com/office/powerpoint/2010/main" val="3297013278"/>
+        <p14:creationId xmlns:p14="http://schemas.microsoft.com/office/powerpoint/2010/main" xmlns:p="http://schemas.openxmlformats.org/presentationml/2006/main" xmlns:r="http://schemas.openxmlformats.org/officeDocument/2006/relationships" xmlns:a="http://schemas.openxmlformats.org/drawingml/2006/main" xmlns="" val="3297013278"/>
       </p:ext>
     </p:extLst>
   </p:cSld>
   <p:clrMapOvr>
     <a:masterClrMapping/>
   </p:clrMapOvr>
-  <p:transition xmlns:p14="http://schemas.microsoft.com/office/powerpoint/2010/main">
+  <p:transition>
     <p:fade/>
   </p:transition>
   <p:timing>
     <p:tnLst>
       <p:par>
-        <p:cTn xmlns:p14="http://schemas.microsoft.com/office/powerpoint/2010/main" id="1" dur="indefinite" restart="never" nodeType="tmRoot">
+        <p:cTn id="1" dur="indefinite" restart="never" nodeType="tmRoot">
           <p:childTnLst>
             <p:seq concurrent="1" nextAc="seek">
               <p:cTn id="2" dur="indefinite" nodeType="mainSeq">
@@ -22458,7 +22341,7 @@
 </file>
 
 <file path=ppt/slides/slide39.xml><?xml version="1.0" encoding="utf-8"?>
-<p:sld xmlns:a="http://schemas.openxmlformats.org/drawingml/2006/main" xmlns:r="http://schemas.openxmlformats.org/officeDocument/2006/relationships" xmlns:p="http://schemas.openxmlformats.org/presentationml/2006/main">
+<p:sld xmlns:a="http://schemas.openxmlformats.org/drawingml/2006/main" xmlns:r="http://schemas.openxmlformats.org/officeDocument/2006/relationships" xmlns:mc="http://schemas.openxmlformats.org/markup-compatibility/2006" xmlns:mv="urn:schemas-microsoft-com:mac:vml" xmlns:p="http://schemas.openxmlformats.org/presentationml/2006/main" mc:Ignorable="mv" mc:PreserveAttributes="mv:*">
   <p:cSld>
     <p:spTree>
       <p:nvGrpSpPr>
@@ -22831,20 +22714,20 @@
     </p:spTree>
     <p:extLst>
       <p:ext uri="{BB962C8B-B14F-4D97-AF65-F5344CB8AC3E}">
-        <p14:creationId xmlns:p14="http://schemas.microsoft.com/office/powerpoint/2010/main" val="2932203679"/>
+        <p14:creationId xmlns:p14="http://schemas.microsoft.com/office/powerpoint/2010/main" xmlns:p="http://schemas.openxmlformats.org/presentationml/2006/main" xmlns:r="http://schemas.openxmlformats.org/officeDocument/2006/relationships" xmlns:a="http://schemas.openxmlformats.org/drawingml/2006/main" xmlns="" val="2932203679"/>
       </p:ext>
     </p:extLst>
   </p:cSld>
   <p:clrMapOvr>
     <a:masterClrMapping/>
   </p:clrMapOvr>
-  <p:transition xmlns:p14="http://schemas.microsoft.com/office/powerpoint/2010/main">
+  <p:transition>
     <p:fade/>
   </p:transition>
   <p:timing>
     <p:tnLst>
       <p:par>
-        <p:cTn xmlns:p14="http://schemas.microsoft.com/office/powerpoint/2010/main" id="1" dur="indefinite" restart="never" nodeType="tmRoot"/>
+        <p:cTn id="1" dur="indefinite" restart="never" nodeType="tmRoot"/>
       </p:par>
     </p:tnLst>
   </p:timing>
@@ -22852,7 +22735,7 @@
 </file>
 
 <file path=ppt/slides/slide4.xml><?xml version="1.0" encoding="utf-8"?>
-<p:sld xmlns:a="http://schemas.openxmlformats.org/drawingml/2006/main" xmlns:r="http://schemas.openxmlformats.org/officeDocument/2006/relationships" xmlns:p="http://schemas.openxmlformats.org/presentationml/2006/main">
+<p:sld xmlns:a="http://schemas.openxmlformats.org/drawingml/2006/main" xmlns:r="http://schemas.openxmlformats.org/officeDocument/2006/relationships" xmlns:mc="http://schemas.openxmlformats.org/markup-compatibility/2006" xmlns:mv="urn:schemas-microsoft-com:mac:vml" xmlns:p="http://schemas.openxmlformats.org/presentationml/2006/main" mc:Ignorable="mv" mc:PreserveAttributes="mv:*">
   <p:cSld>
     <p:spTree>
       <p:nvGrpSpPr>
@@ -23589,7 +23472,7 @@
     </p:spTree>
     <p:extLst>
       <p:ext uri="{BB962C8B-B14F-4D97-AF65-F5344CB8AC3E}">
-        <p14:creationId xmlns:p14="http://schemas.microsoft.com/office/powerpoint/2010/main" val="2163142905"/>
+        <p14:creationId xmlns:p14="http://schemas.microsoft.com/office/powerpoint/2010/main" xmlns:p="http://schemas.openxmlformats.org/presentationml/2006/main" xmlns:r="http://schemas.openxmlformats.org/officeDocument/2006/relationships" xmlns:a="http://schemas.openxmlformats.org/drawingml/2006/main" xmlns="" val="2163142905"/>
       </p:ext>
     </p:extLst>
   </p:cSld>
@@ -23599,7 +23482,7 @@
   <p:timing>
     <p:tnLst>
       <p:par>
-        <p:cTn xmlns:p14="http://schemas.microsoft.com/office/powerpoint/2010/main" id="1" dur="indefinite" restart="never" nodeType="tmRoot"/>
+        <p:cTn id="1" dur="indefinite" restart="never" nodeType="tmRoot"/>
       </p:par>
     </p:tnLst>
   </p:timing>
@@ -23607,7 +23490,7 @@
 </file>
 
 <file path=ppt/slides/slide40.xml><?xml version="1.0" encoding="utf-8"?>
-<p:sld xmlns:a="http://schemas.openxmlformats.org/drawingml/2006/main" xmlns:r="http://schemas.openxmlformats.org/officeDocument/2006/relationships" xmlns:p="http://schemas.openxmlformats.org/presentationml/2006/main">
+<p:sld xmlns:a="http://schemas.openxmlformats.org/drawingml/2006/main" xmlns:r="http://schemas.openxmlformats.org/officeDocument/2006/relationships" xmlns:mc="http://schemas.openxmlformats.org/markup-compatibility/2006" xmlns:mv="urn:schemas-microsoft-com:mac:vml" xmlns:p="http://schemas.openxmlformats.org/presentationml/2006/main" mc:Ignorable="mv" mc:PreserveAttributes="mv:*">
   <p:cSld>
     <p:spTree>
       <p:nvGrpSpPr>
@@ -23865,20 +23748,20 @@
     </p:spTree>
     <p:extLst>
       <p:ext uri="{BB962C8B-B14F-4D97-AF65-F5344CB8AC3E}">
-        <p14:creationId xmlns:p14="http://schemas.microsoft.com/office/powerpoint/2010/main" val="2452916417"/>
+        <p14:creationId xmlns:p14="http://schemas.microsoft.com/office/powerpoint/2010/main" xmlns:p="http://schemas.openxmlformats.org/presentationml/2006/main" xmlns:r="http://schemas.openxmlformats.org/officeDocument/2006/relationships" xmlns:a="http://schemas.openxmlformats.org/drawingml/2006/main" xmlns="" val="2452916417"/>
       </p:ext>
     </p:extLst>
   </p:cSld>
   <p:clrMapOvr>
     <a:masterClrMapping/>
   </p:clrMapOvr>
-  <p:transition xmlns:p14="http://schemas.microsoft.com/office/powerpoint/2010/main">
+  <p:transition>
     <p:fade/>
   </p:transition>
   <p:timing>
     <p:tnLst>
       <p:par>
-        <p:cTn xmlns:p14="http://schemas.microsoft.com/office/powerpoint/2010/main" id="1" dur="indefinite" restart="never" nodeType="tmRoot"/>
+        <p:cTn id="1" dur="indefinite" restart="never" nodeType="tmRoot"/>
       </p:par>
     </p:tnLst>
   </p:timing>
@@ -23886,7 +23769,7 @@
 </file>
 
 <file path=ppt/slides/slide41.xml><?xml version="1.0" encoding="utf-8"?>
-<p:sld xmlns:a="http://schemas.openxmlformats.org/drawingml/2006/main" xmlns:r="http://schemas.openxmlformats.org/officeDocument/2006/relationships" xmlns:p="http://schemas.openxmlformats.org/presentationml/2006/main">
+<p:sld xmlns:a="http://schemas.openxmlformats.org/drawingml/2006/main" xmlns:r="http://schemas.openxmlformats.org/officeDocument/2006/relationships" xmlns:mc="http://schemas.openxmlformats.org/markup-compatibility/2006" xmlns:mv="urn:schemas-microsoft-com:mac:vml" xmlns:p="http://schemas.openxmlformats.org/presentationml/2006/main" mc:Ignorable="mv" mc:PreserveAttributes="mv:*">
   <p:cSld>
     <p:spTree>
       <p:nvGrpSpPr>
@@ -23978,25 +23861,24 @@
               <a:rPr lang="en-US" sz="5900" dirty="0"/>
               <a:t>The Media API – Read Methods </a:t>
             </a:r>
-            <a:endParaRPr lang="en-US" sz="5900" dirty="0"/>
           </a:p>
         </p:txBody>
       </p:sp>
     </p:spTree>
     <p:extLst>
       <p:ext uri="{BB962C8B-B14F-4D97-AF65-F5344CB8AC3E}">
-        <p14:creationId xmlns:p14="http://schemas.microsoft.com/office/powerpoint/2010/main" val="280933717"/>
+        <p14:creationId xmlns:p14="http://schemas.microsoft.com/office/powerpoint/2010/main" xmlns:p="http://schemas.openxmlformats.org/presentationml/2006/main" xmlns:r="http://schemas.openxmlformats.org/officeDocument/2006/relationships" xmlns:a="http://schemas.openxmlformats.org/drawingml/2006/main" xmlns="" val="280933717"/>
       </p:ext>
     </p:extLst>
   </p:cSld>
   <p:clrMapOvr>
     <a:masterClrMapping/>
   </p:clrMapOvr>
-  <p:transition xmlns:p14="http://schemas.microsoft.com/office/powerpoint/2010/main"/>
+  <p:transition/>
   <p:timing>
     <p:tnLst>
       <p:par>
-        <p:cTn xmlns:p14="http://schemas.microsoft.com/office/powerpoint/2010/main" id="1" dur="indefinite" restart="never" nodeType="tmRoot"/>
+        <p:cTn id="1" dur="indefinite" restart="never" nodeType="tmRoot"/>
       </p:par>
     </p:tnLst>
   </p:timing>
@@ -24004,7 +23886,7 @@
 </file>
 
 <file path=ppt/slides/slide42.xml><?xml version="1.0" encoding="utf-8"?>
-<p:sld xmlns:a="http://schemas.openxmlformats.org/drawingml/2006/main" xmlns:r="http://schemas.openxmlformats.org/officeDocument/2006/relationships" xmlns:p="http://schemas.openxmlformats.org/presentationml/2006/main">
+<p:sld xmlns:a="http://schemas.openxmlformats.org/drawingml/2006/main" xmlns:r="http://schemas.openxmlformats.org/officeDocument/2006/relationships" xmlns:mc="http://schemas.openxmlformats.org/markup-compatibility/2006" xmlns:mv="urn:schemas-microsoft-com:mac:vml" xmlns:p="http://schemas.openxmlformats.org/presentationml/2006/main" mc:Ignorable="mv" mc:PreserveAttributes="mv:*">
   <p:cSld>
     <p:spTree>
       <p:nvGrpSpPr>
@@ -24193,20 +24075,20 @@
     </p:spTree>
     <p:extLst>
       <p:ext uri="{BB962C8B-B14F-4D97-AF65-F5344CB8AC3E}">
-        <p14:creationId xmlns:p14="http://schemas.microsoft.com/office/powerpoint/2010/main" val="3708383653"/>
+        <p14:creationId xmlns:p14="http://schemas.microsoft.com/office/powerpoint/2010/main" xmlns:p="http://schemas.openxmlformats.org/presentationml/2006/main" xmlns:r="http://schemas.openxmlformats.org/officeDocument/2006/relationships" xmlns:a="http://schemas.openxmlformats.org/drawingml/2006/main" xmlns="" val="3708383653"/>
       </p:ext>
     </p:extLst>
   </p:cSld>
   <p:clrMapOvr>
     <a:masterClrMapping/>
   </p:clrMapOvr>
-  <p:transition xmlns:p14="http://schemas.microsoft.com/office/powerpoint/2010/main">
+  <p:transition>
     <p:fade/>
   </p:transition>
   <p:timing>
     <p:tnLst>
       <p:par>
-        <p:cTn xmlns:p14="http://schemas.microsoft.com/office/powerpoint/2010/main" id="1" dur="indefinite" restart="never" nodeType="tmRoot">
+        <p:cTn id="1" dur="indefinite" restart="never" nodeType="tmRoot">
           <p:childTnLst>
             <p:seq concurrent="1" nextAc="seek">
               <p:cTn id="2" dur="indefinite" nodeType="mainSeq">
@@ -24637,7 +24519,7 @@
 </file>
 
 <file path=ppt/slides/slide43.xml><?xml version="1.0" encoding="utf-8"?>
-<p:sld xmlns:a="http://schemas.openxmlformats.org/drawingml/2006/main" xmlns:r="http://schemas.openxmlformats.org/officeDocument/2006/relationships" xmlns:p="http://schemas.openxmlformats.org/presentationml/2006/main">
+<p:sld xmlns:a="http://schemas.openxmlformats.org/drawingml/2006/main" xmlns:r="http://schemas.openxmlformats.org/officeDocument/2006/relationships" xmlns:mc="http://schemas.openxmlformats.org/markup-compatibility/2006" xmlns:mv="urn:schemas-microsoft-com:mac:vml" xmlns:p="http://schemas.openxmlformats.org/presentationml/2006/main" mc:Ignorable="mv" mc:PreserveAttributes="mv:*">
   <p:cSld>
     <p:spTree>
       <p:nvGrpSpPr>
@@ -24784,16 +24666,7 @@
                 </a:solidFill>
                 <a:cs typeface="ＭＳ Ｐゴシック"/>
               </a:rPr>
-              <a:t>D</a:t>
-            </a:r>
-            <a:r>
-              <a:rPr lang="en-US" sz="3000" dirty="0">
-                <a:solidFill>
-                  <a:srgbClr val="23383A"/>
-                </a:solidFill>
-                <a:cs typeface="ＭＳ Ｐゴシック"/>
-              </a:rPr>
-              <a:t>ata is cached for performance (up to 20 minutes)</a:t>
+              <a:t>Data is cached for performance (up to 20 minutes)</a:t>
             </a:r>
           </a:p>
           <a:p>
@@ -24947,20 +24820,20 @@
     </p:spTree>
     <p:extLst>
       <p:ext uri="{BB962C8B-B14F-4D97-AF65-F5344CB8AC3E}">
-        <p14:creationId xmlns:p14="http://schemas.microsoft.com/office/powerpoint/2010/main" val="4020294755"/>
+        <p14:creationId xmlns:p14="http://schemas.microsoft.com/office/powerpoint/2010/main" xmlns:p="http://schemas.openxmlformats.org/presentationml/2006/main" xmlns:r="http://schemas.openxmlformats.org/officeDocument/2006/relationships" xmlns:a="http://schemas.openxmlformats.org/drawingml/2006/main" xmlns="" val="4020294755"/>
       </p:ext>
     </p:extLst>
   </p:cSld>
   <p:clrMapOvr>
     <a:masterClrMapping/>
   </p:clrMapOvr>
-  <p:transition xmlns:p14="http://schemas.microsoft.com/office/powerpoint/2010/main">
+  <p:transition>
     <p:fade/>
   </p:transition>
   <p:timing>
     <p:tnLst>
       <p:par>
-        <p:cTn xmlns:p14="http://schemas.microsoft.com/office/powerpoint/2010/main" id="1" dur="indefinite" restart="never" nodeType="tmRoot"/>
+        <p:cTn id="1" dur="indefinite" restart="never" nodeType="tmRoot"/>
       </p:par>
     </p:tnLst>
   </p:timing>
@@ -24968,7 +24841,7 @@
 </file>
 
 <file path=ppt/slides/slide44.xml><?xml version="1.0" encoding="utf-8"?>
-<p:sld xmlns:a="http://schemas.openxmlformats.org/drawingml/2006/main" xmlns:r="http://schemas.openxmlformats.org/officeDocument/2006/relationships" xmlns:p="http://schemas.openxmlformats.org/presentationml/2006/main">
+<p:sld xmlns:a="http://schemas.openxmlformats.org/drawingml/2006/main" xmlns:r="http://schemas.openxmlformats.org/officeDocument/2006/relationships" xmlns:mc="http://schemas.openxmlformats.org/markup-compatibility/2006" xmlns:mv="urn:schemas-microsoft-com:mac:vml" xmlns:p="http://schemas.openxmlformats.org/presentationml/2006/main" mc:Ignorable="mv" mc:PreserveAttributes="mv:*">
   <p:cSld>
     <p:spTree>
       <p:nvGrpSpPr>
@@ -25269,20 +25142,20 @@
     </p:spTree>
     <p:extLst>
       <p:ext uri="{BB962C8B-B14F-4D97-AF65-F5344CB8AC3E}">
-        <p14:creationId xmlns:p14="http://schemas.microsoft.com/office/powerpoint/2010/main" val="4249824042"/>
+        <p14:creationId xmlns:p14="http://schemas.microsoft.com/office/powerpoint/2010/main" xmlns:p="http://schemas.openxmlformats.org/presentationml/2006/main" xmlns:r="http://schemas.openxmlformats.org/officeDocument/2006/relationships" xmlns:a="http://schemas.openxmlformats.org/drawingml/2006/main" xmlns="" val="4249824042"/>
       </p:ext>
     </p:extLst>
   </p:cSld>
   <p:clrMapOvr>
     <a:masterClrMapping/>
   </p:clrMapOvr>
-  <p:transition xmlns:p14="http://schemas.microsoft.com/office/powerpoint/2010/main">
+  <p:transition>
     <p:fade/>
   </p:transition>
   <p:timing>
     <p:tnLst>
       <p:par>
-        <p:cTn xmlns:p14="http://schemas.microsoft.com/office/powerpoint/2010/main" id="1" dur="indefinite" restart="never" nodeType="tmRoot"/>
+        <p:cTn id="1" dur="indefinite" restart="never" nodeType="tmRoot"/>
       </p:par>
     </p:tnLst>
   </p:timing>
@@ -25290,7 +25163,7 @@
 </file>
 
 <file path=ppt/slides/slide45.xml><?xml version="1.0" encoding="utf-8"?>
-<p:sld xmlns:a="http://schemas.openxmlformats.org/drawingml/2006/main" xmlns:r="http://schemas.openxmlformats.org/officeDocument/2006/relationships" xmlns:p="http://schemas.openxmlformats.org/presentationml/2006/main">
+<p:sld xmlns:a="http://schemas.openxmlformats.org/drawingml/2006/main" xmlns:r="http://schemas.openxmlformats.org/officeDocument/2006/relationships" xmlns:mc="http://schemas.openxmlformats.org/markup-compatibility/2006" xmlns:mv="urn:schemas-microsoft-com:mac:vml" xmlns:p="http://schemas.openxmlformats.org/presentationml/2006/main" mc:Ignorable="mv" mc:PreserveAttributes="mv:*">
   <p:cSld>
     <p:spTree>
       <p:nvGrpSpPr>
@@ -25346,11 +25219,7 @@
           <a:p>
             <a:r>
               <a:rPr lang="en-US" sz="3000" dirty="0"/>
-              <a:t>T</a:t>
-            </a:r>
-            <a:r>
-              <a:rPr lang="en-US" sz="3000" dirty="0"/>
-              <a:t>he recommended method for most video searches (Brightcove is actively working to enhance and optimize this method – use this instead of find methods)</a:t>
+              <a:t>The recommended method for most video searches (Brightcove is actively working to enhance and optimize this method – use this instead of find methods)</a:t>
             </a:r>
           </a:p>
           <a:p>
@@ -25390,7 +25259,6 @@
               <a:rPr lang="en-US" sz="3000" dirty="0"/>
               <a:t> allows for the most complex searches and is the only method that can search custom field values</a:t>
             </a:r>
-            <a:endParaRPr lang="en-US" sz="3000" dirty="0"/>
           </a:p>
         </p:txBody>
       </p:sp>
@@ -25426,7 +25294,7 @@
     </p:spTree>
     <p:extLst>
       <p:ext uri="{BB962C8B-B14F-4D97-AF65-F5344CB8AC3E}">
-        <p14:creationId xmlns:p14="http://schemas.microsoft.com/office/powerpoint/2010/main" val="2264505591"/>
+        <p14:creationId xmlns:p14="http://schemas.microsoft.com/office/powerpoint/2010/main" xmlns:p="http://schemas.openxmlformats.org/presentationml/2006/main" xmlns:r="http://schemas.openxmlformats.org/officeDocument/2006/relationships" xmlns:a="http://schemas.openxmlformats.org/drawingml/2006/main" xmlns="" val="2264505591"/>
       </p:ext>
     </p:extLst>
   </p:cSld>
@@ -25436,7 +25304,7 @@
   <p:timing>
     <p:tnLst>
       <p:par>
-        <p:cTn xmlns:p14="http://schemas.microsoft.com/office/powerpoint/2010/main" id="1" dur="indefinite" restart="never" nodeType="tmRoot"/>
+        <p:cTn id="1" dur="indefinite" restart="never" nodeType="tmRoot"/>
       </p:par>
     </p:tnLst>
   </p:timing>
@@ -25444,7 +25312,7 @@
 </file>
 
 <file path=ppt/slides/slide46.xml><?xml version="1.0" encoding="utf-8"?>
-<p:sld xmlns:a="http://schemas.openxmlformats.org/drawingml/2006/main" xmlns:r="http://schemas.openxmlformats.org/officeDocument/2006/relationships" xmlns:p="http://schemas.openxmlformats.org/presentationml/2006/main">
+<p:sld xmlns:a="http://schemas.openxmlformats.org/drawingml/2006/main" xmlns:r="http://schemas.openxmlformats.org/officeDocument/2006/relationships" xmlns:mc="http://schemas.openxmlformats.org/markup-compatibility/2006" xmlns:mv="urn:schemas-microsoft-com:mac:vml" xmlns:p="http://schemas.openxmlformats.org/presentationml/2006/main" mc:Ignorable="mv" mc:PreserveAttributes="mv:*">
   <p:cSld>
     <p:spTree>
       <p:nvGrpSpPr>
@@ -25525,7 +25393,7 @@
           <p:nvPr>
             <p:extLst>
               <p:ext uri="{D42A27DB-BD31-4B8C-83A1-F6EECF244321}">
-                <p14:modId xmlns:p14="http://schemas.microsoft.com/office/powerpoint/2010/main" val="3696162178"/>
+                <p14:modId xmlns:p14="http://schemas.microsoft.com/office/powerpoint/2010/main" xmlns:p="http://schemas.openxmlformats.org/presentationml/2006/main" xmlns:r="http://schemas.openxmlformats.org/officeDocument/2006/relationships" xmlns:a="http://schemas.openxmlformats.org/drawingml/2006/main" xmlns="" val="3696162178"/>
               </p:ext>
             </p:extLst>
           </p:nvPr>
@@ -25983,7 +25851,7 @@
     </p:spTree>
     <p:extLst>
       <p:ext uri="{BB962C8B-B14F-4D97-AF65-F5344CB8AC3E}">
-        <p14:creationId xmlns:p14="http://schemas.microsoft.com/office/powerpoint/2010/main" val="1574071803"/>
+        <p14:creationId xmlns:p14="http://schemas.microsoft.com/office/powerpoint/2010/main" xmlns:p="http://schemas.openxmlformats.org/presentationml/2006/main" xmlns:r="http://schemas.openxmlformats.org/officeDocument/2006/relationships" xmlns:a="http://schemas.openxmlformats.org/drawingml/2006/main" xmlns="" val="1574071803"/>
       </p:ext>
     </p:extLst>
   </p:cSld>
@@ -25993,7 +25861,7 @@
   <p:timing>
     <p:tnLst>
       <p:par>
-        <p:cTn xmlns:p14="http://schemas.microsoft.com/office/powerpoint/2010/main" id="1" dur="indefinite" restart="never" nodeType="tmRoot"/>
+        <p:cTn id="1" dur="indefinite" restart="never" nodeType="tmRoot"/>
       </p:par>
     </p:tnLst>
   </p:timing>
@@ -26001,7 +25869,7 @@
 </file>
 
 <file path=ppt/slides/slide47.xml><?xml version="1.0" encoding="utf-8"?>
-<p:sld xmlns:a="http://schemas.openxmlformats.org/drawingml/2006/main" xmlns:r="http://schemas.openxmlformats.org/officeDocument/2006/relationships" xmlns:p="http://schemas.openxmlformats.org/presentationml/2006/main">
+<p:sld xmlns:a="http://schemas.openxmlformats.org/drawingml/2006/main" xmlns:r="http://schemas.openxmlformats.org/officeDocument/2006/relationships" xmlns:mc="http://schemas.openxmlformats.org/markup-compatibility/2006" xmlns:mv="urn:schemas-microsoft-com:mac:vml" xmlns:p="http://schemas.openxmlformats.org/presentationml/2006/main" mc:Ignorable="mv" mc:PreserveAttributes="mv:*">
   <p:cSld>
     <p:spTree>
       <p:nvGrpSpPr>
@@ -26191,25 +26059,7 @@
               <a:rPr lang="en-US" sz="3000" dirty="0">
                 <a:hlinkClick r:id="rId3"/>
               </a:rPr>
-              <a:t>http://api.brightcove.com/services/library?command=search_videos&amp;token</a:t>
-            </a:r>
-            <a:r>
-              <a:rPr lang="en-US" sz="3000" dirty="0">
-                <a:hlinkClick r:id="rId3"/>
-              </a:rPr>
-              <a:t>=DNoR</a:t>
-            </a:r>
-            <a:r>
-              <a:rPr lang="en-US" sz="3000" dirty="0">
-                <a:hlinkClick r:id="rId3"/>
-              </a:rPr>
-              <a:t>-SvA5yUqX2eE6KjgefOxRzQilw..&amp;callback=BCL.onSearchResponse&amp;any=</a:t>
-            </a:r>
-            <a:r>
-              <a:rPr lang="en-US" sz="3000" dirty="0">
-                <a:hlinkClick r:id="rId3"/>
-              </a:rPr>
-              <a:t>wildlife</a:t>
+              <a:t>http://api.brightcove.com/services/library?command=search_videos&amp;token=DNoR-SvA5yUqX2eE6KjgefOxRzQilw..&amp;callback=BCL.onSearchResponse&amp;any=wildlife</a:t>
             </a:r>
             <a:endParaRPr lang="en-US" sz="3000" dirty="0"/>
           </a:p>
@@ -26224,7 +26074,7 @@
     </p:spTree>
     <p:extLst>
       <p:ext uri="{BB962C8B-B14F-4D97-AF65-F5344CB8AC3E}">
-        <p14:creationId xmlns:p14="http://schemas.microsoft.com/office/powerpoint/2010/main" val="833416268"/>
+        <p14:creationId xmlns:p14="http://schemas.microsoft.com/office/powerpoint/2010/main" xmlns:p="http://schemas.openxmlformats.org/presentationml/2006/main" xmlns:r="http://schemas.openxmlformats.org/officeDocument/2006/relationships" xmlns:a="http://schemas.openxmlformats.org/drawingml/2006/main" xmlns="" val="833416268"/>
       </p:ext>
     </p:extLst>
   </p:cSld>
@@ -26234,7 +26084,7 @@
   <p:timing>
     <p:tnLst>
       <p:par>
-        <p:cTn xmlns:p14="http://schemas.microsoft.com/office/powerpoint/2010/main" id="1" dur="indefinite" restart="never" nodeType="tmRoot"/>
+        <p:cTn id="1" dur="indefinite" restart="never" nodeType="tmRoot"/>
       </p:par>
     </p:tnLst>
   </p:timing>
@@ -26242,7 +26092,7 @@
 </file>
 
 <file path=ppt/slides/slide48.xml><?xml version="1.0" encoding="utf-8"?>
-<p:sld xmlns:a="http://schemas.openxmlformats.org/drawingml/2006/main" xmlns:r="http://schemas.openxmlformats.org/officeDocument/2006/relationships" xmlns:p="http://schemas.openxmlformats.org/presentationml/2006/main">
+<p:sld xmlns:a="http://schemas.openxmlformats.org/drawingml/2006/main" xmlns:r="http://schemas.openxmlformats.org/officeDocument/2006/relationships" xmlns:mc="http://schemas.openxmlformats.org/markup-compatibility/2006" xmlns:mv="urn:schemas-microsoft-com:mac:vml" xmlns:p="http://schemas.openxmlformats.org/presentationml/2006/main" mc:Ignorable="mv" mc:PreserveAttributes="mv:*">
   <p:cSld>
     <p:spTree>
       <p:nvGrpSpPr>
@@ -26406,20 +26256,20 @@
     </p:spTree>
     <p:extLst>
       <p:ext uri="{BB962C8B-B14F-4D97-AF65-F5344CB8AC3E}">
-        <p14:creationId xmlns:p14="http://schemas.microsoft.com/office/powerpoint/2010/main" val="745539451"/>
+        <p14:creationId xmlns:p14="http://schemas.microsoft.com/office/powerpoint/2010/main" xmlns:p="http://schemas.openxmlformats.org/presentationml/2006/main" xmlns:r="http://schemas.openxmlformats.org/officeDocument/2006/relationships" xmlns:a="http://schemas.openxmlformats.org/drawingml/2006/main" xmlns="" val="745539451"/>
       </p:ext>
     </p:extLst>
   </p:cSld>
   <p:clrMapOvr>
     <a:masterClrMapping/>
   </p:clrMapOvr>
-  <p:transition xmlns:p14="http://schemas.microsoft.com/office/powerpoint/2010/main">
+  <p:transition>
     <p:fade/>
   </p:transition>
   <p:timing>
     <p:tnLst>
       <p:par>
-        <p:cTn xmlns:p14="http://schemas.microsoft.com/office/powerpoint/2010/main" id="1" dur="indefinite" restart="never" nodeType="tmRoot"/>
+        <p:cTn id="1" dur="indefinite" restart="never" nodeType="tmRoot"/>
       </p:par>
     </p:tnLst>
   </p:timing>
@@ -26427,7 +26277,7 @@
 </file>
 
 <file path=ppt/slides/slide49.xml><?xml version="1.0" encoding="utf-8"?>
-<p:sld xmlns:a="http://schemas.openxmlformats.org/drawingml/2006/main" xmlns:r="http://schemas.openxmlformats.org/officeDocument/2006/relationships" xmlns:p="http://schemas.openxmlformats.org/presentationml/2006/main">
+<p:sld xmlns:a="http://schemas.openxmlformats.org/drawingml/2006/main" xmlns:r="http://schemas.openxmlformats.org/officeDocument/2006/relationships" xmlns:mc="http://schemas.openxmlformats.org/markup-compatibility/2006" xmlns:mv="urn:schemas-microsoft-com:mac:vml" xmlns:p="http://schemas.openxmlformats.org/presentationml/2006/main" mc:Ignorable="mv" mc:PreserveAttributes="mv:*">
   <p:cSld>
     <p:spTree>
       <p:nvGrpSpPr>
@@ -26571,7 +26421,7 @@
     </p:spTree>
     <p:extLst>
       <p:ext uri="{BB962C8B-B14F-4D97-AF65-F5344CB8AC3E}">
-        <p14:creationId xmlns:p14="http://schemas.microsoft.com/office/powerpoint/2010/main" val="3491690639"/>
+        <p14:creationId xmlns:p14="http://schemas.microsoft.com/office/powerpoint/2010/main" xmlns:p="http://schemas.openxmlformats.org/presentationml/2006/main" xmlns:r="http://schemas.openxmlformats.org/officeDocument/2006/relationships" xmlns:a="http://schemas.openxmlformats.org/drawingml/2006/main" xmlns="" val="3491690639"/>
       </p:ext>
     </p:extLst>
   </p:cSld>
@@ -26581,7 +26431,7 @@
   <p:timing>
     <p:tnLst>
       <p:par>
-        <p:cTn xmlns:p14="http://schemas.microsoft.com/office/powerpoint/2010/main" id="1" dur="indefinite" restart="never" nodeType="tmRoot"/>
+        <p:cTn id="1" dur="indefinite" restart="never" nodeType="tmRoot"/>
       </p:par>
     </p:tnLst>
   </p:timing>
@@ -26589,7 +26439,7 @@
 </file>
 
 <file path=ppt/slides/slide5.xml><?xml version="1.0" encoding="utf-8"?>
-<p:sld xmlns:a="http://schemas.openxmlformats.org/drawingml/2006/main" xmlns:r="http://schemas.openxmlformats.org/officeDocument/2006/relationships" xmlns:p="http://schemas.openxmlformats.org/presentationml/2006/main">
+<p:sld xmlns:a="http://schemas.openxmlformats.org/drawingml/2006/main" xmlns:r="http://schemas.openxmlformats.org/officeDocument/2006/relationships" xmlns:mc="http://schemas.openxmlformats.org/markup-compatibility/2006" xmlns:mv="urn:schemas-microsoft-com:mac:vml" xmlns:p="http://schemas.openxmlformats.org/presentationml/2006/main" mc:Ignorable="mv" mc:PreserveAttributes="mv:*">
   <p:cSld>
     <p:spTree>
       <p:nvGrpSpPr>
@@ -26684,18 +26534,18 @@
     </p:spTree>
     <p:extLst>
       <p:ext uri="{BB962C8B-B14F-4D97-AF65-F5344CB8AC3E}">
-        <p14:creationId xmlns:p14="http://schemas.microsoft.com/office/powerpoint/2010/main" val="2040083584"/>
+        <p14:creationId xmlns:p14="http://schemas.microsoft.com/office/powerpoint/2010/main" xmlns:p="http://schemas.openxmlformats.org/presentationml/2006/main" xmlns:r="http://schemas.openxmlformats.org/officeDocument/2006/relationships" xmlns:a="http://schemas.openxmlformats.org/drawingml/2006/main" xmlns="" val="2040083584"/>
       </p:ext>
     </p:extLst>
   </p:cSld>
   <p:clrMapOvr>
     <a:masterClrMapping/>
   </p:clrMapOvr>
-  <p:transition xmlns:p14="http://schemas.microsoft.com/office/powerpoint/2010/main"/>
+  <p:transition/>
   <p:timing>
     <p:tnLst>
       <p:par>
-        <p:cTn xmlns:p14="http://schemas.microsoft.com/office/powerpoint/2010/main" id="1" dur="indefinite" restart="never" nodeType="tmRoot"/>
+        <p:cTn id="1" dur="indefinite" restart="never" nodeType="tmRoot"/>
       </p:par>
     </p:tnLst>
   </p:timing>
@@ -26703,7 +26553,7 @@
 </file>
 
 <file path=ppt/slides/slide50.xml><?xml version="1.0" encoding="utf-8"?>
-<p:sld xmlns:a="http://schemas.openxmlformats.org/drawingml/2006/main" xmlns:r="http://schemas.openxmlformats.org/officeDocument/2006/relationships" xmlns:p="http://schemas.openxmlformats.org/presentationml/2006/main">
+<p:sld xmlns:a="http://schemas.openxmlformats.org/drawingml/2006/main" xmlns:r="http://schemas.openxmlformats.org/officeDocument/2006/relationships" xmlns:mc="http://schemas.openxmlformats.org/markup-compatibility/2006" xmlns:mv="urn:schemas-microsoft-com:mac:vml" xmlns:p="http://schemas.openxmlformats.org/presentationml/2006/main" mc:Ignorable="mv" mc:PreserveAttributes="mv:*">
   <p:cSld>
     <p:spTree>
       <p:nvGrpSpPr>
@@ -26807,7 +26657,7 @@
     </p:spTree>
     <p:extLst>
       <p:ext uri="{BB962C8B-B14F-4D97-AF65-F5344CB8AC3E}">
-        <p14:creationId xmlns:p14="http://schemas.microsoft.com/office/powerpoint/2010/main" val="50571732"/>
+        <p14:creationId xmlns:p14="http://schemas.microsoft.com/office/powerpoint/2010/main" xmlns:p="http://schemas.openxmlformats.org/presentationml/2006/main" xmlns:r="http://schemas.openxmlformats.org/officeDocument/2006/relationships" xmlns:a="http://schemas.openxmlformats.org/drawingml/2006/main" xmlns="" val="50571732"/>
       </p:ext>
     </p:extLst>
   </p:cSld>
@@ -26817,7 +26667,7 @@
   <p:timing>
     <p:tnLst>
       <p:par>
-        <p:cTn xmlns:p14="http://schemas.microsoft.com/office/powerpoint/2010/main" id="1" dur="indefinite" restart="never" nodeType="tmRoot"/>
+        <p:cTn id="1" dur="indefinite" restart="never" nodeType="tmRoot"/>
       </p:par>
     </p:tnLst>
   </p:timing>
@@ -26825,7 +26675,7 @@
 </file>
 
 <file path=ppt/slides/slide51.xml><?xml version="1.0" encoding="utf-8"?>
-<p:sld xmlns:a="http://schemas.openxmlformats.org/drawingml/2006/main" xmlns:r="http://schemas.openxmlformats.org/officeDocument/2006/relationships" xmlns:p="http://schemas.openxmlformats.org/presentationml/2006/main">
+<p:sld xmlns:a="http://schemas.openxmlformats.org/drawingml/2006/main" xmlns:r="http://schemas.openxmlformats.org/officeDocument/2006/relationships" xmlns:mc="http://schemas.openxmlformats.org/markup-compatibility/2006" xmlns:mv="urn:schemas-microsoft-com:mac:vml" xmlns:p="http://schemas.openxmlformats.org/presentationml/2006/main" mc:Ignorable="mv" mc:PreserveAttributes="mv:*">
   <p:cSld>
     <p:spTree>
       <p:nvGrpSpPr>
@@ -26943,7 +26793,7 @@
     </p:spTree>
     <p:extLst>
       <p:ext uri="{BB962C8B-B14F-4D97-AF65-F5344CB8AC3E}">
-        <p14:creationId xmlns:p14="http://schemas.microsoft.com/office/powerpoint/2010/main" val="3341592286"/>
+        <p14:creationId xmlns:p14="http://schemas.microsoft.com/office/powerpoint/2010/main" xmlns:p="http://schemas.openxmlformats.org/presentationml/2006/main" xmlns:r="http://schemas.openxmlformats.org/officeDocument/2006/relationships" xmlns:a="http://schemas.openxmlformats.org/drawingml/2006/main" xmlns="" val="3341592286"/>
       </p:ext>
     </p:extLst>
   </p:cSld>
@@ -26953,7 +26803,7 @@
   <p:timing>
     <p:tnLst>
       <p:par>
-        <p:cTn xmlns:p14="http://schemas.microsoft.com/office/powerpoint/2010/main" id="1" dur="indefinite" restart="never" nodeType="tmRoot"/>
+        <p:cTn id="1" dur="indefinite" restart="never" nodeType="tmRoot"/>
       </p:par>
     </p:tnLst>
   </p:timing>
@@ -26961,7 +26811,7 @@
 </file>
 
 <file path=ppt/slides/slide52.xml><?xml version="1.0" encoding="utf-8"?>
-<p:sld xmlns:a="http://schemas.openxmlformats.org/drawingml/2006/main" xmlns:r="http://schemas.openxmlformats.org/officeDocument/2006/relationships" xmlns:p="http://schemas.openxmlformats.org/presentationml/2006/main">
+<p:sld xmlns:a="http://schemas.openxmlformats.org/drawingml/2006/main" xmlns:r="http://schemas.openxmlformats.org/officeDocument/2006/relationships" xmlns:mc="http://schemas.openxmlformats.org/markup-compatibility/2006" xmlns:mv="urn:schemas-microsoft-com:mac:vml" xmlns:p="http://schemas.openxmlformats.org/presentationml/2006/main" mc:Ignorable="mv" mc:PreserveAttributes="mv:*">
   <p:cSld>
     <p:spTree>
       <p:nvGrpSpPr>
@@ -27080,7 +26930,7 @@
     </p:spTree>
     <p:extLst>
       <p:ext uri="{BB962C8B-B14F-4D97-AF65-F5344CB8AC3E}">
-        <p14:creationId xmlns:p14="http://schemas.microsoft.com/office/powerpoint/2010/main" val="2695471277"/>
+        <p14:creationId xmlns:p14="http://schemas.microsoft.com/office/powerpoint/2010/main" xmlns:p="http://schemas.openxmlformats.org/presentationml/2006/main" xmlns:r="http://schemas.openxmlformats.org/officeDocument/2006/relationships" xmlns:a="http://schemas.openxmlformats.org/drawingml/2006/main" xmlns="" val="2695471277"/>
       </p:ext>
     </p:extLst>
   </p:cSld>
@@ -27090,7 +26940,7 @@
   <p:timing>
     <p:tnLst>
       <p:par>
-        <p:cTn xmlns:p14="http://schemas.microsoft.com/office/powerpoint/2010/main" id="1" dur="indefinite" restart="never" nodeType="tmRoot"/>
+        <p:cTn id="1" dur="indefinite" restart="never" nodeType="tmRoot"/>
       </p:par>
     </p:tnLst>
   </p:timing>
@@ -27098,7 +26948,7 @@
 </file>
 
 <file path=ppt/slides/slide53.xml><?xml version="1.0" encoding="utf-8"?>
-<p:sld xmlns:a="http://schemas.openxmlformats.org/drawingml/2006/main" xmlns:r="http://schemas.openxmlformats.org/officeDocument/2006/relationships" xmlns:p="http://schemas.openxmlformats.org/presentationml/2006/main">
+<p:sld xmlns:a="http://schemas.openxmlformats.org/drawingml/2006/main" xmlns:r="http://schemas.openxmlformats.org/officeDocument/2006/relationships" xmlns:mc="http://schemas.openxmlformats.org/markup-compatibility/2006" xmlns:mv="urn:schemas-microsoft-com:mac:vml" xmlns:p="http://schemas.openxmlformats.org/presentationml/2006/main" mc:Ignorable="mv" mc:PreserveAttributes="mv:*">
   <p:cSld>
     <p:spTree>
       <p:nvGrpSpPr>
@@ -27289,7 +27139,7 @@
     </p:spTree>
     <p:extLst>
       <p:ext uri="{BB962C8B-B14F-4D97-AF65-F5344CB8AC3E}">
-        <p14:creationId xmlns:p14="http://schemas.microsoft.com/office/powerpoint/2010/main" val="1397446923"/>
+        <p14:creationId xmlns:p14="http://schemas.microsoft.com/office/powerpoint/2010/main" xmlns:p="http://schemas.openxmlformats.org/presentationml/2006/main" xmlns:r="http://schemas.openxmlformats.org/officeDocument/2006/relationships" xmlns:a="http://schemas.openxmlformats.org/drawingml/2006/main" xmlns="" val="1397446923"/>
       </p:ext>
     </p:extLst>
   </p:cSld>
@@ -27299,7 +27149,7 @@
   <p:timing>
     <p:tnLst>
       <p:par>
-        <p:cTn xmlns:p14="http://schemas.microsoft.com/office/powerpoint/2010/main" id="1" dur="indefinite" restart="never" nodeType="tmRoot"/>
+        <p:cTn id="1" dur="indefinite" restart="never" nodeType="tmRoot"/>
       </p:par>
     </p:tnLst>
   </p:timing>
@@ -27307,7 +27157,7 @@
 </file>
 
 <file path=ppt/slides/slide54.xml><?xml version="1.0" encoding="utf-8"?>
-<p:sld xmlns:a="http://schemas.openxmlformats.org/drawingml/2006/main" xmlns:r="http://schemas.openxmlformats.org/officeDocument/2006/relationships" xmlns:p="http://schemas.openxmlformats.org/presentationml/2006/main">
+<p:sld xmlns:a="http://schemas.openxmlformats.org/drawingml/2006/main" xmlns:r="http://schemas.openxmlformats.org/officeDocument/2006/relationships" xmlns:mc="http://schemas.openxmlformats.org/markup-compatibility/2006" xmlns:mv="urn:schemas-microsoft-com:mac:vml" xmlns:p="http://schemas.openxmlformats.org/presentationml/2006/main" mc:Ignorable="mv" mc:PreserveAttributes="mv:*">
   <p:cSld>
     <p:spTree>
       <p:nvGrpSpPr>
@@ -27406,7 +27256,7 @@
     </p:spTree>
     <p:extLst>
       <p:ext uri="{BB962C8B-B14F-4D97-AF65-F5344CB8AC3E}">
-        <p14:creationId xmlns:p14="http://schemas.microsoft.com/office/powerpoint/2010/main" val="2982368988"/>
+        <p14:creationId xmlns:p14="http://schemas.microsoft.com/office/powerpoint/2010/main" xmlns:p="http://schemas.openxmlformats.org/presentationml/2006/main" xmlns:r="http://schemas.openxmlformats.org/officeDocument/2006/relationships" xmlns:a="http://schemas.openxmlformats.org/drawingml/2006/main" xmlns="" val="2982368988"/>
       </p:ext>
     </p:extLst>
   </p:cSld>
@@ -27416,7 +27266,7 @@
   <p:timing>
     <p:tnLst>
       <p:par>
-        <p:cTn xmlns:p14="http://schemas.microsoft.com/office/powerpoint/2010/main" id="1" dur="indefinite" restart="never" nodeType="tmRoot"/>
+        <p:cTn id="1" dur="indefinite" restart="never" nodeType="tmRoot"/>
       </p:par>
     </p:tnLst>
   </p:timing>
@@ -27424,7 +27274,7 @@
 </file>
 
 <file path=ppt/slides/slide55.xml><?xml version="1.0" encoding="utf-8"?>
-<p:sld xmlns:a="http://schemas.openxmlformats.org/drawingml/2006/main" xmlns:r="http://schemas.openxmlformats.org/officeDocument/2006/relationships" xmlns:p="http://schemas.openxmlformats.org/presentationml/2006/main">
+<p:sld xmlns:a="http://schemas.openxmlformats.org/drawingml/2006/main" xmlns:r="http://schemas.openxmlformats.org/officeDocument/2006/relationships" xmlns:mc="http://schemas.openxmlformats.org/markup-compatibility/2006" xmlns:mv="urn:schemas-microsoft-com:mac:vml" xmlns:p="http://schemas.openxmlformats.org/presentationml/2006/main" mc:Ignorable="mv" mc:PreserveAttributes="mv:*">
   <p:cSld>
     <p:spTree>
       <p:nvGrpSpPr>
@@ -29011,20 +28861,20 @@
     </p:spTree>
     <p:extLst>
       <p:ext uri="{BB962C8B-B14F-4D97-AF65-F5344CB8AC3E}">
-        <p14:creationId xmlns:p14="http://schemas.microsoft.com/office/powerpoint/2010/main" val="2020288196"/>
+        <p14:creationId xmlns:p14="http://schemas.microsoft.com/office/powerpoint/2010/main" xmlns:p="http://schemas.openxmlformats.org/presentationml/2006/main" xmlns:r="http://schemas.openxmlformats.org/officeDocument/2006/relationships" xmlns:a="http://schemas.openxmlformats.org/drawingml/2006/main" xmlns="" val="2020288196"/>
       </p:ext>
     </p:extLst>
   </p:cSld>
   <p:clrMapOvr>
     <a:masterClrMapping/>
   </p:clrMapOvr>
-  <p:transition xmlns:p14="http://schemas.microsoft.com/office/powerpoint/2010/main">
+  <p:transition>
     <p:fade/>
   </p:transition>
   <p:timing>
     <p:tnLst>
       <p:par>
-        <p:cTn xmlns:p14="http://schemas.microsoft.com/office/powerpoint/2010/main" id="1" dur="indefinite" restart="never" nodeType="tmRoot"/>
+        <p:cTn id="1" dur="indefinite" restart="never" nodeType="tmRoot"/>
       </p:par>
     </p:tnLst>
   </p:timing>
@@ -29032,7 +28882,7 @@
 </file>
 
 <file path=ppt/slides/slide56.xml><?xml version="1.0" encoding="utf-8"?>
-<p:sld xmlns:a="http://schemas.openxmlformats.org/drawingml/2006/main" xmlns:r="http://schemas.openxmlformats.org/officeDocument/2006/relationships" xmlns:p="http://schemas.openxmlformats.org/presentationml/2006/main">
+<p:sld xmlns:a="http://schemas.openxmlformats.org/drawingml/2006/main" xmlns:r="http://schemas.openxmlformats.org/officeDocument/2006/relationships" xmlns:mc="http://schemas.openxmlformats.org/markup-compatibility/2006" xmlns:mv="urn:schemas-microsoft-com:mac:vml" xmlns:p="http://schemas.openxmlformats.org/presentationml/2006/main" mc:Ignorable="mv" mc:PreserveAttributes="mv:*">
   <p:cSld>
     <p:spTree>
       <p:nvGrpSpPr>
@@ -29129,18 +28979,18 @@
     </p:spTree>
     <p:extLst>
       <p:ext uri="{BB962C8B-B14F-4D97-AF65-F5344CB8AC3E}">
-        <p14:creationId xmlns:p14="http://schemas.microsoft.com/office/powerpoint/2010/main" val="2508945927"/>
+        <p14:creationId xmlns:p14="http://schemas.microsoft.com/office/powerpoint/2010/main" xmlns:p="http://schemas.openxmlformats.org/presentationml/2006/main" xmlns:r="http://schemas.openxmlformats.org/officeDocument/2006/relationships" xmlns:a="http://schemas.openxmlformats.org/drawingml/2006/main" xmlns="" val="2508945927"/>
       </p:ext>
     </p:extLst>
   </p:cSld>
   <p:clrMapOvr>
     <a:masterClrMapping/>
   </p:clrMapOvr>
-  <p:transition xmlns:p14="http://schemas.microsoft.com/office/powerpoint/2010/main"/>
+  <p:transition/>
   <p:timing>
     <p:tnLst>
       <p:par>
-        <p:cTn xmlns:p14="http://schemas.microsoft.com/office/powerpoint/2010/main" id="1" dur="indefinite" restart="never" nodeType="tmRoot"/>
+        <p:cTn id="1" dur="indefinite" restart="never" nodeType="tmRoot"/>
       </p:par>
     </p:tnLst>
   </p:timing>
@@ -29148,7 +28998,7 @@
 </file>
 
 <file path=ppt/slides/slide57.xml><?xml version="1.0" encoding="utf-8"?>
-<p:sld xmlns:a="http://schemas.openxmlformats.org/drawingml/2006/main" xmlns:r="http://schemas.openxmlformats.org/officeDocument/2006/relationships" xmlns:p="http://schemas.openxmlformats.org/presentationml/2006/main">
+<p:sld xmlns:a="http://schemas.openxmlformats.org/drawingml/2006/main" xmlns:r="http://schemas.openxmlformats.org/officeDocument/2006/relationships" xmlns:mc="http://schemas.openxmlformats.org/markup-compatibility/2006" xmlns:mv="urn:schemas-microsoft-com:mac:vml" xmlns:p="http://schemas.openxmlformats.org/presentationml/2006/main" mc:Ignorable="mv" mc:PreserveAttributes="mv:*">
   <p:cSld>
     <p:spTree>
       <p:nvGrpSpPr>
@@ -29227,7 +29077,7 @@
     </p:spTree>
     <p:extLst>
       <p:ext uri="{BB962C8B-B14F-4D97-AF65-F5344CB8AC3E}">
-        <p14:creationId xmlns:p14="http://schemas.microsoft.com/office/powerpoint/2010/main" val="3352955375"/>
+        <p14:creationId xmlns:p14="http://schemas.microsoft.com/office/powerpoint/2010/main" xmlns:p="http://schemas.openxmlformats.org/presentationml/2006/main" xmlns:r="http://schemas.openxmlformats.org/officeDocument/2006/relationships" xmlns:a="http://schemas.openxmlformats.org/drawingml/2006/main" xmlns="" val="3352955375"/>
       </p:ext>
     </p:extLst>
   </p:cSld>
@@ -29237,7 +29087,7 @@
   <p:timing>
     <p:tnLst>
       <p:par>
-        <p:cTn xmlns:p14="http://schemas.microsoft.com/office/powerpoint/2010/main" id="1" dur="indefinite" restart="never" nodeType="tmRoot"/>
+        <p:cTn id="1" dur="indefinite" restart="never" nodeType="tmRoot"/>
       </p:par>
     </p:tnLst>
   </p:timing>
@@ -29245,7 +29095,7 @@
 </file>
 
 <file path=ppt/slides/slide58.xml><?xml version="1.0" encoding="utf-8"?>
-<p:sld xmlns:a="http://schemas.openxmlformats.org/drawingml/2006/main" xmlns:r="http://schemas.openxmlformats.org/officeDocument/2006/relationships" xmlns:p="http://schemas.openxmlformats.org/presentationml/2006/main">
+<p:sld xmlns:a="http://schemas.openxmlformats.org/drawingml/2006/main" xmlns:r="http://schemas.openxmlformats.org/officeDocument/2006/relationships" xmlns:mc="http://schemas.openxmlformats.org/markup-compatibility/2006" xmlns:mv="urn:schemas-microsoft-com:mac:vml" xmlns:p="http://schemas.openxmlformats.org/presentationml/2006/main" mc:Ignorable="mv" mc:PreserveAttributes="mv:*">
   <p:cSld>
     <p:spTree>
       <p:nvGrpSpPr>
@@ -29330,7 +29180,7 @@
     </p:spTree>
     <p:extLst>
       <p:ext uri="{BB962C8B-B14F-4D97-AF65-F5344CB8AC3E}">
-        <p14:creationId xmlns:p14="http://schemas.microsoft.com/office/powerpoint/2010/main" val="1018175361"/>
+        <p14:creationId xmlns:p14="http://schemas.microsoft.com/office/powerpoint/2010/main" xmlns:p="http://schemas.openxmlformats.org/presentationml/2006/main" xmlns:r="http://schemas.openxmlformats.org/officeDocument/2006/relationships" xmlns:a="http://schemas.openxmlformats.org/drawingml/2006/main" xmlns="" val="1018175361"/>
       </p:ext>
     </p:extLst>
   </p:cSld>
@@ -29340,7 +29190,7 @@
   <p:timing>
     <p:tnLst>
       <p:par>
-        <p:cTn xmlns:p14="http://schemas.microsoft.com/office/powerpoint/2010/main" id="1" dur="indefinite" restart="never" nodeType="tmRoot"/>
+        <p:cTn id="1" dur="indefinite" restart="never" nodeType="tmRoot"/>
       </p:par>
     </p:tnLst>
   </p:timing>
@@ -29348,7 +29198,7 @@
 </file>
 
 <file path=ppt/slides/slide59.xml><?xml version="1.0" encoding="utf-8"?>
-<p:sld xmlns:a="http://schemas.openxmlformats.org/drawingml/2006/main" xmlns:r="http://schemas.openxmlformats.org/officeDocument/2006/relationships" xmlns:p="http://schemas.openxmlformats.org/presentationml/2006/main">
+<p:sld xmlns:a="http://schemas.openxmlformats.org/drawingml/2006/main" xmlns:r="http://schemas.openxmlformats.org/officeDocument/2006/relationships" xmlns:mc="http://schemas.openxmlformats.org/markup-compatibility/2006" xmlns:mv="urn:schemas-microsoft-com:mac:vml" xmlns:p="http://schemas.openxmlformats.org/presentationml/2006/main" mc:Ignorable="mv" mc:PreserveAttributes="mv:*">
   <p:cSld>
     <p:spTree>
       <p:nvGrpSpPr>
@@ -29404,23 +29254,7 @@
           <a:p>
             <a:r>
               <a:rPr lang="en-US" sz="3000" dirty="0"/>
-              <a:t>In many cases, you will want to provide a way to play the videos – you can easily do this by using the Media API </a:t>
-            </a:r>
-            <a:r>
-              <a:rPr lang="en-US" sz="3000" dirty="0"/>
-              <a:t>together </a:t>
-            </a:r>
-            <a:r>
-              <a:rPr lang="en-US" sz="3000" dirty="0"/>
-              <a:t>with the</a:t>
-            </a:r>
-            <a:r>
-              <a:rPr lang="en-US" sz="3000" dirty="0"/>
-              <a:t> Player </a:t>
-            </a:r>
-            <a:r>
-              <a:rPr lang="en-US" sz="3000" dirty="0"/>
-              <a:t>API</a:t>
+              <a:t>In many cases, you will want to provide a way to play the videos – you can easily do this by using the Media API together with the Player API</a:t>
             </a:r>
           </a:p>
           <a:p>
@@ -29523,28 +29357,7 @@
                 <a:latin typeface="Consolas"/>
                 <a:cs typeface="Consolas"/>
               </a:rPr>
-              <a:t> </a:t>
-            </a:r>
-            <a:r>
-              <a:rPr lang="en-US" dirty="0">
-                <a:latin typeface="Consolas"/>
-                <a:cs typeface="Consolas"/>
-              </a:rPr>
-              <a:t>+=</a:t>
-            </a:r>
-            <a:r>
-              <a:rPr lang="en-US" dirty="0">
-                <a:latin typeface="Consolas"/>
-                <a:cs typeface="Consolas"/>
-              </a:rPr>
-              <a:t> "&lt;</a:t>
-            </a:r>
-            <a:r>
-              <a:rPr lang="en-US" dirty="0">
-                <a:latin typeface="Consolas"/>
-                <a:cs typeface="Consolas"/>
-              </a:rPr>
-              <a:t>a </a:t>
+              <a:t> += "&lt;a </a:t>
             </a:r>
             <a:r>
               <a:rPr lang="en-US" dirty="0" err="1">
@@ -29578,7 +29391,17 @@
                 <a:latin typeface="Consolas"/>
                 <a:cs typeface="Consolas"/>
               </a:rPr>
-              <a:t>(" </a:t>
+              <a:t>(" + </a:t>
+            </a:r>
+            <a:r>
+              <a:rPr lang="en-US" dirty="0" err="1">
+                <a:solidFill>
+                  <a:srgbClr val="FF0000"/>
+                </a:solidFill>
+                <a:latin typeface="Consolas"/>
+                <a:cs typeface="Consolas"/>
+              </a:rPr>
+              <a:t>video.id</a:t>
             </a:r>
             <a:r>
               <a:rPr lang="en-US" dirty="0">
@@ -29588,7 +29411,47 @@
                 <a:latin typeface="Consolas"/>
                 <a:cs typeface="Consolas"/>
               </a:rPr>
-              <a:t>+ </a:t>
+              <a:t> +")\</a:t>
+            </a:r>
+            <a:r>
+              <a:rPr lang="en-US" dirty="0">
+                <a:latin typeface="Consolas"/>
+                <a:cs typeface="Consolas"/>
+              </a:rPr>
+              <a:t>"&gt;";</a:t>
+            </a:r>
+          </a:p>
+          <a:p>
+            <a:r>
+              <a:rPr lang="en-US" dirty="0">
+                <a:latin typeface="Consolas"/>
+                <a:cs typeface="Consolas"/>
+              </a:rPr>
+              <a:t>… </a:t>
+            </a:r>
+          </a:p>
+          <a:p>
+            <a:r>
+              <a:rPr lang="en-US" dirty="0">
+                <a:latin typeface="Consolas"/>
+                <a:cs typeface="Consolas"/>
+              </a:rPr>
+              <a:t>}</a:t>
+            </a:r>
+          </a:p>
+          <a:p>
+            <a:endParaRPr lang="en-US" dirty="0">
+              <a:latin typeface="Consolas"/>
+              <a:cs typeface="Consolas"/>
+            </a:endParaRPr>
+          </a:p>
+          <a:p>
+            <a:r>
+              <a:rPr lang="en-US" dirty="0">
+                <a:latin typeface="Consolas"/>
+                <a:cs typeface="Consolas"/>
+              </a:rPr>
+              <a:t>function </a:t>
             </a:r>
             <a:r>
               <a:rPr lang="en-US" dirty="0" err="1">
@@ -29598,7 +29461,7 @@
                 <a:latin typeface="Consolas"/>
                 <a:cs typeface="Consolas"/>
               </a:rPr>
-              <a:t>video.id</a:t>
+              <a:t>playVideo(id</a:t>
             </a:r>
             <a:r>
               <a:rPr lang="en-US" dirty="0">
@@ -29608,19 +29471,15 @@
                 <a:latin typeface="Consolas"/>
                 <a:cs typeface="Consolas"/>
               </a:rPr>
-              <a:t> +")\</a:t>
+              <a:t>) </a:t>
             </a:r>
             <a:r>
               <a:rPr lang="en-US" dirty="0">
                 <a:latin typeface="Consolas"/>
                 <a:cs typeface="Consolas"/>
               </a:rPr>
-              <a:t>"&gt;";</a:t>
-            </a:r>
-            <a:endParaRPr lang="en-US" dirty="0">
-              <a:latin typeface="Consolas"/>
-              <a:cs typeface="Consolas"/>
-            </a:endParaRPr>
+              <a:t>{</a:t>
+            </a:r>
           </a:p>
           <a:p>
             <a:r>
@@ -29628,23 +29487,22 @@
                 <a:latin typeface="Consolas"/>
                 <a:cs typeface="Consolas"/>
               </a:rPr>
-              <a:t>… </a:t>
-            </a:r>
-          </a:p>
-          <a:p>
+              <a:t>  </a:t>
+            </a:r>
+            <a:r>
+              <a:rPr lang="en-US" dirty="0" err="1">
+                <a:latin typeface="Consolas"/>
+                <a:cs typeface="Consolas"/>
+              </a:rPr>
+              <a:t>videoPlayer.loadVideo</a:t>
+            </a:r>
             <a:r>
               <a:rPr lang="en-US" dirty="0">
                 <a:latin typeface="Consolas"/>
                 <a:cs typeface="Consolas"/>
               </a:rPr>
-              <a:t>}</a:t>
-            </a:r>
-          </a:p>
-          <a:p>
-            <a:endParaRPr lang="en-US" dirty="0">
-              <a:latin typeface="Consolas"/>
-              <a:cs typeface="Consolas"/>
-            </a:endParaRPr>
+              <a:t>(id);</a:t>
+            </a:r>
           </a:p>
           <a:p>
             <a:r>
@@ -29652,85 +29510,8 @@
                 <a:latin typeface="Consolas"/>
                 <a:cs typeface="Consolas"/>
               </a:rPr>
-              <a:t>function </a:t>
-            </a:r>
-            <a:r>
-              <a:rPr lang="en-US" dirty="0" err="1">
-                <a:solidFill>
-                  <a:srgbClr val="FF0000"/>
-                </a:solidFill>
-                <a:latin typeface="Consolas"/>
-                <a:cs typeface="Consolas"/>
-              </a:rPr>
-              <a:t>playVideo</a:t>
-            </a:r>
-            <a:r>
-              <a:rPr lang="en-US" dirty="0" err="1">
-                <a:solidFill>
-                  <a:srgbClr val="FF0000"/>
-                </a:solidFill>
-                <a:latin typeface="Consolas"/>
-                <a:cs typeface="Consolas"/>
-              </a:rPr>
-              <a:t>(id</a:t>
-            </a:r>
-            <a:r>
-              <a:rPr lang="en-US" dirty="0">
-                <a:solidFill>
-                  <a:srgbClr val="FF0000"/>
-                </a:solidFill>
-                <a:latin typeface="Consolas"/>
-                <a:cs typeface="Consolas"/>
-              </a:rPr>
-              <a:t>) </a:t>
-            </a:r>
-            <a:r>
-              <a:rPr lang="en-US" dirty="0">
-                <a:latin typeface="Consolas"/>
-                <a:cs typeface="Consolas"/>
-              </a:rPr>
-              <a:t>{</a:t>
-            </a:r>
-            <a:endParaRPr lang="en-US" dirty="0">
-              <a:latin typeface="Consolas"/>
-              <a:cs typeface="Consolas"/>
-            </a:endParaRPr>
-          </a:p>
-          <a:p>
-            <a:r>
-              <a:rPr lang="en-US" dirty="0">
-                <a:latin typeface="Consolas"/>
-                <a:cs typeface="Consolas"/>
-              </a:rPr>
-              <a:t>  </a:t>
-            </a:r>
-            <a:r>
-              <a:rPr lang="en-US" dirty="0" err="1">
-                <a:latin typeface="Consolas"/>
-                <a:cs typeface="Consolas"/>
-              </a:rPr>
-              <a:t>videoPlayer.loadVideo</a:t>
-            </a:r>
-            <a:r>
-              <a:rPr lang="en-US" dirty="0">
-                <a:latin typeface="Consolas"/>
-                <a:cs typeface="Consolas"/>
-              </a:rPr>
-              <a:t>(id);</a:t>
-            </a:r>
-          </a:p>
-          <a:p>
-            <a:r>
-              <a:rPr lang="en-US" dirty="0">
-                <a:latin typeface="Consolas"/>
-                <a:cs typeface="Consolas"/>
-              </a:rPr>
               <a:t>}</a:t>
             </a:r>
-            <a:endParaRPr lang="en-US" dirty="0">
-              <a:latin typeface="Consolas"/>
-              <a:cs typeface="Consolas"/>
-            </a:endParaRPr>
           </a:p>
           <a:p>
             <a:endParaRPr lang="en-US" dirty="0">
@@ -29770,14 +29551,13 @@
               <a:rPr lang="en-US" sz="3400" i="1" dirty="0"/>
               <a:t>Developing with the Player API</a:t>
             </a:r>
-            <a:endParaRPr lang="en-US" sz="3400" i="1" dirty="0"/>
           </a:p>
         </p:txBody>
       </p:sp>
     </p:spTree>
     <p:extLst>
       <p:ext uri="{BB962C8B-B14F-4D97-AF65-F5344CB8AC3E}">
-        <p14:creationId xmlns:p14="http://schemas.microsoft.com/office/powerpoint/2010/main" val="4141906398"/>
+        <p14:creationId xmlns:p14="http://schemas.microsoft.com/office/powerpoint/2010/main" xmlns:p="http://schemas.openxmlformats.org/presentationml/2006/main" xmlns:r="http://schemas.openxmlformats.org/officeDocument/2006/relationships" xmlns:a="http://schemas.openxmlformats.org/drawingml/2006/main" xmlns="" val="4141906398"/>
       </p:ext>
     </p:extLst>
   </p:cSld>
@@ -29787,7 +29567,7 @@
   <p:timing>
     <p:tnLst>
       <p:par>
-        <p:cTn xmlns:p14="http://schemas.microsoft.com/office/powerpoint/2010/main" id="1" dur="indefinite" restart="never" nodeType="tmRoot"/>
+        <p:cTn id="1" dur="indefinite" restart="never" nodeType="tmRoot"/>
       </p:par>
     </p:tnLst>
   </p:timing>
@@ -29795,7 +29575,7 @@
 </file>
 
 <file path=ppt/slides/slide6.xml><?xml version="1.0" encoding="utf-8"?>
-<p:sld xmlns:a="http://schemas.openxmlformats.org/drawingml/2006/main" xmlns:r="http://schemas.openxmlformats.org/officeDocument/2006/relationships" xmlns:p="http://schemas.openxmlformats.org/presentationml/2006/main">
+<p:sld xmlns:a="http://schemas.openxmlformats.org/drawingml/2006/main" xmlns:r="http://schemas.openxmlformats.org/officeDocument/2006/relationships" xmlns:mc="http://schemas.openxmlformats.org/markup-compatibility/2006" xmlns:mv="urn:schemas-microsoft-com:mac:vml" xmlns:p="http://schemas.openxmlformats.org/presentationml/2006/main" mc:Ignorable="mv" mc:PreserveAttributes="mv:*">
   <p:cSld>
     <p:spTree>
       <p:nvGrpSpPr>
@@ -30183,7 +29963,7 @@
           <a:blip r:embed="rId3">
             <a:extLst>
               <a:ext uri="{28A0092B-C50C-407E-A947-70E740481C1C}">
-                <a14:useLocalDpi xmlns:a14="http://schemas.microsoft.com/office/drawing/2010/main" val="0"/>
+                <a14:useLocalDpi xmlns:a14="http://schemas.microsoft.com/office/drawing/2010/main" xmlns:p="http://schemas.openxmlformats.org/presentationml/2006/main" xmlns:r="http://schemas.openxmlformats.org/officeDocument/2006/relationships" xmlns:a="http://schemas.openxmlformats.org/drawingml/2006/main" xmlns="" val="0"/>
               </a:ext>
             </a:extLst>
           </a:blip>
@@ -30235,20 +30015,20 @@
     </p:spTree>
     <p:extLst>
       <p:ext uri="{BB962C8B-B14F-4D97-AF65-F5344CB8AC3E}">
-        <p14:creationId xmlns:p14="http://schemas.microsoft.com/office/powerpoint/2010/main" val="3526455680"/>
+        <p14:creationId xmlns:p14="http://schemas.microsoft.com/office/powerpoint/2010/main" xmlns:p="http://schemas.openxmlformats.org/presentationml/2006/main" xmlns:r="http://schemas.openxmlformats.org/officeDocument/2006/relationships" xmlns:a="http://schemas.openxmlformats.org/drawingml/2006/main" xmlns="" val="3526455680"/>
       </p:ext>
     </p:extLst>
   </p:cSld>
   <p:clrMapOvr>
     <a:masterClrMapping/>
   </p:clrMapOvr>
-  <p:transition xmlns:p14="http://schemas.microsoft.com/office/powerpoint/2010/main">
+  <p:transition>
     <p:fade/>
   </p:transition>
   <p:timing>
     <p:tnLst>
       <p:par>
-        <p:cTn xmlns:p14="http://schemas.microsoft.com/office/powerpoint/2010/main" id="1" dur="indefinite" restart="never" nodeType="tmRoot"/>
+        <p:cTn id="1" dur="indefinite" restart="never" nodeType="tmRoot"/>
       </p:par>
     </p:tnLst>
   </p:timing>
@@ -30256,7 +30036,7 @@
 </file>
 
 <file path=ppt/slides/slide60.xml><?xml version="1.0" encoding="utf-8"?>
-<p:sld xmlns:a="http://schemas.openxmlformats.org/drawingml/2006/main" xmlns:r="http://schemas.openxmlformats.org/officeDocument/2006/relationships" xmlns:p="http://schemas.openxmlformats.org/presentationml/2006/main">
+<p:sld xmlns:a="http://schemas.openxmlformats.org/drawingml/2006/main" xmlns:r="http://schemas.openxmlformats.org/officeDocument/2006/relationships" xmlns:mc="http://schemas.openxmlformats.org/markup-compatibility/2006" xmlns:mv="urn:schemas-microsoft-com:mac:vml" xmlns:p="http://schemas.openxmlformats.org/presentationml/2006/main" mc:Ignorable="mv" mc:PreserveAttributes="mv:*">
   <p:cSld>
     <p:spTree>
       <p:nvGrpSpPr>
@@ -30353,18 +30133,18 @@
     </p:spTree>
     <p:extLst>
       <p:ext uri="{BB962C8B-B14F-4D97-AF65-F5344CB8AC3E}">
-        <p14:creationId xmlns:p14="http://schemas.microsoft.com/office/powerpoint/2010/main" val="52096914"/>
+        <p14:creationId xmlns:p14="http://schemas.microsoft.com/office/powerpoint/2010/main" xmlns:p="http://schemas.openxmlformats.org/presentationml/2006/main" xmlns:r="http://schemas.openxmlformats.org/officeDocument/2006/relationships" xmlns:a="http://schemas.openxmlformats.org/drawingml/2006/main" xmlns="" val="52096914"/>
       </p:ext>
     </p:extLst>
   </p:cSld>
   <p:clrMapOvr>
     <a:masterClrMapping/>
   </p:clrMapOvr>
-  <p:transition xmlns:p14="http://schemas.microsoft.com/office/powerpoint/2010/main"/>
+  <p:transition/>
   <p:timing>
     <p:tnLst>
       <p:par>
-        <p:cTn xmlns:p14="http://schemas.microsoft.com/office/powerpoint/2010/main" id="1" dur="indefinite" restart="never" nodeType="tmRoot"/>
+        <p:cTn id="1" dur="indefinite" restart="never" nodeType="tmRoot"/>
       </p:par>
     </p:tnLst>
   </p:timing>
@@ -30372,7 +30152,7 @@
 </file>
 
 <file path=ppt/slides/slide61.xml><?xml version="1.0" encoding="utf-8"?>
-<p:sld xmlns:a="http://schemas.openxmlformats.org/drawingml/2006/main" xmlns:r="http://schemas.openxmlformats.org/officeDocument/2006/relationships" xmlns:p="http://schemas.openxmlformats.org/presentationml/2006/main">
+<p:sld xmlns:a="http://schemas.openxmlformats.org/drawingml/2006/main" xmlns:r="http://schemas.openxmlformats.org/officeDocument/2006/relationships" xmlns:mc="http://schemas.openxmlformats.org/markup-compatibility/2006" xmlns:mv="urn:schemas-microsoft-com:mac:vml" xmlns:p="http://schemas.openxmlformats.org/presentationml/2006/main" mc:Ignorable="mv" mc:PreserveAttributes="mv:*">
   <p:cSld>
     <p:spTree>
       <p:nvGrpSpPr>
@@ -30414,7 +30194,7 @@
     </p:spTree>
     <p:extLst>
       <p:ext uri="{BB962C8B-B14F-4D97-AF65-F5344CB8AC3E}">
-        <p14:creationId xmlns:p14="http://schemas.microsoft.com/office/powerpoint/2010/main" val="3049938356"/>
+        <p14:creationId xmlns:p14="http://schemas.microsoft.com/office/powerpoint/2010/main" xmlns:p="http://schemas.openxmlformats.org/presentationml/2006/main" xmlns:r="http://schemas.openxmlformats.org/officeDocument/2006/relationships" xmlns:a="http://schemas.openxmlformats.org/drawingml/2006/main" xmlns="" val="3049938356"/>
       </p:ext>
     </p:extLst>
   </p:cSld>
@@ -30424,7 +30204,7 @@
   <p:timing>
     <p:tnLst>
       <p:par>
-        <p:cTn xmlns:p14="http://schemas.microsoft.com/office/powerpoint/2010/main" id="1" dur="indefinite" restart="never" nodeType="tmRoot"/>
+        <p:cTn id="1" dur="indefinite" restart="never" nodeType="tmRoot"/>
       </p:par>
     </p:tnLst>
   </p:timing>
@@ -30432,7 +30212,7 @@
 </file>
 
 <file path=ppt/slides/slide62.xml><?xml version="1.0" encoding="utf-8"?>
-<p:sld xmlns:a="http://schemas.openxmlformats.org/drawingml/2006/main" xmlns:r="http://schemas.openxmlformats.org/officeDocument/2006/relationships" xmlns:p="http://schemas.openxmlformats.org/presentationml/2006/main">
+<p:sld xmlns:a="http://schemas.openxmlformats.org/drawingml/2006/main" xmlns:r="http://schemas.openxmlformats.org/officeDocument/2006/relationships" xmlns:mc="http://schemas.openxmlformats.org/markup-compatibility/2006" xmlns:mv="urn:schemas-microsoft-com:mac:vml" xmlns:p="http://schemas.openxmlformats.org/presentationml/2006/main" mc:Ignorable="mv" mc:PreserveAttributes="mv:*">
   <p:cSld>
     <p:spTree>
       <p:nvGrpSpPr>
@@ -30669,20 +30449,20 @@
     </p:spTree>
     <p:extLst>
       <p:ext uri="{BB962C8B-B14F-4D97-AF65-F5344CB8AC3E}">
-        <p14:creationId xmlns:p14="http://schemas.microsoft.com/office/powerpoint/2010/main" val="3883932895"/>
+        <p14:creationId xmlns:p14="http://schemas.microsoft.com/office/powerpoint/2010/main" xmlns:p="http://schemas.openxmlformats.org/presentationml/2006/main" xmlns:r="http://schemas.openxmlformats.org/officeDocument/2006/relationships" xmlns:a="http://schemas.openxmlformats.org/drawingml/2006/main" xmlns="" val="3883932895"/>
       </p:ext>
     </p:extLst>
   </p:cSld>
   <p:clrMapOvr>
     <a:masterClrMapping/>
   </p:clrMapOvr>
-  <p:transition xmlns:p14="http://schemas.microsoft.com/office/powerpoint/2010/main">
+  <p:transition>
     <p:fade/>
   </p:transition>
   <p:timing>
     <p:tnLst>
       <p:par>
-        <p:cTn xmlns:p14="http://schemas.microsoft.com/office/powerpoint/2010/main" id="1" dur="indefinite" restart="never" nodeType="tmRoot"/>
+        <p:cTn id="1" dur="indefinite" restart="never" nodeType="tmRoot"/>
       </p:par>
     </p:tnLst>
   </p:timing>
@@ -30690,7 +30470,7 @@
 </file>
 
 <file path=ppt/slides/slide63.xml><?xml version="1.0" encoding="utf-8"?>
-<p:sld xmlns:a="http://schemas.openxmlformats.org/drawingml/2006/main" xmlns:r="http://schemas.openxmlformats.org/officeDocument/2006/relationships" xmlns:p="http://schemas.openxmlformats.org/presentationml/2006/main">
+<p:sld xmlns:a="http://schemas.openxmlformats.org/drawingml/2006/main" xmlns:r="http://schemas.openxmlformats.org/officeDocument/2006/relationships" xmlns:mc="http://schemas.openxmlformats.org/markup-compatibility/2006" xmlns:mv="urn:schemas-microsoft-com:mac:vml" xmlns:p="http://schemas.openxmlformats.org/presentationml/2006/main" mc:Ignorable="mv" mc:PreserveAttributes="mv:*">
   <p:cSld>
     <p:spTree>
       <p:nvGrpSpPr>
@@ -30796,18 +30576,18 @@
     </p:spTree>
     <p:extLst>
       <p:ext uri="{BB962C8B-B14F-4D97-AF65-F5344CB8AC3E}">
-        <p14:creationId xmlns:p14="http://schemas.microsoft.com/office/powerpoint/2010/main" val="129311809"/>
+        <p14:creationId xmlns:p14="http://schemas.microsoft.com/office/powerpoint/2010/main" xmlns:p="http://schemas.openxmlformats.org/presentationml/2006/main" xmlns:r="http://schemas.openxmlformats.org/officeDocument/2006/relationships" xmlns:a="http://schemas.openxmlformats.org/drawingml/2006/main" xmlns="" val="129311809"/>
       </p:ext>
     </p:extLst>
   </p:cSld>
   <p:clrMapOvr>
     <a:masterClrMapping/>
   </p:clrMapOvr>
-  <p:transition xmlns:p14="http://schemas.microsoft.com/office/powerpoint/2010/main"/>
+  <p:transition/>
   <p:timing>
     <p:tnLst>
       <p:par>
-        <p:cTn xmlns:p14="http://schemas.microsoft.com/office/powerpoint/2010/main" id="1" dur="indefinite" restart="never" nodeType="tmRoot"/>
+        <p:cTn id="1" dur="indefinite" restart="never" nodeType="tmRoot"/>
       </p:par>
     </p:tnLst>
   </p:timing>
@@ -30815,7 +30595,7 @@
 </file>
 
 <file path=ppt/slides/slide64.xml><?xml version="1.0" encoding="utf-8"?>
-<p:sld xmlns:a="http://schemas.openxmlformats.org/drawingml/2006/main" xmlns:r="http://schemas.openxmlformats.org/officeDocument/2006/relationships" xmlns:p="http://schemas.openxmlformats.org/presentationml/2006/main">
+<p:sld xmlns:a="http://schemas.openxmlformats.org/drawingml/2006/main" xmlns:r="http://schemas.openxmlformats.org/officeDocument/2006/relationships" xmlns:mc="http://schemas.openxmlformats.org/markup-compatibility/2006" xmlns:mv="urn:schemas-microsoft-com:mac:vml" xmlns:p="http://schemas.openxmlformats.org/presentationml/2006/main" mc:Ignorable="mv" mc:PreserveAttributes="mv:*">
   <p:cSld>
     <p:spTree>
       <p:nvGrpSpPr>
@@ -30914,18 +30694,18 @@
     </p:spTree>
     <p:extLst>
       <p:ext uri="{BB962C8B-B14F-4D97-AF65-F5344CB8AC3E}">
-        <p14:creationId xmlns:p14="http://schemas.microsoft.com/office/powerpoint/2010/main" val="2565715217"/>
+        <p14:creationId xmlns:p14="http://schemas.microsoft.com/office/powerpoint/2010/main" xmlns:p="http://schemas.openxmlformats.org/presentationml/2006/main" xmlns:r="http://schemas.openxmlformats.org/officeDocument/2006/relationships" xmlns:a="http://schemas.openxmlformats.org/drawingml/2006/main" xmlns="" val="2565715217"/>
       </p:ext>
     </p:extLst>
   </p:cSld>
   <p:clrMapOvr>
     <a:masterClrMapping/>
   </p:clrMapOvr>
-  <p:transition xmlns:p14="http://schemas.microsoft.com/office/powerpoint/2010/main"/>
+  <p:transition/>
   <p:timing>
     <p:tnLst>
       <p:par>
-        <p:cTn xmlns:p14="http://schemas.microsoft.com/office/powerpoint/2010/main" id="1" dur="indefinite" restart="never" nodeType="tmRoot"/>
+        <p:cTn id="1" dur="indefinite" restart="never" nodeType="tmRoot"/>
       </p:par>
     </p:tnLst>
   </p:timing>
@@ -30933,7 +30713,7 @@
 </file>
 
 <file path=ppt/slides/slide65.xml><?xml version="1.0" encoding="utf-8"?>
-<p:sld xmlns:a="http://schemas.openxmlformats.org/drawingml/2006/main" xmlns:r="http://schemas.openxmlformats.org/officeDocument/2006/relationships" xmlns:p="http://schemas.openxmlformats.org/presentationml/2006/main">
+<p:sld xmlns:a="http://schemas.openxmlformats.org/drawingml/2006/main" xmlns:r="http://schemas.openxmlformats.org/officeDocument/2006/relationships" xmlns:mc="http://schemas.openxmlformats.org/markup-compatibility/2006" xmlns:mv="urn:schemas-microsoft-com:mac:vml" xmlns:p="http://schemas.openxmlformats.org/presentationml/2006/main" mc:Ignorable="mv" mc:PreserveAttributes="mv:*">
   <p:cSld>
     <p:spTree>
       <p:nvGrpSpPr>
@@ -31079,13 +30859,8 @@
             </a:pPr>
             <a:r>
               <a:rPr lang="en-US" sz="3000" dirty="0"/>
-              <a:t>Useful for ongoing uploads or uploading </a:t>
-            </a:r>
-            <a:r>
-              <a:rPr lang="en-US" sz="3000" dirty="0"/>
-              <a:t>User Generated Content </a:t>
-            </a:r>
-            <a:endParaRPr lang="en-US" sz="3000" dirty="0"/>
+              <a:t>Useful for ongoing uploads or uploading User Generated Content </a:t>
+            </a:r>
           </a:p>
           <a:p>
             <a:pPr lvl="1" eaLnBrk="1" hangingPunct="1">
@@ -31170,20 +30945,20 @@
     </p:spTree>
     <p:extLst>
       <p:ext uri="{BB962C8B-B14F-4D97-AF65-F5344CB8AC3E}">
-        <p14:creationId xmlns:p14="http://schemas.microsoft.com/office/powerpoint/2010/main" val="2213804185"/>
+        <p14:creationId xmlns:p14="http://schemas.microsoft.com/office/powerpoint/2010/main" xmlns:p="http://schemas.openxmlformats.org/presentationml/2006/main" xmlns:r="http://schemas.openxmlformats.org/officeDocument/2006/relationships" xmlns:a="http://schemas.openxmlformats.org/drawingml/2006/main" xmlns="" val="2213804185"/>
       </p:ext>
     </p:extLst>
   </p:cSld>
   <p:clrMapOvr>
     <a:masterClrMapping/>
   </p:clrMapOvr>
-  <p:transition xmlns:p14="http://schemas.microsoft.com/office/powerpoint/2010/main">
+  <p:transition>
     <p:fade/>
   </p:transition>
   <p:timing>
     <p:tnLst>
       <p:par>
-        <p:cTn xmlns:p14="http://schemas.microsoft.com/office/powerpoint/2010/main" id="1" dur="indefinite" restart="never" nodeType="tmRoot">
+        <p:cTn id="1" dur="indefinite" restart="never" nodeType="tmRoot">
           <p:childTnLst>
             <p:seq concurrent="1" nextAc="seek">
               <p:cTn id="2" dur="indefinite" nodeType="mainSeq">
@@ -31547,7 +31322,7 @@
 </file>
 
 <file path=ppt/slides/slide66.xml><?xml version="1.0" encoding="utf-8"?>
-<p:sld xmlns:a="http://schemas.openxmlformats.org/drawingml/2006/main" xmlns:r="http://schemas.openxmlformats.org/officeDocument/2006/relationships" xmlns:p="http://schemas.openxmlformats.org/presentationml/2006/main">
+<p:sld xmlns:a="http://schemas.openxmlformats.org/drawingml/2006/main" xmlns:r="http://schemas.openxmlformats.org/officeDocument/2006/relationships" xmlns:mc="http://schemas.openxmlformats.org/markup-compatibility/2006" xmlns:mv="urn:schemas-microsoft-com:mac:vml" xmlns:p="http://schemas.openxmlformats.org/presentationml/2006/main" mc:Ignorable="mv" mc:PreserveAttributes="mv:*">
   <p:cSld>
     <p:spTree>
       <p:nvGrpSpPr>
@@ -31859,20 +31634,20 @@
     </p:spTree>
     <p:extLst>
       <p:ext uri="{BB962C8B-B14F-4D97-AF65-F5344CB8AC3E}">
-        <p14:creationId xmlns:p14="http://schemas.microsoft.com/office/powerpoint/2010/main" val="2559907986"/>
+        <p14:creationId xmlns:p14="http://schemas.microsoft.com/office/powerpoint/2010/main" xmlns:p="http://schemas.openxmlformats.org/presentationml/2006/main" xmlns:r="http://schemas.openxmlformats.org/officeDocument/2006/relationships" xmlns:a="http://schemas.openxmlformats.org/drawingml/2006/main" xmlns="" val="2559907986"/>
       </p:ext>
     </p:extLst>
   </p:cSld>
   <p:clrMapOvr>
     <a:masterClrMapping/>
   </p:clrMapOvr>
-  <p:transition xmlns:p14="http://schemas.microsoft.com/office/powerpoint/2010/main">
+  <p:transition>
     <p:fade/>
   </p:transition>
   <p:timing>
     <p:tnLst>
       <p:par>
-        <p:cTn xmlns:p14="http://schemas.microsoft.com/office/powerpoint/2010/main" id="1" dur="indefinite" restart="never" nodeType="tmRoot"/>
+        <p:cTn id="1" dur="indefinite" restart="never" nodeType="tmRoot"/>
       </p:par>
     </p:tnLst>
   </p:timing>
@@ -31880,7 +31655,7 @@
 </file>
 
 <file path=ppt/slides/slide67.xml><?xml version="1.0" encoding="utf-8"?>
-<p:sld xmlns:a="http://schemas.openxmlformats.org/drawingml/2006/main" xmlns:r="http://schemas.openxmlformats.org/officeDocument/2006/relationships" xmlns:p="http://schemas.openxmlformats.org/presentationml/2006/main">
+<p:sld xmlns:a="http://schemas.openxmlformats.org/drawingml/2006/main" xmlns:r="http://schemas.openxmlformats.org/officeDocument/2006/relationships" xmlns:mc="http://schemas.openxmlformats.org/markup-compatibility/2006" xmlns:mv="urn:schemas-microsoft-com:mac:vml" xmlns:p="http://schemas.openxmlformats.org/presentationml/2006/main" mc:Ignorable="mv" mc:PreserveAttributes="mv:*">
   <p:cSld>
     <p:spTree>
       <p:nvGrpSpPr>
@@ -32129,20 +31904,20 @@
     </p:spTree>
     <p:extLst>
       <p:ext uri="{BB962C8B-B14F-4D97-AF65-F5344CB8AC3E}">
-        <p14:creationId xmlns:p14="http://schemas.microsoft.com/office/powerpoint/2010/main" val="340638522"/>
+        <p14:creationId xmlns:p14="http://schemas.microsoft.com/office/powerpoint/2010/main" xmlns:p="http://schemas.openxmlformats.org/presentationml/2006/main" xmlns:r="http://schemas.openxmlformats.org/officeDocument/2006/relationships" xmlns:a="http://schemas.openxmlformats.org/drawingml/2006/main" xmlns="" val="340638522"/>
       </p:ext>
     </p:extLst>
   </p:cSld>
   <p:clrMapOvr>
     <a:masterClrMapping/>
   </p:clrMapOvr>
-  <p:transition xmlns:p14="http://schemas.microsoft.com/office/powerpoint/2010/main">
+  <p:transition>
     <p:fade/>
   </p:transition>
   <p:timing>
     <p:tnLst>
       <p:par>
-        <p:cTn xmlns:p14="http://schemas.microsoft.com/office/powerpoint/2010/main" id="1" dur="indefinite" restart="never" nodeType="tmRoot"/>
+        <p:cTn id="1" dur="indefinite" restart="never" nodeType="tmRoot"/>
       </p:par>
     </p:tnLst>
   </p:timing>
@@ -32150,7 +31925,7 @@
 </file>
 
 <file path=ppt/slides/slide68.xml><?xml version="1.0" encoding="utf-8"?>
-<p:sld xmlns:a="http://schemas.openxmlformats.org/drawingml/2006/main" xmlns:r="http://schemas.openxmlformats.org/officeDocument/2006/relationships" xmlns:p="http://schemas.openxmlformats.org/presentationml/2006/main">
+<p:sld xmlns:a="http://schemas.openxmlformats.org/drawingml/2006/main" xmlns:r="http://schemas.openxmlformats.org/officeDocument/2006/relationships" xmlns:mc="http://schemas.openxmlformats.org/markup-compatibility/2006" xmlns:mv="urn:schemas-microsoft-com:mac:vml" xmlns:p="http://schemas.openxmlformats.org/presentationml/2006/main" mc:Ignorable="mv" mc:PreserveAttributes="mv:*">
   <p:cSld>
     <p:spTree>
       <p:nvGrpSpPr>
@@ -32236,7 +32011,7 @@
     </p:spTree>
     <p:extLst>
       <p:ext uri="{BB962C8B-B14F-4D97-AF65-F5344CB8AC3E}">
-        <p14:creationId xmlns:p14="http://schemas.microsoft.com/office/powerpoint/2010/main" val="3737336893"/>
+        <p14:creationId xmlns:p14="http://schemas.microsoft.com/office/powerpoint/2010/main" xmlns:p="http://schemas.openxmlformats.org/presentationml/2006/main" xmlns:r="http://schemas.openxmlformats.org/officeDocument/2006/relationships" xmlns:a="http://schemas.openxmlformats.org/drawingml/2006/main" xmlns="" val="3737336893"/>
       </p:ext>
     </p:extLst>
   </p:cSld>
@@ -32246,7 +32021,7 @@
   <p:timing>
     <p:tnLst>
       <p:par>
-        <p:cTn xmlns:p14="http://schemas.microsoft.com/office/powerpoint/2010/main" id="1" dur="indefinite" restart="never" nodeType="tmRoot"/>
+        <p:cTn id="1" dur="indefinite" restart="never" nodeType="tmRoot"/>
       </p:par>
     </p:tnLst>
   </p:timing>
@@ -32254,7 +32029,7 @@
 </file>
 
 <file path=ppt/slides/slide69.xml><?xml version="1.0" encoding="utf-8"?>
-<p:sld xmlns:a="http://schemas.openxmlformats.org/drawingml/2006/main" xmlns:r="http://schemas.openxmlformats.org/officeDocument/2006/relationships" xmlns:p="http://schemas.openxmlformats.org/presentationml/2006/main">
+<p:sld xmlns:a="http://schemas.openxmlformats.org/drawingml/2006/main" xmlns:r="http://schemas.openxmlformats.org/officeDocument/2006/relationships" xmlns:mc="http://schemas.openxmlformats.org/markup-compatibility/2006" xmlns:mv="urn:schemas-microsoft-com:mac:vml" xmlns:p="http://schemas.openxmlformats.org/presentationml/2006/main" mc:Ignorable="mv" mc:PreserveAttributes="mv:*">
   <p:cSld>
     <p:spTree>
       <p:nvGrpSpPr>
@@ -32507,7 +32282,7 @@
     </p:spTree>
     <p:extLst>
       <p:ext uri="{BB962C8B-B14F-4D97-AF65-F5344CB8AC3E}">
-        <p14:creationId xmlns:p14="http://schemas.microsoft.com/office/powerpoint/2010/main" val="2158617007"/>
+        <p14:creationId xmlns:p14="http://schemas.microsoft.com/office/powerpoint/2010/main" xmlns:p="http://schemas.openxmlformats.org/presentationml/2006/main" xmlns:r="http://schemas.openxmlformats.org/officeDocument/2006/relationships" xmlns:a="http://schemas.openxmlformats.org/drawingml/2006/main" xmlns="" val="2158617007"/>
       </p:ext>
     </p:extLst>
   </p:cSld>
@@ -32517,7 +32292,7 @@
   <p:timing>
     <p:tnLst>
       <p:par>
-        <p:cTn xmlns:p14="http://schemas.microsoft.com/office/powerpoint/2010/main" id="1" dur="indefinite" restart="never" nodeType="tmRoot"/>
+        <p:cTn id="1" dur="indefinite" restart="never" nodeType="tmRoot"/>
       </p:par>
     </p:tnLst>
   </p:timing>
@@ -32525,7 +32300,7 @@
 </file>
 
 <file path=ppt/slides/slide7.xml><?xml version="1.0" encoding="utf-8"?>
-<p:sld xmlns:a="http://schemas.openxmlformats.org/drawingml/2006/main" xmlns:r="http://schemas.openxmlformats.org/officeDocument/2006/relationships" xmlns:p="http://schemas.openxmlformats.org/presentationml/2006/main">
+<p:sld xmlns:a="http://schemas.openxmlformats.org/drawingml/2006/main" xmlns:r="http://schemas.openxmlformats.org/officeDocument/2006/relationships" xmlns:mc="http://schemas.openxmlformats.org/markup-compatibility/2006" xmlns:mv="urn:schemas-microsoft-com:mac:vml" xmlns:p="http://schemas.openxmlformats.org/presentationml/2006/main" mc:Ignorable="mv" mc:PreserveAttributes="mv:*">
   <p:cSld>
     <p:spTree>
       <p:nvGrpSpPr>
@@ -33368,20 +33143,20 @@
     </p:spTree>
     <p:extLst>
       <p:ext uri="{BB962C8B-B14F-4D97-AF65-F5344CB8AC3E}">
-        <p14:creationId xmlns:p14="http://schemas.microsoft.com/office/powerpoint/2010/main" val="3892469737"/>
+        <p14:creationId xmlns:p14="http://schemas.microsoft.com/office/powerpoint/2010/main" xmlns:p="http://schemas.openxmlformats.org/presentationml/2006/main" xmlns:r="http://schemas.openxmlformats.org/officeDocument/2006/relationships" xmlns:a="http://schemas.openxmlformats.org/drawingml/2006/main" xmlns="" val="3892469737"/>
       </p:ext>
     </p:extLst>
   </p:cSld>
   <p:clrMapOvr>
     <a:masterClrMapping/>
   </p:clrMapOvr>
-  <p:transition xmlns:p14="http://schemas.microsoft.com/office/powerpoint/2010/main">
+  <p:transition>
     <p:fade/>
   </p:transition>
   <p:timing>
     <p:tnLst>
       <p:par>
-        <p:cTn xmlns:p14="http://schemas.microsoft.com/office/powerpoint/2010/main" id="1" dur="indefinite" restart="never" nodeType="tmRoot"/>
+        <p:cTn id="1" dur="indefinite" restart="never" nodeType="tmRoot"/>
       </p:par>
     </p:tnLst>
   </p:timing>
@@ -33389,7 +33164,7 @@
 </file>
 
 <file path=ppt/slides/slide70.xml><?xml version="1.0" encoding="utf-8"?>
-<p:sld xmlns:a="http://schemas.openxmlformats.org/drawingml/2006/main" xmlns:r="http://schemas.openxmlformats.org/officeDocument/2006/relationships" xmlns:p="http://schemas.openxmlformats.org/presentationml/2006/main">
+<p:sld xmlns:a="http://schemas.openxmlformats.org/drawingml/2006/main" xmlns:r="http://schemas.openxmlformats.org/officeDocument/2006/relationships" xmlns:mc="http://schemas.openxmlformats.org/markup-compatibility/2006" xmlns:mv="urn:schemas-microsoft-com:mac:vml" xmlns:p="http://schemas.openxmlformats.org/presentationml/2006/main" mc:Ignorable="mv" mc:PreserveAttributes="mv:*">
   <p:cSld>
     <p:spTree>
       <p:nvGrpSpPr>
@@ -33619,7 +33394,7 @@
     </p:spTree>
     <p:extLst>
       <p:ext uri="{BB962C8B-B14F-4D97-AF65-F5344CB8AC3E}">
-        <p14:creationId xmlns:p14="http://schemas.microsoft.com/office/powerpoint/2010/main" val="1336833729"/>
+        <p14:creationId xmlns:p14="http://schemas.microsoft.com/office/powerpoint/2010/main" xmlns:p="http://schemas.openxmlformats.org/presentationml/2006/main" xmlns:r="http://schemas.openxmlformats.org/officeDocument/2006/relationships" xmlns:a="http://schemas.openxmlformats.org/drawingml/2006/main" xmlns="" val="1336833729"/>
       </p:ext>
     </p:extLst>
   </p:cSld>
@@ -33629,7 +33404,7 @@
   <p:timing>
     <p:tnLst>
       <p:par>
-        <p:cTn xmlns:p14="http://schemas.microsoft.com/office/powerpoint/2010/main" id="1" dur="indefinite" restart="never" nodeType="tmRoot"/>
+        <p:cTn id="1" dur="indefinite" restart="never" nodeType="tmRoot"/>
       </p:par>
     </p:tnLst>
   </p:timing>
@@ -33637,7 +33412,7 @@
 </file>
 
 <file path=ppt/slides/slide71.xml><?xml version="1.0" encoding="utf-8"?>
-<p:sld xmlns:a="http://schemas.openxmlformats.org/drawingml/2006/main" xmlns:r="http://schemas.openxmlformats.org/officeDocument/2006/relationships" xmlns:p="http://schemas.openxmlformats.org/presentationml/2006/main">
+<p:sld xmlns:a="http://schemas.openxmlformats.org/drawingml/2006/main" xmlns:r="http://schemas.openxmlformats.org/officeDocument/2006/relationships" xmlns:mc="http://schemas.openxmlformats.org/markup-compatibility/2006" xmlns:mv="urn:schemas-microsoft-com:mac:vml" xmlns:p="http://schemas.openxmlformats.org/presentationml/2006/main" mc:Ignorable="mv" mc:PreserveAttributes="mv:*">
   <p:cSld>
     <p:spTree>
       <p:nvGrpSpPr>
@@ -33772,7 +33547,7 @@
     </p:spTree>
     <p:extLst>
       <p:ext uri="{BB962C8B-B14F-4D97-AF65-F5344CB8AC3E}">
-        <p14:creationId xmlns:p14="http://schemas.microsoft.com/office/powerpoint/2010/main" val="2998192585"/>
+        <p14:creationId xmlns:p14="http://schemas.microsoft.com/office/powerpoint/2010/main" xmlns:p="http://schemas.openxmlformats.org/presentationml/2006/main" xmlns:r="http://schemas.openxmlformats.org/officeDocument/2006/relationships" xmlns:a="http://schemas.openxmlformats.org/drawingml/2006/main" xmlns="" val="2998192585"/>
       </p:ext>
     </p:extLst>
   </p:cSld>
@@ -33782,7 +33557,7 @@
   <p:timing>
     <p:tnLst>
       <p:par>
-        <p:cTn xmlns:p14="http://schemas.microsoft.com/office/powerpoint/2010/main" id="1" dur="indefinite" restart="never" nodeType="tmRoot"/>
+        <p:cTn id="1" dur="indefinite" restart="never" nodeType="tmRoot"/>
       </p:par>
     </p:tnLst>
   </p:timing>
@@ -33790,7 +33565,7 @@
 </file>
 
 <file path=ppt/slides/slide72.xml><?xml version="1.0" encoding="utf-8"?>
-<p:sld xmlns:a="http://schemas.openxmlformats.org/drawingml/2006/main" xmlns:r="http://schemas.openxmlformats.org/officeDocument/2006/relationships" xmlns:p="http://schemas.openxmlformats.org/presentationml/2006/main">
+<p:sld xmlns:a="http://schemas.openxmlformats.org/drawingml/2006/main" xmlns:r="http://schemas.openxmlformats.org/officeDocument/2006/relationships" xmlns:mc="http://schemas.openxmlformats.org/markup-compatibility/2006" xmlns:mv="urn:schemas-microsoft-com:mac:vml" xmlns:p="http://schemas.openxmlformats.org/presentationml/2006/main" mc:Ignorable="mv" mc:PreserveAttributes="mv:*">
   <p:cSld>
     <p:spTree>
       <p:nvGrpSpPr>
@@ -33889,7 +33664,7 @@
     </p:spTree>
     <p:extLst>
       <p:ext uri="{BB962C8B-B14F-4D97-AF65-F5344CB8AC3E}">
-        <p14:creationId xmlns:p14="http://schemas.microsoft.com/office/powerpoint/2010/main" val="1022172094"/>
+        <p14:creationId xmlns:p14="http://schemas.microsoft.com/office/powerpoint/2010/main" xmlns:p="http://schemas.openxmlformats.org/presentationml/2006/main" xmlns:r="http://schemas.openxmlformats.org/officeDocument/2006/relationships" xmlns:a="http://schemas.openxmlformats.org/drawingml/2006/main" xmlns="" val="1022172094"/>
       </p:ext>
     </p:extLst>
   </p:cSld>
@@ -33899,7 +33674,7 @@
   <p:timing>
     <p:tnLst>
       <p:par>
-        <p:cTn xmlns:p14="http://schemas.microsoft.com/office/powerpoint/2010/main" id="1" dur="indefinite" restart="never" nodeType="tmRoot"/>
+        <p:cTn id="1" dur="indefinite" restart="never" nodeType="tmRoot"/>
       </p:par>
     </p:tnLst>
   </p:timing>
@@ -33907,7 +33682,7 @@
 </file>
 
 <file path=ppt/slides/slide73.xml><?xml version="1.0" encoding="utf-8"?>
-<p:sld xmlns:a="http://schemas.openxmlformats.org/drawingml/2006/main" xmlns:r="http://schemas.openxmlformats.org/officeDocument/2006/relationships" xmlns:p="http://schemas.openxmlformats.org/presentationml/2006/main">
+<p:sld xmlns:a="http://schemas.openxmlformats.org/drawingml/2006/main" xmlns:r="http://schemas.openxmlformats.org/officeDocument/2006/relationships" xmlns:mc="http://schemas.openxmlformats.org/markup-compatibility/2006" xmlns:mv="urn:schemas-microsoft-com:mac:vml" xmlns:p="http://schemas.openxmlformats.org/presentationml/2006/main" mc:Ignorable="mv" mc:PreserveAttributes="mv:*">
   <p:cSld>
     <p:spTree>
       <p:nvGrpSpPr>
@@ -34021,7 +33796,7 @@
     </p:spTree>
     <p:extLst>
       <p:ext uri="{BB962C8B-B14F-4D97-AF65-F5344CB8AC3E}">
-        <p14:creationId xmlns:p14="http://schemas.microsoft.com/office/powerpoint/2010/main" val="2394588904"/>
+        <p14:creationId xmlns:p14="http://schemas.microsoft.com/office/powerpoint/2010/main" xmlns:p="http://schemas.openxmlformats.org/presentationml/2006/main" xmlns:r="http://schemas.openxmlformats.org/officeDocument/2006/relationships" xmlns:a="http://schemas.openxmlformats.org/drawingml/2006/main" xmlns="" val="2394588904"/>
       </p:ext>
     </p:extLst>
   </p:cSld>
@@ -34031,7 +33806,7 @@
   <p:timing>
     <p:tnLst>
       <p:par>
-        <p:cTn xmlns:p14="http://schemas.microsoft.com/office/powerpoint/2010/main" id="1" dur="indefinite" restart="never" nodeType="tmRoot"/>
+        <p:cTn id="1" dur="indefinite" restart="never" nodeType="tmRoot"/>
       </p:par>
     </p:tnLst>
   </p:timing>
@@ -34039,7 +33814,7 @@
 </file>
 
 <file path=ppt/slides/slide74.xml><?xml version="1.0" encoding="utf-8"?>
-<p:sld xmlns:a="http://schemas.openxmlformats.org/drawingml/2006/main" xmlns:r="http://schemas.openxmlformats.org/officeDocument/2006/relationships" xmlns:p="http://schemas.openxmlformats.org/presentationml/2006/main">
+<p:sld xmlns:a="http://schemas.openxmlformats.org/drawingml/2006/main" xmlns:r="http://schemas.openxmlformats.org/officeDocument/2006/relationships" xmlns:mc="http://schemas.openxmlformats.org/markup-compatibility/2006" xmlns:mv="urn:schemas-microsoft-com:mac:vml" xmlns:p="http://schemas.openxmlformats.org/presentationml/2006/main" mc:Ignorable="mv" mc:PreserveAttributes="mv:*">
   <p:cSld>
     <p:spTree>
       <p:nvGrpSpPr>
@@ -34136,18 +33911,18 @@
     </p:spTree>
     <p:extLst>
       <p:ext uri="{BB962C8B-B14F-4D97-AF65-F5344CB8AC3E}">
-        <p14:creationId xmlns:p14="http://schemas.microsoft.com/office/powerpoint/2010/main" val="2148143725"/>
+        <p14:creationId xmlns:p14="http://schemas.microsoft.com/office/powerpoint/2010/main" xmlns:p="http://schemas.openxmlformats.org/presentationml/2006/main" xmlns:r="http://schemas.openxmlformats.org/officeDocument/2006/relationships" xmlns:a="http://schemas.openxmlformats.org/drawingml/2006/main" xmlns="" val="2148143725"/>
       </p:ext>
     </p:extLst>
   </p:cSld>
   <p:clrMapOvr>
     <a:masterClrMapping/>
   </p:clrMapOvr>
-  <p:transition xmlns:p14="http://schemas.microsoft.com/office/powerpoint/2010/main"/>
+  <p:transition/>
   <p:timing>
     <p:tnLst>
       <p:par>
-        <p:cTn xmlns:p14="http://schemas.microsoft.com/office/powerpoint/2010/main" id="1" dur="indefinite" restart="never" nodeType="tmRoot"/>
+        <p:cTn id="1" dur="indefinite" restart="never" nodeType="tmRoot"/>
       </p:par>
     </p:tnLst>
   </p:timing>
@@ -34155,7 +33930,7 @@
 </file>
 
 <file path=ppt/slides/slide75.xml><?xml version="1.0" encoding="utf-8"?>
-<p:sld xmlns:a="http://schemas.openxmlformats.org/drawingml/2006/main" xmlns:r="http://schemas.openxmlformats.org/officeDocument/2006/relationships" xmlns:p="http://schemas.openxmlformats.org/presentationml/2006/main">
+<p:sld xmlns:a="http://schemas.openxmlformats.org/drawingml/2006/main" xmlns:r="http://schemas.openxmlformats.org/officeDocument/2006/relationships" xmlns:mc="http://schemas.openxmlformats.org/markup-compatibility/2006" xmlns:mv="urn:schemas-microsoft-com:mac:vml" xmlns:p="http://schemas.openxmlformats.org/presentationml/2006/main" mc:Ignorable="mv" mc:PreserveAttributes="mv:*">
   <p:cSld>
     <p:spTree>
       <p:nvGrpSpPr>
@@ -34276,7 +34051,7 @@
     </p:spTree>
     <p:extLst>
       <p:ext uri="{BB962C8B-B14F-4D97-AF65-F5344CB8AC3E}">
-        <p14:creationId xmlns:p14="http://schemas.microsoft.com/office/powerpoint/2010/main" val="1066720022"/>
+        <p14:creationId xmlns:p14="http://schemas.microsoft.com/office/powerpoint/2010/main" xmlns:p="http://schemas.openxmlformats.org/presentationml/2006/main" xmlns:r="http://schemas.openxmlformats.org/officeDocument/2006/relationships" xmlns:a="http://schemas.openxmlformats.org/drawingml/2006/main" xmlns="" val="1066720022"/>
       </p:ext>
     </p:extLst>
   </p:cSld>
@@ -34286,7 +34061,7 @@
   <p:timing>
     <p:tnLst>
       <p:par>
-        <p:cTn xmlns:p14="http://schemas.microsoft.com/office/powerpoint/2010/main" id="1" dur="indefinite" restart="never" nodeType="tmRoot"/>
+        <p:cTn id="1" dur="indefinite" restart="never" nodeType="tmRoot"/>
       </p:par>
     </p:tnLst>
   </p:timing>
@@ -34294,7 +34069,7 @@
 </file>
 
 <file path=ppt/slides/slide76.xml><?xml version="1.0" encoding="utf-8"?>
-<p:sld xmlns:a="http://schemas.openxmlformats.org/drawingml/2006/main" xmlns:r="http://schemas.openxmlformats.org/officeDocument/2006/relationships" xmlns:p="http://schemas.openxmlformats.org/presentationml/2006/main">
+<p:sld xmlns:a="http://schemas.openxmlformats.org/drawingml/2006/main" xmlns:r="http://schemas.openxmlformats.org/officeDocument/2006/relationships" xmlns:mc="http://schemas.openxmlformats.org/markup-compatibility/2006" xmlns:mv="urn:schemas-microsoft-com:mac:vml" xmlns:p="http://schemas.openxmlformats.org/presentationml/2006/main" mc:Ignorable="mv" mc:PreserveAttributes="mv:*">
   <p:cSld>
     <p:spTree>
       <p:nvGrpSpPr>
@@ -34402,20 +34177,20 @@
     </p:spTree>
     <p:extLst>
       <p:ext uri="{BB962C8B-B14F-4D97-AF65-F5344CB8AC3E}">
-        <p14:creationId xmlns:p14="http://schemas.microsoft.com/office/powerpoint/2010/main" val="539505708"/>
+        <p14:creationId xmlns:p14="http://schemas.microsoft.com/office/powerpoint/2010/main" xmlns:p="http://schemas.openxmlformats.org/presentationml/2006/main" xmlns:r="http://schemas.openxmlformats.org/officeDocument/2006/relationships" xmlns:a="http://schemas.openxmlformats.org/drawingml/2006/main" xmlns="" val="539505708"/>
       </p:ext>
     </p:extLst>
   </p:cSld>
   <p:clrMapOvr>
     <a:masterClrMapping/>
   </p:clrMapOvr>
-  <p:transition xmlns:p14="http://schemas.microsoft.com/office/powerpoint/2010/main" spd="med">
+  <p:transition spd="med">
     <p:fade/>
   </p:transition>
   <p:timing>
     <p:tnLst>
       <p:par>
-        <p:cTn xmlns:p14="http://schemas.microsoft.com/office/powerpoint/2010/main" id="1" dur="indefinite" restart="never" nodeType="tmRoot"/>
+        <p:cTn id="1" dur="indefinite" restart="never" nodeType="tmRoot"/>
       </p:par>
     </p:tnLst>
   </p:timing>
@@ -34423,7 +34198,7 @@
 </file>
 
 <file path=ppt/slides/slide77.xml><?xml version="1.0" encoding="utf-8"?>
-<p:sld xmlns:a="http://schemas.openxmlformats.org/drawingml/2006/main" xmlns:r="http://schemas.openxmlformats.org/officeDocument/2006/relationships" xmlns:p="http://schemas.openxmlformats.org/presentationml/2006/main">
+<p:sld xmlns:a="http://schemas.openxmlformats.org/drawingml/2006/main" xmlns:r="http://schemas.openxmlformats.org/officeDocument/2006/relationships" xmlns:mc="http://schemas.openxmlformats.org/markup-compatibility/2006" xmlns:mv="urn:schemas-microsoft-com:mac:vml" xmlns:p="http://schemas.openxmlformats.org/presentationml/2006/main" mc:Ignorable="mv" mc:PreserveAttributes="mv:*">
   <p:cSld>
     <p:spTree>
       <p:nvGrpSpPr>
@@ -34515,20 +34290,20 @@
     </p:spTree>
     <p:extLst>
       <p:ext uri="{BB962C8B-B14F-4D97-AF65-F5344CB8AC3E}">
-        <p14:creationId xmlns:p14="http://schemas.microsoft.com/office/powerpoint/2010/main" val="2602450763"/>
+        <p14:creationId xmlns:p14="http://schemas.microsoft.com/office/powerpoint/2010/main" xmlns:p="http://schemas.openxmlformats.org/presentationml/2006/main" xmlns:r="http://schemas.openxmlformats.org/officeDocument/2006/relationships" xmlns:a="http://schemas.openxmlformats.org/drawingml/2006/main" xmlns="" val="2602450763"/>
       </p:ext>
     </p:extLst>
   </p:cSld>
   <p:clrMapOvr>
     <a:masterClrMapping/>
   </p:clrMapOvr>
-  <p:transition xmlns:p14="http://schemas.microsoft.com/office/powerpoint/2010/main" spd="med">
+  <p:transition spd="med">
     <p:fade/>
   </p:transition>
   <p:timing>
     <p:tnLst>
       <p:par>
-        <p:cTn xmlns:p14="http://schemas.microsoft.com/office/powerpoint/2010/main" id="1" dur="indefinite" restart="never" nodeType="tmRoot"/>
+        <p:cTn id="1" dur="indefinite" restart="never" nodeType="tmRoot"/>
       </p:par>
     </p:tnLst>
   </p:timing>
@@ -34536,7 +34311,7 @@
 </file>
 
 <file path=ppt/slides/slide8.xml><?xml version="1.0" encoding="utf-8"?>
-<p:sld xmlns:a="http://schemas.openxmlformats.org/drawingml/2006/main" xmlns:r="http://schemas.openxmlformats.org/officeDocument/2006/relationships" xmlns:p="http://schemas.openxmlformats.org/presentationml/2006/main">
+<p:sld xmlns:a="http://schemas.openxmlformats.org/drawingml/2006/main" xmlns:r="http://schemas.openxmlformats.org/officeDocument/2006/relationships" xmlns:mc="http://schemas.openxmlformats.org/markup-compatibility/2006" xmlns:mv="urn:schemas-microsoft-com:mac:vml" xmlns:p="http://schemas.openxmlformats.org/presentationml/2006/main" mc:Ignorable="mv" mc:PreserveAttributes="mv:*">
   <p:cSld>
     <p:spTree>
       <p:nvGrpSpPr>
@@ -34959,7 +34734,7 @@
     </p:spTree>
     <p:extLst>
       <p:ext uri="{BB962C8B-B14F-4D97-AF65-F5344CB8AC3E}">
-        <p14:creationId xmlns:p14="http://schemas.microsoft.com/office/powerpoint/2010/main" val="1530812449"/>
+        <p14:creationId xmlns:p14="http://schemas.microsoft.com/office/powerpoint/2010/main" xmlns:p="http://schemas.openxmlformats.org/presentationml/2006/main" xmlns:r="http://schemas.openxmlformats.org/officeDocument/2006/relationships" xmlns:a="http://schemas.openxmlformats.org/drawingml/2006/main" xmlns="" val="1530812449"/>
       </p:ext>
     </p:extLst>
   </p:cSld>
@@ -34970,7 +34745,7 @@
 </file>
 
 <file path=ppt/slides/slide9.xml><?xml version="1.0" encoding="utf-8"?>
-<p:sld xmlns:a="http://schemas.openxmlformats.org/drawingml/2006/main" xmlns:r="http://schemas.openxmlformats.org/officeDocument/2006/relationships" xmlns:p="http://schemas.openxmlformats.org/presentationml/2006/main">
+<p:sld xmlns:a="http://schemas.openxmlformats.org/drawingml/2006/main" xmlns:r="http://schemas.openxmlformats.org/officeDocument/2006/relationships" xmlns:mc="http://schemas.openxmlformats.org/markup-compatibility/2006" xmlns:mv="urn:schemas-microsoft-com:mac:vml" xmlns:p="http://schemas.openxmlformats.org/presentationml/2006/main" mc:Ignorable="mv" mc:PreserveAttributes="mv:*">
   <p:cSld>
     <p:spTree>
       <p:nvGrpSpPr>
@@ -35012,7 +34787,7 @@
     </p:spTree>
     <p:extLst>
       <p:ext uri="{BB962C8B-B14F-4D97-AF65-F5344CB8AC3E}">
-        <p14:creationId xmlns:p14="http://schemas.microsoft.com/office/powerpoint/2010/main" val="4142611970"/>
+        <p14:creationId xmlns:p14="http://schemas.microsoft.com/office/powerpoint/2010/main" xmlns:p="http://schemas.openxmlformats.org/presentationml/2006/main" xmlns:r="http://schemas.openxmlformats.org/officeDocument/2006/relationships" xmlns:a="http://schemas.openxmlformats.org/drawingml/2006/main" xmlns="" val="4142611970"/>
       </p:ext>
     </p:extLst>
   </p:cSld>
